--- a/bigbluebutton-config/web/default.pptx
+++ b/bigbluebutton-config/web/default.pptx
@@ -5,7 +5,7 @@
     <p:sldMasterId id="2147483648" r:id="rId1"/>
   </p:sldMasterIdLst>
   <p:notesMasterIdLst>
-    <p:notesMasterId r:id="rId22"/>
+    <p:notesMasterId r:id="rId17"/>
   </p:notesMasterIdLst>
   <p:sldIdLst>
     <p:sldId id="256" r:id="rId2"/>
@@ -23,11 +23,6 @@
     <p:sldId id="268" r:id="rId14"/>
     <p:sldId id="269" r:id="rId15"/>
     <p:sldId id="270" r:id="rId16"/>
-    <p:sldId id="271" r:id="rId17"/>
-    <p:sldId id="272" r:id="rId18"/>
-    <p:sldId id="273" r:id="rId19"/>
-    <p:sldId id="274" r:id="rId20"/>
-    <p:sldId id="275" r:id="rId21"/>
   </p:sldIdLst>
   <p:sldSz cx="24384000" cy="13716000"/>
   <p:notesSz cx="6858000" cy="9144000"/>
@@ -73,7 +68,7 @@
       <a:buFontTx/>
       <a:buNone/>
       <a:tabLst/>
-      <a:defRPr kumimoji="0" sz="3000" b="1" i="0" u="none" strike="noStrike" cap="none" spc="0" normalizeH="0" baseline="0">
+      <a:defRPr kumimoji="0" sz="3000" b="0" i="0" u="none" strike="noStrike" cap="none" spc="0" normalizeH="0" baseline="0">
         <a:ln>
           <a:noFill/>
         </a:ln>
@@ -82,13 +77,13 @@
         </a:solidFill>
         <a:effectLst/>
         <a:uFillTx/>
-        <a:latin typeface="Helvetica Neue"/>
-        <a:ea typeface="Helvetica Neue"/>
-        <a:cs typeface="Helvetica Neue"/>
-        <a:sym typeface="Helvetica Neue"/>
+        <a:latin typeface="Helvetica Neue Medium"/>
+        <a:ea typeface="Helvetica Neue Medium"/>
+        <a:cs typeface="Helvetica Neue Medium"/>
+        <a:sym typeface="Helvetica Neue Medium"/>
       </a:defRPr>
     </a:lvl1pPr>
-    <a:lvl2pPr marL="0" marR="0" indent="228600" algn="ctr" defTabSz="825500" rtl="0" fontAlgn="auto" latinLnBrk="0" hangingPunct="0">
+    <a:lvl2pPr marL="0" marR="0" indent="0" algn="ctr" defTabSz="825500" rtl="0" fontAlgn="auto" latinLnBrk="0" hangingPunct="0">
       <a:lnSpc>
         <a:spcPct val="100000"/>
       </a:lnSpc>
@@ -103,7 +98,7 @@
       <a:buFontTx/>
       <a:buNone/>
       <a:tabLst/>
-      <a:defRPr kumimoji="0" sz="3000" b="1" i="0" u="none" strike="noStrike" cap="none" spc="0" normalizeH="0" baseline="0">
+      <a:defRPr kumimoji="0" sz="3000" b="0" i="0" u="none" strike="noStrike" cap="none" spc="0" normalizeH="0" baseline="0">
         <a:ln>
           <a:noFill/>
         </a:ln>
@@ -112,13 +107,13 @@
         </a:solidFill>
         <a:effectLst/>
         <a:uFillTx/>
-        <a:latin typeface="Helvetica Neue"/>
-        <a:ea typeface="Helvetica Neue"/>
-        <a:cs typeface="Helvetica Neue"/>
-        <a:sym typeface="Helvetica Neue"/>
+        <a:latin typeface="Helvetica Neue Medium"/>
+        <a:ea typeface="Helvetica Neue Medium"/>
+        <a:cs typeface="Helvetica Neue Medium"/>
+        <a:sym typeface="Helvetica Neue Medium"/>
       </a:defRPr>
     </a:lvl2pPr>
-    <a:lvl3pPr marL="0" marR="0" indent="457200" algn="ctr" defTabSz="825500" rtl="0" fontAlgn="auto" latinLnBrk="0" hangingPunct="0">
+    <a:lvl3pPr marL="0" marR="0" indent="0" algn="ctr" defTabSz="825500" rtl="0" fontAlgn="auto" latinLnBrk="0" hangingPunct="0">
       <a:lnSpc>
         <a:spcPct val="100000"/>
       </a:lnSpc>
@@ -133,7 +128,7 @@
       <a:buFontTx/>
       <a:buNone/>
       <a:tabLst/>
-      <a:defRPr kumimoji="0" sz="3000" b="1" i="0" u="none" strike="noStrike" cap="none" spc="0" normalizeH="0" baseline="0">
+      <a:defRPr kumimoji="0" sz="3000" b="0" i="0" u="none" strike="noStrike" cap="none" spc="0" normalizeH="0" baseline="0">
         <a:ln>
           <a:noFill/>
         </a:ln>
@@ -142,13 +137,13 @@
         </a:solidFill>
         <a:effectLst/>
         <a:uFillTx/>
-        <a:latin typeface="Helvetica Neue"/>
-        <a:ea typeface="Helvetica Neue"/>
-        <a:cs typeface="Helvetica Neue"/>
-        <a:sym typeface="Helvetica Neue"/>
+        <a:latin typeface="Helvetica Neue Medium"/>
+        <a:ea typeface="Helvetica Neue Medium"/>
+        <a:cs typeface="Helvetica Neue Medium"/>
+        <a:sym typeface="Helvetica Neue Medium"/>
       </a:defRPr>
     </a:lvl3pPr>
-    <a:lvl4pPr marL="0" marR="0" indent="685800" algn="ctr" defTabSz="825500" rtl="0" fontAlgn="auto" latinLnBrk="0" hangingPunct="0">
+    <a:lvl4pPr marL="0" marR="0" indent="0" algn="ctr" defTabSz="825500" rtl="0" fontAlgn="auto" latinLnBrk="0" hangingPunct="0">
       <a:lnSpc>
         <a:spcPct val="100000"/>
       </a:lnSpc>
@@ -163,7 +158,7 @@
       <a:buFontTx/>
       <a:buNone/>
       <a:tabLst/>
-      <a:defRPr kumimoji="0" sz="3000" b="1" i="0" u="none" strike="noStrike" cap="none" spc="0" normalizeH="0" baseline="0">
+      <a:defRPr kumimoji="0" sz="3000" b="0" i="0" u="none" strike="noStrike" cap="none" spc="0" normalizeH="0" baseline="0">
         <a:ln>
           <a:noFill/>
         </a:ln>
@@ -172,13 +167,13 @@
         </a:solidFill>
         <a:effectLst/>
         <a:uFillTx/>
-        <a:latin typeface="Helvetica Neue"/>
-        <a:ea typeface="Helvetica Neue"/>
-        <a:cs typeface="Helvetica Neue"/>
-        <a:sym typeface="Helvetica Neue"/>
+        <a:latin typeface="Helvetica Neue Medium"/>
+        <a:ea typeface="Helvetica Neue Medium"/>
+        <a:cs typeface="Helvetica Neue Medium"/>
+        <a:sym typeface="Helvetica Neue Medium"/>
       </a:defRPr>
     </a:lvl4pPr>
-    <a:lvl5pPr marL="0" marR="0" indent="914400" algn="ctr" defTabSz="825500" rtl="0" fontAlgn="auto" latinLnBrk="0" hangingPunct="0">
+    <a:lvl5pPr marL="0" marR="0" indent="0" algn="ctr" defTabSz="825500" rtl="0" fontAlgn="auto" latinLnBrk="0" hangingPunct="0">
       <a:lnSpc>
         <a:spcPct val="100000"/>
       </a:lnSpc>
@@ -193,7 +188,7 @@
       <a:buFontTx/>
       <a:buNone/>
       <a:tabLst/>
-      <a:defRPr kumimoji="0" sz="3000" b="1" i="0" u="none" strike="noStrike" cap="none" spc="0" normalizeH="0" baseline="0">
+      <a:defRPr kumimoji="0" sz="3000" b="0" i="0" u="none" strike="noStrike" cap="none" spc="0" normalizeH="0" baseline="0">
         <a:ln>
           <a:noFill/>
         </a:ln>
@@ -202,13 +197,13 @@
         </a:solidFill>
         <a:effectLst/>
         <a:uFillTx/>
-        <a:latin typeface="Helvetica Neue"/>
-        <a:ea typeface="Helvetica Neue"/>
-        <a:cs typeface="Helvetica Neue"/>
-        <a:sym typeface="Helvetica Neue"/>
+        <a:latin typeface="Helvetica Neue Medium"/>
+        <a:ea typeface="Helvetica Neue Medium"/>
+        <a:cs typeface="Helvetica Neue Medium"/>
+        <a:sym typeface="Helvetica Neue Medium"/>
       </a:defRPr>
     </a:lvl5pPr>
-    <a:lvl6pPr marL="0" marR="0" indent="1143000" algn="ctr" defTabSz="825500" rtl="0" fontAlgn="auto" latinLnBrk="0" hangingPunct="0">
+    <a:lvl6pPr marL="0" marR="0" indent="0" algn="ctr" defTabSz="825500" rtl="0" fontAlgn="auto" latinLnBrk="0" hangingPunct="0">
       <a:lnSpc>
         <a:spcPct val="100000"/>
       </a:lnSpc>
@@ -223,7 +218,7 @@
       <a:buFontTx/>
       <a:buNone/>
       <a:tabLst/>
-      <a:defRPr kumimoji="0" sz="3000" b="1" i="0" u="none" strike="noStrike" cap="none" spc="0" normalizeH="0" baseline="0">
+      <a:defRPr kumimoji="0" sz="3000" b="0" i="0" u="none" strike="noStrike" cap="none" spc="0" normalizeH="0" baseline="0">
         <a:ln>
           <a:noFill/>
         </a:ln>
@@ -232,13 +227,13 @@
         </a:solidFill>
         <a:effectLst/>
         <a:uFillTx/>
-        <a:latin typeface="Helvetica Neue"/>
-        <a:ea typeface="Helvetica Neue"/>
-        <a:cs typeface="Helvetica Neue"/>
-        <a:sym typeface="Helvetica Neue"/>
+        <a:latin typeface="Helvetica Neue Medium"/>
+        <a:ea typeface="Helvetica Neue Medium"/>
+        <a:cs typeface="Helvetica Neue Medium"/>
+        <a:sym typeface="Helvetica Neue Medium"/>
       </a:defRPr>
     </a:lvl6pPr>
-    <a:lvl7pPr marL="0" marR="0" indent="1371600" algn="ctr" defTabSz="825500" rtl="0" fontAlgn="auto" latinLnBrk="0" hangingPunct="0">
+    <a:lvl7pPr marL="0" marR="0" indent="0" algn="ctr" defTabSz="825500" rtl="0" fontAlgn="auto" latinLnBrk="0" hangingPunct="0">
       <a:lnSpc>
         <a:spcPct val="100000"/>
       </a:lnSpc>
@@ -253,7 +248,7 @@
       <a:buFontTx/>
       <a:buNone/>
       <a:tabLst/>
-      <a:defRPr kumimoji="0" sz="3000" b="1" i="0" u="none" strike="noStrike" cap="none" spc="0" normalizeH="0" baseline="0">
+      <a:defRPr kumimoji="0" sz="3000" b="0" i="0" u="none" strike="noStrike" cap="none" spc="0" normalizeH="0" baseline="0">
         <a:ln>
           <a:noFill/>
         </a:ln>
@@ -262,13 +257,13 @@
         </a:solidFill>
         <a:effectLst/>
         <a:uFillTx/>
-        <a:latin typeface="Helvetica Neue"/>
-        <a:ea typeface="Helvetica Neue"/>
-        <a:cs typeface="Helvetica Neue"/>
-        <a:sym typeface="Helvetica Neue"/>
+        <a:latin typeface="Helvetica Neue Medium"/>
+        <a:ea typeface="Helvetica Neue Medium"/>
+        <a:cs typeface="Helvetica Neue Medium"/>
+        <a:sym typeface="Helvetica Neue Medium"/>
       </a:defRPr>
     </a:lvl7pPr>
-    <a:lvl8pPr marL="0" marR="0" indent="1600200" algn="ctr" defTabSz="825500" rtl="0" fontAlgn="auto" latinLnBrk="0" hangingPunct="0">
+    <a:lvl8pPr marL="0" marR="0" indent="0" algn="ctr" defTabSz="825500" rtl="0" fontAlgn="auto" latinLnBrk="0" hangingPunct="0">
       <a:lnSpc>
         <a:spcPct val="100000"/>
       </a:lnSpc>
@@ -283,7 +278,7 @@
       <a:buFontTx/>
       <a:buNone/>
       <a:tabLst/>
-      <a:defRPr kumimoji="0" sz="3000" b="1" i="0" u="none" strike="noStrike" cap="none" spc="0" normalizeH="0" baseline="0">
+      <a:defRPr kumimoji="0" sz="3000" b="0" i="0" u="none" strike="noStrike" cap="none" spc="0" normalizeH="0" baseline="0">
         <a:ln>
           <a:noFill/>
         </a:ln>
@@ -292,13 +287,13 @@
         </a:solidFill>
         <a:effectLst/>
         <a:uFillTx/>
-        <a:latin typeface="Helvetica Neue"/>
-        <a:ea typeface="Helvetica Neue"/>
-        <a:cs typeface="Helvetica Neue"/>
-        <a:sym typeface="Helvetica Neue"/>
+        <a:latin typeface="Helvetica Neue Medium"/>
+        <a:ea typeface="Helvetica Neue Medium"/>
+        <a:cs typeface="Helvetica Neue Medium"/>
+        <a:sym typeface="Helvetica Neue Medium"/>
       </a:defRPr>
     </a:lvl8pPr>
-    <a:lvl9pPr marL="0" marR="0" indent="1828800" algn="ctr" defTabSz="825500" rtl="0" fontAlgn="auto" latinLnBrk="0" hangingPunct="0">
+    <a:lvl9pPr marL="0" marR="0" indent="0" algn="ctr" defTabSz="825500" rtl="0" fontAlgn="auto" latinLnBrk="0" hangingPunct="0">
       <a:lnSpc>
         <a:spcPct val="100000"/>
       </a:lnSpc>
@@ -313,7 +308,7 @@
       <a:buFontTx/>
       <a:buNone/>
       <a:tabLst/>
-      <a:defRPr kumimoji="0" sz="3000" b="1" i="0" u="none" strike="noStrike" cap="none" spc="0" normalizeH="0" baseline="0">
+      <a:defRPr kumimoji="0" sz="3000" b="0" i="0" u="none" strike="noStrike" cap="none" spc="0" normalizeH="0" baseline="0">
         <a:ln>
           <a:noFill/>
         </a:ln>
@@ -322,29 +317,13 @@
         </a:solidFill>
         <a:effectLst/>
         <a:uFillTx/>
-        <a:latin typeface="Helvetica Neue"/>
-        <a:ea typeface="Helvetica Neue"/>
-        <a:cs typeface="Helvetica Neue"/>
-        <a:sym typeface="Helvetica Neue"/>
+        <a:latin typeface="Helvetica Neue Medium"/>
+        <a:ea typeface="Helvetica Neue Medium"/>
+        <a:cs typeface="Helvetica Neue Medium"/>
+        <a:sym typeface="Helvetica Neue Medium"/>
       </a:defRPr>
     </a:lvl9pPr>
   </p:defaultTextStyle>
-  <p:extLst>
-    <p:ext uri="{EFAFB233-063F-42B5-8137-9DF3F51BA10A}">
-      <p15:sldGuideLst xmlns:p15="http://schemas.microsoft.com/office/powerpoint/2012/main">
-        <p15:guide id="1" orient="horz" pos="4320">
-          <p15:clr>
-            <a:srgbClr val="A4A3A4"/>
-          </p15:clr>
-        </p15:guide>
-        <p15:guide id="2" pos="7680">
-          <p15:clr>
-            <a:srgbClr val="A4A3A4"/>
-          </p15:clr>
-        </p15:guide>
-      </p15:sldGuideLst>
-    </p:ext>
-  </p:extLst>
 </p:presentation>
 </file>
 
@@ -425,11 +404,6 @@
         </p:txBody>
       </p:sp>
     </p:spTree>
-    <p:extLst>
-      <p:ext uri="{BB962C8B-B14F-4D97-AF65-F5344CB8AC3E}">
-        <p14:creationId xmlns:p14="http://schemas.microsoft.com/office/powerpoint/2010/main" val="3102496115"/>
-      </p:ext>
-    </p:extLst>
   </p:cSld>
   <p:clrMap bg1="lt1" tx1="dk1" bg2="lt2" tx2="dk2" accent1="accent1" accent2="accent2" accent3="accent3" accent4="accent4" accent5="accent5" accent6="accent6" hlink="hlink" folHlink="folHlink"/>
   <p:notesStyle>
@@ -438,9 +412,9 @@
         <a:spcPct val="117999"/>
       </a:lnSpc>
       <a:defRPr sz="2200">
-        <a:latin typeface="Helvetica Neue"/>
-        <a:ea typeface="Helvetica Neue"/>
-        <a:cs typeface="Helvetica Neue"/>
+        <a:latin typeface="+mj-lt"/>
+        <a:ea typeface="+mj-ea"/>
+        <a:cs typeface="+mj-cs"/>
         <a:sym typeface="Helvetica Neue"/>
       </a:defRPr>
     </a:lvl1pPr>
@@ -449,9 +423,9 @@
         <a:spcPct val="117999"/>
       </a:lnSpc>
       <a:defRPr sz="2200">
-        <a:latin typeface="Helvetica Neue"/>
-        <a:ea typeface="Helvetica Neue"/>
-        <a:cs typeface="Helvetica Neue"/>
+        <a:latin typeface="+mj-lt"/>
+        <a:ea typeface="+mj-ea"/>
+        <a:cs typeface="+mj-cs"/>
         <a:sym typeface="Helvetica Neue"/>
       </a:defRPr>
     </a:lvl2pPr>
@@ -460,9 +434,9 @@
         <a:spcPct val="117999"/>
       </a:lnSpc>
       <a:defRPr sz="2200">
-        <a:latin typeface="Helvetica Neue"/>
-        <a:ea typeface="Helvetica Neue"/>
-        <a:cs typeface="Helvetica Neue"/>
+        <a:latin typeface="+mj-lt"/>
+        <a:ea typeface="+mj-ea"/>
+        <a:cs typeface="+mj-cs"/>
         <a:sym typeface="Helvetica Neue"/>
       </a:defRPr>
     </a:lvl3pPr>
@@ -471,9 +445,9 @@
         <a:spcPct val="117999"/>
       </a:lnSpc>
       <a:defRPr sz="2200">
-        <a:latin typeface="Helvetica Neue"/>
-        <a:ea typeface="Helvetica Neue"/>
-        <a:cs typeface="Helvetica Neue"/>
+        <a:latin typeface="+mj-lt"/>
+        <a:ea typeface="+mj-ea"/>
+        <a:cs typeface="+mj-cs"/>
         <a:sym typeface="Helvetica Neue"/>
       </a:defRPr>
     </a:lvl4pPr>
@@ -482,9 +456,9 @@
         <a:spcPct val="117999"/>
       </a:lnSpc>
       <a:defRPr sz="2200">
-        <a:latin typeface="Helvetica Neue"/>
-        <a:ea typeface="Helvetica Neue"/>
-        <a:cs typeface="Helvetica Neue"/>
+        <a:latin typeface="+mj-lt"/>
+        <a:ea typeface="+mj-ea"/>
+        <a:cs typeface="+mj-cs"/>
         <a:sym typeface="Helvetica Neue"/>
       </a:defRPr>
     </a:lvl5pPr>
@@ -493,9 +467,9 @@
         <a:spcPct val="117999"/>
       </a:lnSpc>
       <a:defRPr sz="2200">
-        <a:latin typeface="Helvetica Neue"/>
-        <a:ea typeface="Helvetica Neue"/>
-        <a:cs typeface="Helvetica Neue"/>
+        <a:latin typeface="+mj-lt"/>
+        <a:ea typeface="+mj-ea"/>
+        <a:cs typeface="+mj-cs"/>
         <a:sym typeface="Helvetica Neue"/>
       </a:defRPr>
     </a:lvl6pPr>
@@ -504,9 +478,9 @@
         <a:spcPct val="117999"/>
       </a:lnSpc>
       <a:defRPr sz="2200">
-        <a:latin typeface="Helvetica Neue"/>
-        <a:ea typeface="Helvetica Neue"/>
-        <a:cs typeface="Helvetica Neue"/>
+        <a:latin typeface="+mj-lt"/>
+        <a:ea typeface="+mj-ea"/>
+        <a:cs typeface="+mj-cs"/>
         <a:sym typeface="Helvetica Neue"/>
       </a:defRPr>
     </a:lvl7pPr>
@@ -515,9 +489,9 @@
         <a:spcPct val="117999"/>
       </a:lnSpc>
       <a:defRPr sz="2200">
-        <a:latin typeface="Helvetica Neue"/>
-        <a:ea typeface="Helvetica Neue"/>
-        <a:cs typeface="Helvetica Neue"/>
+        <a:latin typeface="+mj-lt"/>
+        <a:ea typeface="+mj-ea"/>
+        <a:cs typeface="+mj-cs"/>
         <a:sym typeface="Helvetica Neue"/>
       </a:defRPr>
     </a:lvl8pPr>
@@ -526,9 +500,9 @@
         <a:spcPct val="117999"/>
       </a:lnSpc>
       <a:defRPr sz="2200">
-        <a:latin typeface="Helvetica Neue"/>
-        <a:ea typeface="Helvetica Neue"/>
-        <a:cs typeface="Helvetica Neue"/>
+        <a:latin typeface="+mj-lt"/>
+        <a:ea typeface="+mj-ea"/>
+        <a:cs typeface="+mj-cs"/>
         <a:sym typeface="Helvetica Neue"/>
       </a:defRPr>
     </a:lvl9pPr>
@@ -555,7 +529,7 @@
       </p:grpSpPr>
       <p:sp>
         <p:nvSpPr>
-          <p:cNvPr id="11" name="Title Text"/>
+          <p:cNvPr id="11" name="Titeltext"/>
           <p:cNvSpPr txBox="1">
             <a:spLocks noGrp="1"/>
           </p:cNvSpPr>
@@ -577,14 +551,14 @@
           <a:lstStyle/>
           <a:p>
             <a:r>
-              <a:t>Title Text</a:t>
-            </a:r>
-          </a:p>
-        </p:txBody>
-      </p:sp>
-      <p:sp>
-        <p:nvSpPr>
-          <p:cNvPr id="12" name="Body Level One…"/>
+              <a:t>Titeltext</a:t>
+            </a:r>
+          </a:p>
+        </p:txBody>
+      </p:sp>
+      <p:sp>
+        <p:nvSpPr>
+          <p:cNvPr id="12" name="Textebene 1…"/>
           <p:cNvSpPr txBox="1">
             <a:spLocks noGrp="1"/>
           </p:cNvSpPr>
@@ -647,38 +621,38 @@
           </a:lstStyle>
           <a:p>
             <a:r>
-              <a:t>Body Level One</a:t>
+              <a:t>Textebene 1</a:t>
             </a:r>
           </a:p>
           <a:p>
             <a:pPr lvl="1"/>
             <a:r>
-              <a:t>Body Level Two</a:t>
+              <a:t>Textebene 2</a:t>
             </a:r>
           </a:p>
           <a:p>
             <a:pPr lvl="2"/>
             <a:r>
-              <a:t>Body Level Three</a:t>
+              <a:t>Textebene 3</a:t>
             </a:r>
           </a:p>
           <a:p>
             <a:pPr lvl="3"/>
             <a:r>
-              <a:t>Body Level Four</a:t>
+              <a:t>Textebene 4</a:t>
             </a:r>
           </a:p>
           <a:p>
             <a:pPr lvl="4"/>
             <a:r>
-              <a:t>Body Level Five</a:t>
-            </a:r>
-          </a:p>
-        </p:txBody>
-      </p:sp>
-      <p:sp>
-        <p:nvSpPr>
-          <p:cNvPr id="13" name="Slide Number"/>
+              <a:t>Textebene 5</a:t>
+            </a:r>
+          </a:p>
+        </p:txBody>
+      </p:sp>
+      <p:sp>
+        <p:nvSpPr>
+          <p:cNvPr id="13" name="Foliennummer"/>
           <p:cNvSpPr txBox="1">
             <a:spLocks noGrp="1"/>
           </p:cNvSpPr>
@@ -730,12 +704,12 @@
       </p:grpSpPr>
       <p:sp>
         <p:nvSpPr>
-          <p:cNvPr id="93" name="–Johnny Appleseed"/>
+          <p:cNvPr id="93" name="Textebene 1…"/>
           <p:cNvSpPr txBox="1">
             <a:spLocks noGrp="1"/>
           </p:cNvSpPr>
           <p:nvPr>
-            <p:ph type="body" sz="quarter" idx="13"/>
+            <p:ph type="body" sz="quarter" idx="1"/>
           </p:nvPr>
         </p:nvSpPr>
         <p:spPr>
@@ -748,9 +722,7 @@
           </a:prstGeom>
         </p:spPr>
         <p:txBody>
-          <a:bodyPr anchor="t">
-            <a:spAutoFit/>
-          </a:bodyPr>
+          <a:bodyPr anchor="t"/>
           <a:lstStyle>
             <a:lvl1pPr marL="0" indent="0" algn="ctr">
               <a:spcBef>
@@ -760,10 +732,58 @@
               <a:buNone/>
               <a:defRPr sz="3200" i="1"/>
             </a:lvl1pPr>
+            <a:lvl2pPr marL="1025769" indent="-390769" algn="ctr">
+              <a:spcBef>
+                <a:spcPts val="0"/>
+              </a:spcBef>
+              <a:defRPr sz="3200" i="1"/>
+            </a:lvl2pPr>
+            <a:lvl3pPr marL="1660769" indent="-390769" algn="ctr">
+              <a:spcBef>
+                <a:spcPts val="0"/>
+              </a:spcBef>
+              <a:defRPr sz="3200" i="1"/>
+            </a:lvl3pPr>
+            <a:lvl4pPr marL="2295769" indent="-390769" algn="ctr">
+              <a:spcBef>
+                <a:spcPts val="0"/>
+              </a:spcBef>
+              <a:defRPr sz="3200" i="1"/>
+            </a:lvl4pPr>
+            <a:lvl5pPr marL="2930769" indent="-390769" algn="ctr">
+              <a:spcBef>
+                <a:spcPts val="0"/>
+              </a:spcBef>
+              <a:defRPr sz="3200" i="1"/>
+            </a:lvl5pPr>
           </a:lstStyle>
           <a:p>
             <a:r>
-              <a:t>–Johnny Appleseed</a:t>
+              <a:t>Textebene 1</a:t>
+            </a:r>
+          </a:p>
+          <a:p>
+            <a:pPr lvl="1"/>
+            <a:r>
+              <a:t>Textebene 2</a:t>
+            </a:r>
+          </a:p>
+          <a:p>
+            <a:pPr lvl="2"/>
+            <a:r>
+              <a:t>Textebene 3</a:t>
+            </a:r>
+          </a:p>
+          <a:p>
+            <a:pPr lvl="3"/>
+            <a:r>
+              <a:t>Textebene 4</a:t>
+            </a:r>
+          </a:p>
+          <a:p>
+            <a:pPr lvl="4"/>
+            <a:r>
+              <a:t>Textebene 5</a:t>
             </a:r>
           </a:p>
         </p:txBody>
@@ -775,7 +795,7 @@
             <a:spLocks noGrp="1"/>
           </p:cNvSpPr>
           <p:nvPr>
-            <p:ph type="body" sz="quarter" idx="14"/>
+            <p:ph type="body" sz="quarter" idx="21"/>
           </p:nvPr>
         </p:nvSpPr>
         <p:spPr>
@@ -788,34 +808,29 @@
           </a:prstGeom>
         </p:spPr>
         <p:txBody>
-          <a:bodyPr>
-            <a:spAutoFit/>
-          </a:bodyPr>
-          <a:lstStyle>
-            <a:lvl1pPr marL="0" indent="0" algn="ctr">
+          <a:bodyPr/>
+          <a:lstStyle/>
+          <a:p>
+            <a:pPr marL="0" indent="0" algn="ctr">
               <a:spcBef>
                 <a:spcPts val="0"/>
               </a:spcBef>
               <a:buSzTx/>
               <a:buNone/>
-              <a:defRPr sz="4800">
-                <a:latin typeface="+mn-lt"/>
-                <a:ea typeface="+mn-ea"/>
-                <a:cs typeface="+mn-cs"/>
+              <a:defRPr>
+                <a:latin typeface="Helvetica Neue Medium"/>
+                <a:ea typeface="Helvetica Neue Medium"/>
+                <a:cs typeface="Helvetica Neue Medium"/>
                 <a:sym typeface="Helvetica Neue Medium"/>
               </a:defRPr>
-            </a:lvl1pPr>
-          </a:lstStyle>
-          <a:p>
-            <a:r>
-              <a:t>“Type a quote here.” </a:t>
-            </a:r>
-          </a:p>
-        </p:txBody>
-      </p:sp>
-      <p:sp>
-        <p:nvSpPr>
-          <p:cNvPr id="95" name="Slide Number"/>
+            </a:pPr>
+            <a:endParaRPr/>
+          </a:p>
+        </p:txBody>
+      </p:sp>
+      <p:sp>
+        <p:nvSpPr>
+          <p:cNvPr id="95" name="Foliennummer"/>
           <p:cNvSpPr txBox="1">
             <a:spLocks noGrp="1"/>
           </p:cNvSpPr>
@@ -872,7 +887,7 @@
             <a:spLocks noGrp="1"/>
           </p:cNvSpPr>
           <p:nvPr>
-            <p:ph type="pic" idx="13"/>
+            <p:ph type="pic" idx="21"/>
           </p:nvPr>
         </p:nvSpPr>
         <p:spPr>
@@ -896,7 +911,7 @@
       </p:sp>
       <p:sp>
         <p:nvSpPr>
-          <p:cNvPr id="103" name="Slide Number"/>
+          <p:cNvPr id="103" name="Foliennummer"/>
           <p:cNvSpPr txBox="1">
             <a:spLocks noGrp="1"/>
           </p:cNvSpPr>
@@ -948,7 +963,7 @@
       </p:grpSpPr>
       <p:sp>
         <p:nvSpPr>
-          <p:cNvPr id="110" name="Slide Number"/>
+          <p:cNvPr id="110" name="Foliennummer"/>
           <p:cNvSpPr txBox="1">
             <a:spLocks noGrp="1"/>
           </p:cNvSpPr>
@@ -1005,13 +1020,13 @@
             <a:spLocks noGrp="1"/>
           </p:cNvSpPr>
           <p:nvPr>
-            <p:ph type="pic" idx="13"/>
+            <p:ph type="pic" idx="21"/>
           </p:nvPr>
         </p:nvSpPr>
         <p:spPr>
           <a:xfrm>
-            <a:off x="3125968" y="673100"/>
-            <a:ext cx="18135601" cy="8737600"/>
+            <a:off x="3125967" y="673100"/>
+            <a:ext cx="18135603" cy="8737600"/>
           </a:xfrm>
           <a:prstGeom prst="rect">
             <a:avLst/>
@@ -1029,7 +1044,7 @@
       </p:sp>
       <p:sp>
         <p:nvSpPr>
-          <p:cNvPr id="21" name="Title Text"/>
+          <p:cNvPr id="21" name="Titeltext"/>
           <p:cNvSpPr txBox="1">
             <a:spLocks noGrp="1"/>
           </p:cNvSpPr>
@@ -1051,14 +1066,14 @@
           <a:lstStyle/>
           <a:p>
             <a:r>
-              <a:t>Title Text</a:t>
-            </a:r>
-          </a:p>
-        </p:txBody>
-      </p:sp>
-      <p:sp>
-        <p:nvSpPr>
-          <p:cNvPr id="22" name="Body Level One…"/>
+              <a:t>Titeltext</a:t>
+            </a:r>
+          </a:p>
+        </p:txBody>
+      </p:sp>
+      <p:sp>
+        <p:nvSpPr>
+          <p:cNvPr id="22" name="Textebene 1…"/>
           <p:cNvSpPr txBox="1">
             <a:spLocks noGrp="1"/>
           </p:cNvSpPr>
@@ -1121,38 +1136,38 @@
           </a:lstStyle>
           <a:p>
             <a:r>
-              <a:t>Body Level One</a:t>
+              <a:t>Textebene 1</a:t>
             </a:r>
           </a:p>
           <a:p>
             <a:pPr lvl="1"/>
             <a:r>
-              <a:t>Body Level Two</a:t>
+              <a:t>Textebene 2</a:t>
             </a:r>
           </a:p>
           <a:p>
             <a:pPr lvl="2"/>
             <a:r>
-              <a:t>Body Level Three</a:t>
+              <a:t>Textebene 3</a:t>
             </a:r>
           </a:p>
           <a:p>
             <a:pPr lvl="3"/>
             <a:r>
-              <a:t>Body Level Four</a:t>
+              <a:t>Textebene 4</a:t>
             </a:r>
           </a:p>
           <a:p>
             <a:pPr lvl="4"/>
             <a:r>
-              <a:t>Body Level Five</a:t>
-            </a:r>
-          </a:p>
-        </p:txBody>
-      </p:sp>
-      <p:sp>
-        <p:nvSpPr>
-          <p:cNvPr id="23" name="Slide Number"/>
+              <a:t>Textebene 5</a:t>
+            </a:r>
+          </a:p>
+        </p:txBody>
+      </p:sp>
+      <p:sp>
+        <p:nvSpPr>
+          <p:cNvPr id="23" name="Foliennummer"/>
           <p:cNvSpPr txBox="1">
             <a:spLocks noGrp="1"/>
           </p:cNvSpPr>
@@ -1204,7 +1219,7 @@
       </p:grpSpPr>
       <p:sp>
         <p:nvSpPr>
-          <p:cNvPr id="30" name="Title Text"/>
+          <p:cNvPr id="30" name="Titeltext"/>
           <p:cNvSpPr txBox="1">
             <a:spLocks noGrp="1"/>
           </p:cNvSpPr>
@@ -1226,14 +1241,14 @@
           <a:lstStyle/>
           <a:p>
             <a:r>
-              <a:t>Title Text</a:t>
-            </a:r>
-          </a:p>
-        </p:txBody>
-      </p:sp>
-      <p:sp>
-        <p:nvSpPr>
-          <p:cNvPr id="31" name="Slide Number"/>
+              <a:t>Titeltext</a:t>
+            </a:r>
+          </a:p>
+        </p:txBody>
+      </p:sp>
+      <p:sp>
+        <p:nvSpPr>
+          <p:cNvPr id="31" name="Foliennummer"/>
           <p:cNvSpPr txBox="1">
             <a:spLocks noGrp="1"/>
           </p:cNvSpPr>
@@ -1290,13 +1305,13 @@
             <a:spLocks noGrp="1"/>
           </p:cNvSpPr>
           <p:nvPr>
-            <p:ph type="pic" sz="half" idx="13"/>
+            <p:ph type="pic" sz="half" idx="21"/>
           </p:nvPr>
         </p:nvSpPr>
         <p:spPr>
           <a:xfrm>
-            <a:off x="13165980" y="952500"/>
-            <a:ext cx="9525001" cy="11468100"/>
+            <a:off x="13165979" y="952500"/>
+            <a:ext cx="9525002" cy="11468100"/>
           </a:xfrm>
           <a:prstGeom prst="rect">
             <a:avLst/>
@@ -1314,7 +1329,7 @@
       </p:sp>
       <p:sp>
         <p:nvSpPr>
-          <p:cNvPr id="39" name="Title Text"/>
+          <p:cNvPr id="39" name="Titeltext"/>
           <p:cNvSpPr txBox="1">
             <a:spLocks noGrp="1"/>
           </p:cNvSpPr>
@@ -1340,14 +1355,14 @@
           </a:lstStyle>
           <a:p>
             <a:r>
-              <a:t>Title Text</a:t>
-            </a:r>
-          </a:p>
-        </p:txBody>
-      </p:sp>
-      <p:sp>
-        <p:nvSpPr>
-          <p:cNvPr id="40" name="Body Level One…"/>
+              <a:t>Titeltext</a:t>
+            </a:r>
+          </a:p>
+        </p:txBody>
+      </p:sp>
+      <p:sp>
+        <p:nvSpPr>
+          <p:cNvPr id="40" name="Textebene 1…"/>
           <p:cNvSpPr txBox="1">
             <a:spLocks noGrp="1"/>
           </p:cNvSpPr>
@@ -1410,38 +1425,38 @@
           </a:lstStyle>
           <a:p>
             <a:r>
-              <a:t>Body Level One</a:t>
+              <a:t>Textebene 1</a:t>
             </a:r>
           </a:p>
           <a:p>
             <a:pPr lvl="1"/>
             <a:r>
-              <a:t>Body Level Two</a:t>
+              <a:t>Textebene 2</a:t>
             </a:r>
           </a:p>
           <a:p>
             <a:pPr lvl="2"/>
             <a:r>
-              <a:t>Body Level Three</a:t>
+              <a:t>Textebene 3</a:t>
             </a:r>
           </a:p>
           <a:p>
             <a:pPr lvl="3"/>
             <a:r>
-              <a:t>Body Level Four</a:t>
+              <a:t>Textebene 4</a:t>
             </a:r>
           </a:p>
           <a:p>
             <a:pPr lvl="4"/>
             <a:r>
-              <a:t>Body Level Five</a:t>
-            </a:r>
-          </a:p>
-        </p:txBody>
-      </p:sp>
-      <p:sp>
-        <p:nvSpPr>
-          <p:cNvPr id="41" name="Slide Number"/>
+              <a:t>Textebene 5</a:t>
+            </a:r>
+          </a:p>
+        </p:txBody>
+      </p:sp>
+      <p:sp>
+        <p:nvSpPr>
+          <p:cNvPr id="41" name="Foliennummer"/>
           <p:cNvSpPr txBox="1">
             <a:spLocks noGrp="1"/>
           </p:cNvSpPr>
@@ -1493,7 +1508,7 @@
       </p:grpSpPr>
       <p:sp>
         <p:nvSpPr>
-          <p:cNvPr id="48" name="Title Text"/>
+          <p:cNvPr id="48" name="Titeltext"/>
           <p:cNvSpPr txBox="1">
             <a:spLocks noGrp="1"/>
           </p:cNvSpPr>
@@ -1511,14 +1526,14 @@
           <a:lstStyle/>
           <a:p>
             <a:r>
-              <a:t>Title Text</a:t>
-            </a:r>
-          </a:p>
-        </p:txBody>
-      </p:sp>
-      <p:sp>
-        <p:nvSpPr>
-          <p:cNvPr id="49" name="Slide Number"/>
+              <a:t>Titeltext</a:t>
+            </a:r>
+          </a:p>
+        </p:txBody>
+      </p:sp>
+      <p:sp>
+        <p:nvSpPr>
+          <p:cNvPr id="49" name="Foliennummer"/>
           <p:cNvSpPr txBox="1">
             <a:spLocks noGrp="1"/>
           </p:cNvSpPr>
@@ -1570,7 +1585,7 @@
       </p:grpSpPr>
       <p:sp>
         <p:nvSpPr>
-          <p:cNvPr id="56" name="Title Text"/>
+          <p:cNvPr id="56" name="Titeltext"/>
           <p:cNvSpPr txBox="1">
             <a:spLocks noGrp="1"/>
           </p:cNvSpPr>
@@ -1588,14 +1603,14 @@
           <a:lstStyle/>
           <a:p>
             <a:r>
-              <a:t>Title Text</a:t>
-            </a:r>
-          </a:p>
-        </p:txBody>
-      </p:sp>
-      <p:sp>
-        <p:nvSpPr>
-          <p:cNvPr id="57" name="Body Level One…"/>
+              <a:t>Titeltext</a:t>
+            </a:r>
+          </a:p>
+        </p:txBody>
+      </p:sp>
+      <p:sp>
+        <p:nvSpPr>
+          <p:cNvPr id="57" name="Textebene 1…"/>
           <p:cNvSpPr txBox="1">
             <a:spLocks noGrp="1"/>
           </p:cNvSpPr>
@@ -1610,57 +1625,41 @@
         </p:spPr>
         <p:txBody>
           <a:bodyPr/>
-          <a:lstStyle>
-            <a:lvl1pPr>
-              <a:defRPr sz="4800"/>
-            </a:lvl1pPr>
-            <a:lvl2pPr>
-              <a:defRPr sz="4800"/>
-            </a:lvl2pPr>
-            <a:lvl3pPr>
-              <a:defRPr sz="4800"/>
-            </a:lvl3pPr>
-            <a:lvl4pPr>
-              <a:defRPr sz="4800"/>
-            </a:lvl4pPr>
-            <a:lvl5pPr>
-              <a:defRPr sz="4800"/>
-            </a:lvl5pPr>
-          </a:lstStyle>
-          <a:p>
-            <a:r>
-              <a:t>Body Level One</a:t>
+          <a:lstStyle/>
+          <a:p>
+            <a:r>
+              <a:t>Textebene 1</a:t>
             </a:r>
           </a:p>
           <a:p>
             <a:pPr lvl="1"/>
             <a:r>
-              <a:t>Body Level Two</a:t>
+              <a:t>Textebene 2</a:t>
             </a:r>
           </a:p>
           <a:p>
             <a:pPr lvl="2"/>
             <a:r>
-              <a:t>Body Level Three</a:t>
+              <a:t>Textebene 3</a:t>
             </a:r>
           </a:p>
           <a:p>
             <a:pPr lvl="3"/>
             <a:r>
-              <a:t>Body Level Four</a:t>
+              <a:t>Textebene 4</a:t>
             </a:r>
           </a:p>
           <a:p>
             <a:pPr lvl="4"/>
             <a:r>
-              <a:t>Body Level Five</a:t>
-            </a:r>
-          </a:p>
-        </p:txBody>
-      </p:sp>
-      <p:sp>
-        <p:nvSpPr>
-          <p:cNvPr id="58" name="Slide Number"/>
+              <a:t>Textebene 5</a:t>
+            </a:r>
+          </a:p>
+        </p:txBody>
+      </p:sp>
+      <p:sp>
+        <p:nvSpPr>
+          <p:cNvPr id="58" name="Foliennummer"/>
           <p:cNvSpPr txBox="1">
             <a:spLocks noGrp="1"/>
           </p:cNvSpPr>
@@ -1717,7 +1716,7 @@
             <a:spLocks noGrp="1"/>
           </p:cNvSpPr>
           <p:nvPr>
-            <p:ph type="pic" sz="half" idx="13"/>
+            <p:ph type="pic" sz="half" idx="21"/>
           </p:nvPr>
         </p:nvSpPr>
         <p:spPr>
@@ -1741,7 +1740,7 @@
       </p:sp>
       <p:sp>
         <p:nvSpPr>
-          <p:cNvPr id="66" name="Title Text"/>
+          <p:cNvPr id="66" name="Titeltext"/>
           <p:cNvSpPr txBox="1">
             <a:spLocks noGrp="1"/>
           </p:cNvSpPr>
@@ -1759,14 +1758,14 @@
           <a:lstStyle/>
           <a:p>
             <a:r>
-              <a:t>Title Text</a:t>
-            </a:r>
-          </a:p>
-        </p:txBody>
-      </p:sp>
-      <p:sp>
-        <p:nvSpPr>
-          <p:cNvPr id="67" name="Body Level One…"/>
+              <a:t>Titeltext</a:t>
+            </a:r>
+          </a:p>
+        </p:txBody>
+      </p:sp>
+      <p:sp>
+        <p:nvSpPr>
+          <p:cNvPr id="67" name="Textebene 1…"/>
           <p:cNvSpPr txBox="1">
             <a:spLocks noGrp="1"/>
           </p:cNvSpPr>
@@ -1819,38 +1818,38 @@
           </a:lstStyle>
           <a:p>
             <a:r>
-              <a:t>Body Level One</a:t>
+              <a:t>Textebene 1</a:t>
             </a:r>
           </a:p>
           <a:p>
             <a:pPr lvl="1"/>
             <a:r>
-              <a:t>Body Level Two</a:t>
+              <a:t>Textebene 2</a:t>
             </a:r>
           </a:p>
           <a:p>
             <a:pPr lvl="2"/>
             <a:r>
-              <a:t>Body Level Three</a:t>
+              <a:t>Textebene 3</a:t>
             </a:r>
           </a:p>
           <a:p>
             <a:pPr lvl="3"/>
             <a:r>
-              <a:t>Body Level Four</a:t>
+              <a:t>Textebene 4</a:t>
             </a:r>
           </a:p>
           <a:p>
             <a:pPr lvl="4"/>
             <a:r>
-              <a:t>Body Level Five</a:t>
-            </a:r>
-          </a:p>
-        </p:txBody>
-      </p:sp>
-      <p:sp>
-        <p:nvSpPr>
-          <p:cNvPr id="68" name="Slide Number"/>
+              <a:t>Textebene 5</a:t>
+            </a:r>
+          </a:p>
+        </p:txBody>
+      </p:sp>
+      <p:sp>
+        <p:nvSpPr>
+          <p:cNvPr id="68" name="Foliennummer"/>
           <p:cNvSpPr txBox="1">
             <a:spLocks noGrp="1"/>
           </p:cNvSpPr>
@@ -1902,7 +1901,7 @@
       </p:grpSpPr>
       <p:sp>
         <p:nvSpPr>
-          <p:cNvPr id="75" name="Body Level One…"/>
+          <p:cNvPr id="75" name="Textebene 1…"/>
           <p:cNvSpPr txBox="1">
             <a:spLocks noGrp="1"/>
           </p:cNvSpPr>
@@ -1921,57 +1920,41 @@
         </p:spPr>
         <p:txBody>
           <a:bodyPr/>
-          <a:lstStyle>
-            <a:lvl1pPr>
-              <a:defRPr sz="4800"/>
-            </a:lvl1pPr>
-            <a:lvl2pPr>
-              <a:defRPr sz="4800"/>
-            </a:lvl2pPr>
-            <a:lvl3pPr>
-              <a:defRPr sz="4800"/>
-            </a:lvl3pPr>
-            <a:lvl4pPr>
-              <a:defRPr sz="4800"/>
-            </a:lvl4pPr>
-            <a:lvl5pPr>
-              <a:defRPr sz="4800"/>
-            </a:lvl5pPr>
-          </a:lstStyle>
-          <a:p>
-            <a:r>
-              <a:t>Body Level One</a:t>
+          <a:lstStyle/>
+          <a:p>
+            <a:r>
+              <a:t>Textebene 1</a:t>
             </a:r>
           </a:p>
           <a:p>
             <a:pPr lvl="1"/>
             <a:r>
-              <a:t>Body Level Two</a:t>
+              <a:t>Textebene 2</a:t>
             </a:r>
           </a:p>
           <a:p>
             <a:pPr lvl="2"/>
             <a:r>
-              <a:t>Body Level Three</a:t>
+              <a:t>Textebene 3</a:t>
             </a:r>
           </a:p>
           <a:p>
             <a:pPr lvl="3"/>
             <a:r>
-              <a:t>Body Level Four</a:t>
+              <a:t>Textebene 4</a:t>
             </a:r>
           </a:p>
           <a:p>
             <a:pPr lvl="4"/>
             <a:r>
-              <a:t>Body Level Five</a:t>
-            </a:r>
-          </a:p>
-        </p:txBody>
-      </p:sp>
-      <p:sp>
-        <p:nvSpPr>
-          <p:cNvPr id="76" name="Slide Number"/>
+              <a:t>Textebene 5</a:t>
+            </a:r>
+          </a:p>
+        </p:txBody>
+      </p:sp>
+      <p:sp>
+        <p:nvSpPr>
+          <p:cNvPr id="76" name="Foliennummer"/>
           <p:cNvSpPr txBox="1">
             <a:spLocks noGrp="1"/>
           </p:cNvSpPr>
@@ -2028,7 +2011,7 @@
             <a:spLocks noGrp="1"/>
           </p:cNvSpPr>
           <p:nvPr>
-            <p:ph type="pic" sz="quarter" idx="13"/>
+            <p:ph type="pic" sz="quarter" idx="21"/>
           </p:nvPr>
         </p:nvSpPr>
         <p:spPr>
@@ -2057,7 +2040,7 @@
             <a:spLocks noGrp="1"/>
           </p:cNvSpPr>
           <p:nvPr>
-            <p:ph type="pic" sz="quarter" idx="14"/>
+            <p:ph type="pic" sz="quarter" idx="22"/>
           </p:nvPr>
         </p:nvSpPr>
         <p:spPr>
@@ -2086,7 +2069,7 @@
             <a:spLocks noGrp="1"/>
           </p:cNvSpPr>
           <p:nvPr>
-            <p:ph type="pic" idx="15"/>
+            <p:ph type="pic" idx="23"/>
           </p:nvPr>
         </p:nvSpPr>
         <p:spPr>
@@ -2110,7 +2093,7 @@
       </p:sp>
       <p:sp>
         <p:nvSpPr>
-          <p:cNvPr id="86" name="Slide Number"/>
+          <p:cNvPr id="86" name="Foliennummer"/>
           <p:cNvSpPr txBox="1">
             <a:spLocks noGrp="1"/>
           </p:cNvSpPr>
@@ -2170,7 +2153,7 @@
       </p:grpSpPr>
       <p:sp>
         <p:nvSpPr>
-          <p:cNvPr id="2" name="Title Text"/>
+          <p:cNvPr id="2" name="Titeltext"/>
           <p:cNvSpPr txBox="1">
             <a:spLocks noGrp="1"/>
           </p:cNvSpPr>
@@ -2191,7 +2174,7 @@
           </a:ln>
           <a:extLst>
             <a:ext uri="{C572A759-6A51-4108-AA02-DFA0A04FC94B}">
-              <ma14:wrappingTextBoxFlag xmlns="" xmlns:ma14="http://schemas.microsoft.com/office/mac/drawingml/2011/main" val="1"/>
+              <ma14:wrappingTextBoxFlag xmlns:ma14="http://schemas.microsoft.com/office/mac/drawingml/2011/main" xmlns:a14="http://schemas.microsoft.com/office/drawing/2010/main" xmlns:m="http://schemas.openxmlformats.org/officeDocument/2006/math" xmlns="" val="1"/>
             </a:ext>
           </a:extLst>
         </p:spPr>
@@ -2202,14 +2185,14 @@
           <a:lstStyle/>
           <a:p>
             <a:r>
-              <a:t>Title Text</a:t>
-            </a:r>
-          </a:p>
-        </p:txBody>
-      </p:sp>
-      <p:sp>
-        <p:nvSpPr>
-          <p:cNvPr id="3" name="Body Level One…"/>
+              <a:t>Titeltext</a:t>
+            </a:r>
+          </a:p>
+        </p:txBody>
+      </p:sp>
+      <p:sp>
+        <p:nvSpPr>
+          <p:cNvPr id="3" name="Textebene 1…"/>
           <p:cNvSpPr txBox="1">
             <a:spLocks noGrp="1"/>
           </p:cNvSpPr>
@@ -2230,7 +2213,7 @@
           </a:ln>
           <a:extLst>
             <a:ext uri="{C572A759-6A51-4108-AA02-DFA0A04FC94B}">
-              <ma14:wrappingTextBoxFlag xmlns="" xmlns:ma14="http://schemas.microsoft.com/office/mac/drawingml/2011/main" val="1"/>
+              <ma14:wrappingTextBoxFlag xmlns:ma14="http://schemas.microsoft.com/office/mac/drawingml/2011/main" xmlns:a14="http://schemas.microsoft.com/office/drawing/2010/main" xmlns:m="http://schemas.openxmlformats.org/officeDocument/2006/math" xmlns="" val="1"/>
             </a:ext>
           </a:extLst>
         </p:spPr>
@@ -2241,38 +2224,38 @@
           <a:lstStyle/>
           <a:p>
             <a:r>
-              <a:t>Body Level One</a:t>
+              <a:t>Textebene 1</a:t>
             </a:r>
           </a:p>
           <a:p>
             <a:pPr lvl="1"/>
             <a:r>
-              <a:t>Body Level Two</a:t>
+              <a:t>Textebene 2</a:t>
             </a:r>
           </a:p>
           <a:p>
             <a:pPr lvl="2"/>
             <a:r>
-              <a:t>Body Level Three</a:t>
+              <a:t>Textebene 3</a:t>
             </a:r>
           </a:p>
           <a:p>
             <a:pPr lvl="3"/>
             <a:r>
-              <a:t>Body Level Four</a:t>
+              <a:t>Textebene 4</a:t>
             </a:r>
           </a:p>
           <a:p>
             <a:pPr lvl="4"/>
             <a:r>
-              <a:t>Body Level Five</a:t>
-            </a:r>
-          </a:p>
-        </p:txBody>
-      </p:sp>
-      <p:sp>
-        <p:nvSpPr>
-          <p:cNvPr id="4" name="Slide Number"/>
+              <a:t>Textebene 5</a:t>
+            </a:r>
+          </a:p>
+        </p:txBody>
+      </p:sp>
+      <p:sp>
+        <p:nvSpPr>
+          <p:cNvPr id="4" name="Foliennummer"/>
           <p:cNvSpPr txBox="1">
             <a:spLocks noGrp="1"/>
           </p:cNvSpPr>
@@ -2298,7 +2281,7 @@
           </a:bodyPr>
           <a:lstStyle>
             <a:lvl1pPr>
-              <a:defRPr sz="2400" b="0">
+              <a:defRPr sz="2400">
                 <a:latin typeface="Helvetica Neue Light"/>
                 <a:ea typeface="Helvetica Neue Light"/>
                 <a:cs typeface="Helvetica Neue Light"/>
@@ -2350,16 +2333,13 @@
         <a:buNone/>
         <a:tabLst/>
         <a:defRPr sz="11200" b="0" i="0" u="none" strike="noStrike" cap="none" spc="0" baseline="0">
-          <a:ln>
-            <a:noFill/>
-          </a:ln>
           <a:solidFill>
             <a:srgbClr val="000000"/>
           </a:solidFill>
           <a:uFillTx/>
-          <a:latin typeface="+mn-lt"/>
-          <a:ea typeface="+mn-ea"/>
-          <a:cs typeface="+mn-cs"/>
+          <a:latin typeface="Helvetica Neue Medium"/>
+          <a:ea typeface="Helvetica Neue Medium"/>
+          <a:cs typeface="Helvetica Neue Medium"/>
           <a:sym typeface="Helvetica Neue Medium"/>
         </a:defRPr>
       </a:lvl1pPr>
@@ -2379,16 +2359,13 @@
         <a:buNone/>
         <a:tabLst/>
         <a:defRPr sz="11200" b="0" i="0" u="none" strike="noStrike" cap="none" spc="0" baseline="0">
-          <a:ln>
-            <a:noFill/>
-          </a:ln>
           <a:solidFill>
             <a:srgbClr val="000000"/>
           </a:solidFill>
           <a:uFillTx/>
-          <a:latin typeface="+mn-lt"/>
-          <a:ea typeface="+mn-ea"/>
-          <a:cs typeface="+mn-cs"/>
+          <a:latin typeface="Helvetica Neue Medium"/>
+          <a:ea typeface="Helvetica Neue Medium"/>
+          <a:cs typeface="Helvetica Neue Medium"/>
           <a:sym typeface="Helvetica Neue Medium"/>
         </a:defRPr>
       </a:lvl2pPr>
@@ -2408,16 +2385,13 @@
         <a:buNone/>
         <a:tabLst/>
         <a:defRPr sz="11200" b="0" i="0" u="none" strike="noStrike" cap="none" spc="0" baseline="0">
-          <a:ln>
-            <a:noFill/>
-          </a:ln>
           <a:solidFill>
             <a:srgbClr val="000000"/>
           </a:solidFill>
           <a:uFillTx/>
-          <a:latin typeface="+mn-lt"/>
-          <a:ea typeface="+mn-ea"/>
-          <a:cs typeface="+mn-cs"/>
+          <a:latin typeface="Helvetica Neue Medium"/>
+          <a:ea typeface="Helvetica Neue Medium"/>
+          <a:cs typeface="Helvetica Neue Medium"/>
           <a:sym typeface="Helvetica Neue Medium"/>
         </a:defRPr>
       </a:lvl3pPr>
@@ -2437,16 +2411,13 @@
         <a:buNone/>
         <a:tabLst/>
         <a:defRPr sz="11200" b="0" i="0" u="none" strike="noStrike" cap="none" spc="0" baseline="0">
-          <a:ln>
-            <a:noFill/>
-          </a:ln>
           <a:solidFill>
             <a:srgbClr val="000000"/>
           </a:solidFill>
           <a:uFillTx/>
-          <a:latin typeface="+mn-lt"/>
-          <a:ea typeface="+mn-ea"/>
-          <a:cs typeface="+mn-cs"/>
+          <a:latin typeface="Helvetica Neue Medium"/>
+          <a:ea typeface="Helvetica Neue Medium"/>
+          <a:cs typeface="Helvetica Neue Medium"/>
           <a:sym typeface="Helvetica Neue Medium"/>
         </a:defRPr>
       </a:lvl4pPr>
@@ -2466,16 +2437,13 @@
         <a:buNone/>
         <a:tabLst/>
         <a:defRPr sz="11200" b="0" i="0" u="none" strike="noStrike" cap="none" spc="0" baseline="0">
-          <a:ln>
-            <a:noFill/>
-          </a:ln>
           <a:solidFill>
             <a:srgbClr val="000000"/>
           </a:solidFill>
           <a:uFillTx/>
-          <a:latin typeface="+mn-lt"/>
-          <a:ea typeface="+mn-ea"/>
-          <a:cs typeface="+mn-cs"/>
+          <a:latin typeface="Helvetica Neue Medium"/>
+          <a:ea typeface="Helvetica Neue Medium"/>
+          <a:cs typeface="Helvetica Neue Medium"/>
           <a:sym typeface="Helvetica Neue Medium"/>
         </a:defRPr>
       </a:lvl5pPr>
@@ -2495,16 +2463,13 @@
         <a:buNone/>
         <a:tabLst/>
         <a:defRPr sz="11200" b="0" i="0" u="none" strike="noStrike" cap="none" spc="0" baseline="0">
-          <a:ln>
-            <a:noFill/>
-          </a:ln>
           <a:solidFill>
             <a:srgbClr val="000000"/>
           </a:solidFill>
           <a:uFillTx/>
-          <a:latin typeface="+mn-lt"/>
-          <a:ea typeface="+mn-ea"/>
-          <a:cs typeface="+mn-cs"/>
+          <a:latin typeface="Helvetica Neue Medium"/>
+          <a:ea typeface="Helvetica Neue Medium"/>
+          <a:cs typeface="Helvetica Neue Medium"/>
           <a:sym typeface="Helvetica Neue Medium"/>
         </a:defRPr>
       </a:lvl6pPr>
@@ -2524,16 +2489,13 @@
         <a:buNone/>
         <a:tabLst/>
         <a:defRPr sz="11200" b="0" i="0" u="none" strike="noStrike" cap="none" spc="0" baseline="0">
-          <a:ln>
-            <a:noFill/>
-          </a:ln>
           <a:solidFill>
             <a:srgbClr val="000000"/>
           </a:solidFill>
           <a:uFillTx/>
-          <a:latin typeface="+mn-lt"/>
-          <a:ea typeface="+mn-ea"/>
-          <a:cs typeface="+mn-cs"/>
+          <a:latin typeface="Helvetica Neue Medium"/>
+          <a:ea typeface="Helvetica Neue Medium"/>
+          <a:cs typeface="Helvetica Neue Medium"/>
           <a:sym typeface="Helvetica Neue Medium"/>
         </a:defRPr>
       </a:lvl7pPr>
@@ -2553,16 +2515,13 @@
         <a:buNone/>
         <a:tabLst/>
         <a:defRPr sz="11200" b="0" i="0" u="none" strike="noStrike" cap="none" spc="0" baseline="0">
-          <a:ln>
-            <a:noFill/>
-          </a:ln>
           <a:solidFill>
             <a:srgbClr val="000000"/>
           </a:solidFill>
           <a:uFillTx/>
-          <a:latin typeface="+mn-lt"/>
-          <a:ea typeface="+mn-ea"/>
-          <a:cs typeface="+mn-cs"/>
+          <a:latin typeface="Helvetica Neue Medium"/>
+          <a:ea typeface="Helvetica Neue Medium"/>
+          <a:cs typeface="Helvetica Neue Medium"/>
           <a:sym typeface="Helvetica Neue Medium"/>
         </a:defRPr>
       </a:lvl8pPr>
@@ -2582,22 +2541,19 @@
         <a:buNone/>
         <a:tabLst/>
         <a:defRPr sz="11200" b="0" i="0" u="none" strike="noStrike" cap="none" spc="0" baseline="0">
-          <a:ln>
-            <a:noFill/>
-          </a:ln>
           <a:solidFill>
             <a:srgbClr val="000000"/>
           </a:solidFill>
           <a:uFillTx/>
-          <a:latin typeface="+mn-lt"/>
-          <a:ea typeface="+mn-ea"/>
-          <a:cs typeface="+mn-cs"/>
+          <a:latin typeface="Helvetica Neue Medium"/>
+          <a:ea typeface="Helvetica Neue Medium"/>
+          <a:cs typeface="Helvetica Neue Medium"/>
           <a:sym typeface="Helvetica Neue Medium"/>
         </a:defRPr>
       </a:lvl9pPr>
     </p:titleStyle>
     <p:bodyStyle>
-      <a:lvl1pPr marL="635000" marR="0" indent="-635000" algn="l" defTabSz="825500" latinLnBrk="0">
+      <a:lvl1pPr marL="635000" marR="0" indent="-635000" algn="l" defTabSz="825500" rtl="0" latinLnBrk="0">
         <a:lnSpc>
           <a:spcPct val="100000"/>
         </a:lnSpc>
@@ -2612,21 +2568,18 @@
         <a:buFontTx/>
         <a:buChar char="•"/>
         <a:tabLst/>
-        <a:defRPr sz="5200" b="0" i="0" u="none" strike="noStrike" cap="none" spc="0" baseline="0">
-          <a:ln>
-            <a:noFill/>
-          </a:ln>
+        <a:defRPr sz="4800" b="0" i="0" u="none" strike="noStrike" cap="none" spc="0" baseline="0">
           <a:solidFill>
             <a:srgbClr val="000000"/>
           </a:solidFill>
           <a:uFillTx/>
-          <a:latin typeface="Helvetica Neue"/>
-          <a:ea typeface="Helvetica Neue"/>
-          <a:cs typeface="Helvetica Neue"/>
+          <a:latin typeface="+mj-lt"/>
+          <a:ea typeface="+mj-ea"/>
+          <a:cs typeface="+mj-cs"/>
           <a:sym typeface="Helvetica Neue"/>
         </a:defRPr>
       </a:lvl1pPr>
-      <a:lvl2pPr marL="1270000" marR="0" indent="-635000" algn="l" defTabSz="825500" latinLnBrk="0">
+      <a:lvl2pPr marL="1270000" marR="0" indent="-635000" algn="l" defTabSz="825500" rtl="0" latinLnBrk="0">
         <a:lnSpc>
           <a:spcPct val="100000"/>
         </a:lnSpc>
@@ -2641,21 +2594,18 @@
         <a:buFontTx/>
         <a:buChar char="•"/>
         <a:tabLst/>
-        <a:defRPr sz="5200" b="0" i="0" u="none" strike="noStrike" cap="none" spc="0" baseline="0">
-          <a:ln>
-            <a:noFill/>
-          </a:ln>
+        <a:defRPr sz="4800" b="0" i="0" u="none" strike="noStrike" cap="none" spc="0" baseline="0">
           <a:solidFill>
             <a:srgbClr val="000000"/>
           </a:solidFill>
           <a:uFillTx/>
-          <a:latin typeface="Helvetica Neue"/>
-          <a:ea typeface="Helvetica Neue"/>
-          <a:cs typeface="Helvetica Neue"/>
+          <a:latin typeface="+mj-lt"/>
+          <a:ea typeface="+mj-ea"/>
+          <a:cs typeface="+mj-cs"/>
           <a:sym typeface="Helvetica Neue"/>
         </a:defRPr>
       </a:lvl2pPr>
-      <a:lvl3pPr marL="1905000" marR="0" indent="-635000" algn="l" defTabSz="825500" latinLnBrk="0">
+      <a:lvl3pPr marL="1905000" marR="0" indent="-635000" algn="l" defTabSz="825500" rtl="0" latinLnBrk="0">
         <a:lnSpc>
           <a:spcPct val="100000"/>
         </a:lnSpc>
@@ -2670,21 +2620,18 @@
         <a:buFontTx/>
         <a:buChar char="•"/>
         <a:tabLst/>
-        <a:defRPr sz="5200" b="0" i="0" u="none" strike="noStrike" cap="none" spc="0" baseline="0">
-          <a:ln>
-            <a:noFill/>
-          </a:ln>
+        <a:defRPr sz="4800" b="0" i="0" u="none" strike="noStrike" cap="none" spc="0" baseline="0">
           <a:solidFill>
             <a:srgbClr val="000000"/>
           </a:solidFill>
           <a:uFillTx/>
-          <a:latin typeface="Helvetica Neue"/>
-          <a:ea typeface="Helvetica Neue"/>
-          <a:cs typeface="Helvetica Neue"/>
+          <a:latin typeface="+mj-lt"/>
+          <a:ea typeface="+mj-ea"/>
+          <a:cs typeface="+mj-cs"/>
           <a:sym typeface="Helvetica Neue"/>
         </a:defRPr>
       </a:lvl3pPr>
-      <a:lvl4pPr marL="2540000" marR="0" indent="-635000" algn="l" defTabSz="825500" latinLnBrk="0">
+      <a:lvl4pPr marL="2540000" marR="0" indent="-635000" algn="l" defTabSz="825500" rtl="0" latinLnBrk="0">
         <a:lnSpc>
           <a:spcPct val="100000"/>
         </a:lnSpc>
@@ -2699,21 +2646,18 @@
         <a:buFontTx/>
         <a:buChar char="•"/>
         <a:tabLst/>
-        <a:defRPr sz="5200" b="0" i="0" u="none" strike="noStrike" cap="none" spc="0" baseline="0">
-          <a:ln>
-            <a:noFill/>
-          </a:ln>
+        <a:defRPr sz="4800" b="0" i="0" u="none" strike="noStrike" cap="none" spc="0" baseline="0">
           <a:solidFill>
             <a:srgbClr val="000000"/>
           </a:solidFill>
           <a:uFillTx/>
-          <a:latin typeface="Helvetica Neue"/>
-          <a:ea typeface="Helvetica Neue"/>
-          <a:cs typeface="Helvetica Neue"/>
+          <a:latin typeface="+mj-lt"/>
+          <a:ea typeface="+mj-ea"/>
+          <a:cs typeface="+mj-cs"/>
           <a:sym typeface="Helvetica Neue"/>
         </a:defRPr>
       </a:lvl4pPr>
-      <a:lvl5pPr marL="3175000" marR="0" indent="-635000" algn="l" defTabSz="825500" latinLnBrk="0">
+      <a:lvl5pPr marL="3175000" marR="0" indent="-635000" algn="l" defTabSz="825500" rtl="0" latinLnBrk="0">
         <a:lnSpc>
           <a:spcPct val="100000"/>
         </a:lnSpc>
@@ -2728,21 +2672,18 @@
         <a:buFontTx/>
         <a:buChar char="•"/>
         <a:tabLst/>
-        <a:defRPr sz="5200" b="0" i="0" u="none" strike="noStrike" cap="none" spc="0" baseline="0">
-          <a:ln>
-            <a:noFill/>
-          </a:ln>
+        <a:defRPr sz="4800" b="0" i="0" u="none" strike="noStrike" cap="none" spc="0" baseline="0">
           <a:solidFill>
             <a:srgbClr val="000000"/>
           </a:solidFill>
           <a:uFillTx/>
-          <a:latin typeface="Helvetica Neue"/>
-          <a:ea typeface="Helvetica Neue"/>
-          <a:cs typeface="Helvetica Neue"/>
+          <a:latin typeface="+mj-lt"/>
+          <a:ea typeface="+mj-ea"/>
+          <a:cs typeface="+mj-cs"/>
           <a:sym typeface="Helvetica Neue"/>
         </a:defRPr>
       </a:lvl5pPr>
-      <a:lvl6pPr marL="3810000" marR="0" indent="-635000" algn="l" defTabSz="825500" latinLnBrk="0">
+      <a:lvl6pPr marL="3761153" marR="0" indent="-586153" algn="l" defTabSz="825500" rtl="0" latinLnBrk="0">
         <a:lnSpc>
           <a:spcPct val="100000"/>
         </a:lnSpc>
@@ -2757,21 +2698,18 @@
         <a:buFontTx/>
         <a:buChar char="•"/>
         <a:tabLst/>
-        <a:defRPr sz="5200" b="0" i="0" u="none" strike="noStrike" cap="none" spc="0" baseline="0">
-          <a:ln>
-            <a:noFill/>
-          </a:ln>
+        <a:defRPr sz="4800" b="0" i="0" u="none" strike="noStrike" cap="none" spc="0" baseline="0">
           <a:solidFill>
             <a:srgbClr val="000000"/>
           </a:solidFill>
           <a:uFillTx/>
-          <a:latin typeface="Helvetica Neue"/>
-          <a:ea typeface="Helvetica Neue"/>
-          <a:cs typeface="Helvetica Neue"/>
+          <a:latin typeface="+mj-lt"/>
+          <a:ea typeface="+mj-ea"/>
+          <a:cs typeface="+mj-cs"/>
           <a:sym typeface="Helvetica Neue"/>
         </a:defRPr>
       </a:lvl6pPr>
-      <a:lvl7pPr marL="4445000" marR="0" indent="-635000" algn="l" defTabSz="825500" latinLnBrk="0">
+      <a:lvl7pPr marL="4396153" marR="0" indent="-586153" algn="l" defTabSz="825500" rtl="0" latinLnBrk="0">
         <a:lnSpc>
           <a:spcPct val="100000"/>
         </a:lnSpc>
@@ -2786,21 +2724,18 @@
         <a:buFontTx/>
         <a:buChar char="•"/>
         <a:tabLst/>
-        <a:defRPr sz="5200" b="0" i="0" u="none" strike="noStrike" cap="none" spc="0" baseline="0">
-          <a:ln>
-            <a:noFill/>
-          </a:ln>
+        <a:defRPr sz="4800" b="0" i="0" u="none" strike="noStrike" cap="none" spc="0" baseline="0">
           <a:solidFill>
             <a:srgbClr val="000000"/>
           </a:solidFill>
           <a:uFillTx/>
-          <a:latin typeface="Helvetica Neue"/>
-          <a:ea typeface="Helvetica Neue"/>
-          <a:cs typeface="Helvetica Neue"/>
+          <a:latin typeface="+mj-lt"/>
+          <a:ea typeface="+mj-ea"/>
+          <a:cs typeface="+mj-cs"/>
           <a:sym typeface="Helvetica Neue"/>
         </a:defRPr>
       </a:lvl7pPr>
-      <a:lvl8pPr marL="5080000" marR="0" indent="-635000" algn="l" defTabSz="825500" latinLnBrk="0">
+      <a:lvl8pPr marL="5031153" marR="0" indent="-586153" algn="l" defTabSz="825500" rtl="0" latinLnBrk="0">
         <a:lnSpc>
           <a:spcPct val="100000"/>
         </a:lnSpc>
@@ -2815,21 +2750,18 @@
         <a:buFontTx/>
         <a:buChar char="•"/>
         <a:tabLst/>
-        <a:defRPr sz="5200" b="0" i="0" u="none" strike="noStrike" cap="none" spc="0" baseline="0">
-          <a:ln>
-            <a:noFill/>
-          </a:ln>
+        <a:defRPr sz="4800" b="0" i="0" u="none" strike="noStrike" cap="none" spc="0" baseline="0">
           <a:solidFill>
             <a:srgbClr val="000000"/>
           </a:solidFill>
           <a:uFillTx/>
-          <a:latin typeface="Helvetica Neue"/>
-          <a:ea typeface="Helvetica Neue"/>
-          <a:cs typeface="Helvetica Neue"/>
+          <a:latin typeface="+mj-lt"/>
+          <a:ea typeface="+mj-ea"/>
+          <a:cs typeface="+mj-cs"/>
           <a:sym typeface="Helvetica Neue"/>
         </a:defRPr>
       </a:lvl8pPr>
-      <a:lvl9pPr marL="5715000" marR="0" indent="-635000" algn="l" defTabSz="825500" latinLnBrk="0">
+      <a:lvl9pPr marL="5666153" marR="0" indent="-586153" algn="l" defTabSz="825500" rtl="0" latinLnBrk="0">
         <a:lnSpc>
           <a:spcPct val="100000"/>
         </a:lnSpc>
@@ -2844,23 +2776,20 @@
         <a:buFontTx/>
         <a:buChar char="•"/>
         <a:tabLst/>
-        <a:defRPr sz="5200" b="0" i="0" u="none" strike="noStrike" cap="none" spc="0" baseline="0">
-          <a:ln>
-            <a:noFill/>
-          </a:ln>
+        <a:defRPr sz="4800" b="0" i="0" u="none" strike="noStrike" cap="none" spc="0" baseline="0">
           <a:solidFill>
             <a:srgbClr val="000000"/>
           </a:solidFill>
           <a:uFillTx/>
-          <a:latin typeface="Helvetica Neue"/>
-          <a:ea typeface="Helvetica Neue"/>
-          <a:cs typeface="Helvetica Neue"/>
+          <a:latin typeface="+mj-lt"/>
+          <a:ea typeface="+mj-ea"/>
+          <a:cs typeface="+mj-cs"/>
           <a:sym typeface="Helvetica Neue"/>
         </a:defRPr>
       </a:lvl9pPr>
     </p:bodyStyle>
     <p:otherStyle>
-      <a:lvl1pPr marL="0" marR="0" indent="0" algn="ctr" defTabSz="825500" latinLnBrk="0">
+      <a:lvl1pPr marL="0" marR="0" indent="0" algn="ctr" defTabSz="825500" rtl="0" latinLnBrk="0">
         <a:lnSpc>
           <a:spcPct val="100000"/>
         </a:lnSpc>
@@ -2876,9 +2805,6 @@
         <a:buNone/>
         <a:tabLst/>
         <a:defRPr sz="2400" b="0" i="0" u="none" strike="noStrike" cap="none" spc="0" baseline="0">
-          <a:ln>
-            <a:noFill/>
-          </a:ln>
           <a:solidFill>
             <a:schemeClr val="tx1"/>
           </a:solidFill>
@@ -2889,7 +2815,7 @@
           <a:sym typeface="Helvetica Neue Light"/>
         </a:defRPr>
       </a:lvl1pPr>
-      <a:lvl2pPr marL="0" marR="0" indent="228600" algn="ctr" defTabSz="825500" latinLnBrk="0">
+      <a:lvl2pPr marL="0" marR="0" indent="0" algn="ctr" defTabSz="825500" rtl="0" latinLnBrk="0">
         <a:lnSpc>
           <a:spcPct val="100000"/>
         </a:lnSpc>
@@ -2905,9 +2831,6 @@
         <a:buNone/>
         <a:tabLst/>
         <a:defRPr sz="2400" b="0" i="0" u="none" strike="noStrike" cap="none" spc="0" baseline="0">
-          <a:ln>
-            <a:noFill/>
-          </a:ln>
           <a:solidFill>
             <a:schemeClr val="tx1"/>
           </a:solidFill>
@@ -2918,7 +2841,7 @@
           <a:sym typeface="Helvetica Neue Light"/>
         </a:defRPr>
       </a:lvl2pPr>
-      <a:lvl3pPr marL="0" marR="0" indent="457200" algn="ctr" defTabSz="825500" latinLnBrk="0">
+      <a:lvl3pPr marL="0" marR="0" indent="0" algn="ctr" defTabSz="825500" rtl="0" latinLnBrk="0">
         <a:lnSpc>
           <a:spcPct val="100000"/>
         </a:lnSpc>
@@ -2934,9 +2857,6 @@
         <a:buNone/>
         <a:tabLst/>
         <a:defRPr sz="2400" b="0" i="0" u="none" strike="noStrike" cap="none" spc="0" baseline="0">
-          <a:ln>
-            <a:noFill/>
-          </a:ln>
           <a:solidFill>
             <a:schemeClr val="tx1"/>
           </a:solidFill>
@@ -2947,7 +2867,7 @@
           <a:sym typeface="Helvetica Neue Light"/>
         </a:defRPr>
       </a:lvl3pPr>
-      <a:lvl4pPr marL="0" marR="0" indent="685800" algn="ctr" defTabSz="825500" latinLnBrk="0">
+      <a:lvl4pPr marL="0" marR="0" indent="0" algn="ctr" defTabSz="825500" rtl="0" latinLnBrk="0">
         <a:lnSpc>
           <a:spcPct val="100000"/>
         </a:lnSpc>
@@ -2963,9 +2883,6 @@
         <a:buNone/>
         <a:tabLst/>
         <a:defRPr sz="2400" b="0" i="0" u="none" strike="noStrike" cap="none" spc="0" baseline="0">
-          <a:ln>
-            <a:noFill/>
-          </a:ln>
           <a:solidFill>
             <a:schemeClr val="tx1"/>
           </a:solidFill>
@@ -2976,7 +2893,7 @@
           <a:sym typeface="Helvetica Neue Light"/>
         </a:defRPr>
       </a:lvl4pPr>
-      <a:lvl5pPr marL="0" marR="0" indent="914400" algn="ctr" defTabSz="825500" latinLnBrk="0">
+      <a:lvl5pPr marL="0" marR="0" indent="0" algn="ctr" defTabSz="825500" rtl="0" latinLnBrk="0">
         <a:lnSpc>
           <a:spcPct val="100000"/>
         </a:lnSpc>
@@ -2992,9 +2909,6 @@
         <a:buNone/>
         <a:tabLst/>
         <a:defRPr sz="2400" b="0" i="0" u="none" strike="noStrike" cap="none" spc="0" baseline="0">
-          <a:ln>
-            <a:noFill/>
-          </a:ln>
           <a:solidFill>
             <a:schemeClr val="tx1"/>
           </a:solidFill>
@@ -3005,7 +2919,7 @@
           <a:sym typeface="Helvetica Neue Light"/>
         </a:defRPr>
       </a:lvl5pPr>
-      <a:lvl6pPr marL="0" marR="0" indent="1143000" algn="ctr" defTabSz="825500" latinLnBrk="0">
+      <a:lvl6pPr marL="0" marR="0" indent="0" algn="ctr" defTabSz="825500" rtl="0" latinLnBrk="0">
         <a:lnSpc>
           <a:spcPct val="100000"/>
         </a:lnSpc>
@@ -3021,9 +2935,6 @@
         <a:buNone/>
         <a:tabLst/>
         <a:defRPr sz="2400" b="0" i="0" u="none" strike="noStrike" cap="none" spc="0" baseline="0">
-          <a:ln>
-            <a:noFill/>
-          </a:ln>
           <a:solidFill>
             <a:schemeClr val="tx1"/>
           </a:solidFill>
@@ -3034,7 +2945,7 @@
           <a:sym typeface="Helvetica Neue Light"/>
         </a:defRPr>
       </a:lvl6pPr>
-      <a:lvl7pPr marL="0" marR="0" indent="1371600" algn="ctr" defTabSz="825500" latinLnBrk="0">
+      <a:lvl7pPr marL="0" marR="0" indent="0" algn="ctr" defTabSz="825500" rtl="0" latinLnBrk="0">
         <a:lnSpc>
           <a:spcPct val="100000"/>
         </a:lnSpc>
@@ -3050,9 +2961,6 @@
         <a:buNone/>
         <a:tabLst/>
         <a:defRPr sz="2400" b="0" i="0" u="none" strike="noStrike" cap="none" spc="0" baseline="0">
-          <a:ln>
-            <a:noFill/>
-          </a:ln>
           <a:solidFill>
             <a:schemeClr val="tx1"/>
           </a:solidFill>
@@ -3063,7 +2971,7 @@
           <a:sym typeface="Helvetica Neue Light"/>
         </a:defRPr>
       </a:lvl7pPr>
-      <a:lvl8pPr marL="0" marR="0" indent="1600200" algn="ctr" defTabSz="825500" latinLnBrk="0">
+      <a:lvl8pPr marL="0" marR="0" indent="0" algn="ctr" defTabSz="825500" rtl="0" latinLnBrk="0">
         <a:lnSpc>
           <a:spcPct val="100000"/>
         </a:lnSpc>
@@ -3079,9 +2987,6 @@
         <a:buNone/>
         <a:tabLst/>
         <a:defRPr sz="2400" b="0" i="0" u="none" strike="noStrike" cap="none" spc="0" baseline="0">
-          <a:ln>
-            <a:noFill/>
-          </a:ln>
           <a:solidFill>
             <a:schemeClr val="tx1"/>
           </a:solidFill>
@@ -3092,7 +2997,7 @@
           <a:sym typeface="Helvetica Neue Light"/>
         </a:defRPr>
       </a:lvl8pPr>
-      <a:lvl9pPr marL="0" marR="0" indent="1828800" algn="ctr" defTabSz="825500" latinLnBrk="0">
+      <a:lvl9pPr marL="0" marR="0" indent="0" algn="ctr" defTabSz="825500" rtl="0" latinLnBrk="0">
         <a:lnSpc>
           <a:spcPct val="100000"/>
         </a:lnSpc>
@@ -3108,9 +3013,6 @@
         <a:buNone/>
         <a:tabLst/>
         <a:defRPr sz="2400" b="0" i="0" u="none" strike="noStrike" cap="none" spc="0" baseline="0">
-          <a:ln>
-            <a:noFill/>
-          </a:ln>
           <a:solidFill>
             <a:schemeClr val="tx1"/>
           </a:solidFill>
@@ -3143,52 +3045,33 @@
           <a:chExt cx="0" cy="0"/>
         </a:xfrm>
       </p:grpSpPr>
-      <p:sp>
-        <p:nvSpPr>
-          <p:cNvPr id="119" name="Rectangle"/>
-          <p:cNvSpPr/>
+      <p:pic>
+        <p:nvPicPr>
+          <p:cNvPr id="119" name="Bild" descr="Bild"/>
+          <p:cNvPicPr>
+            <a:picLocks noChangeAspect="1"/>
+          </p:cNvPicPr>
           <p:nvPr/>
-        </p:nvSpPr>
+        </p:nvPicPr>
+        <p:blipFill>
+          <a:blip r:embed="rId2"/>
+          <a:stretch>
+            <a:fillRect/>
+          </a:stretch>
+        </p:blipFill>
         <p:spPr>
           <a:xfrm>
-            <a:off x="0" y="-63500"/>
-            <a:ext cx="24384000" cy="7484170"/>
+            <a:off x="0" y="0"/>
+            <a:ext cx="24384000" cy="7480300"/>
           </a:xfrm>
           <a:prstGeom prst="rect">
             <a:avLst/>
           </a:prstGeom>
-          <a:solidFill>
-            <a:srgbClr val="0486DF">
-              <a:alpha val="5000"/>
-            </a:srgbClr>
-          </a:solidFill>
           <a:ln w="12700">
             <a:miter lim="400000"/>
           </a:ln>
         </p:spPr>
-        <p:txBody>
-          <a:bodyPr lIns="0" tIns="0" rIns="0" bIns="0" anchor="ctr"/>
-          <a:lstStyle/>
-          <a:p>
-            <a:pPr>
-              <a:defRPr sz="3200" b="0">
-                <a:solidFill>
-                  <a:srgbClr val="0F70D7"/>
-                </a:solidFill>
-                <a:latin typeface="+mn-lt"/>
-                <a:ea typeface="+mn-ea"/>
-                <a:cs typeface="+mn-cs"/>
-                <a:sym typeface="Helvetica Neue Medium"/>
-              </a:defRPr>
-            </a:pPr>
-            <a:endParaRPr dirty="0">
-              <a:latin typeface="Liberation Sans" panose="020B0604020202020204" pitchFamily="34" charset="0"/>
-              <a:ea typeface="Liberation Sans" panose="020B0604020202020204" pitchFamily="34" charset="0"/>
-              <a:cs typeface="Liberation Sans" panose="020B0604020202020204" pitchFamily="34" charset="0"/>
-            </a:endParaRPr>
-          </a:p>
-        </p:txBody>
-      </p:sp>
+      </p:pic>
       <p:sp>
         <p:nvSpPr>
           <p:cNvPr id="120" name="Welcome To BigBlueButton"/>
@@ -3197,8 +3080,8 @@
         </p:nvSpPr>
         <p:spPr>
           <a:xfrm>
-            <a:off x="7119297" y="2326461"/>
-            <a:ext cx="10145406" cy="1087477"/>
+            <a:off x="7225109" y="2362794"/>
+            <a:ext cx="9933782" cy="1014811"/>
           </a:xfrm>
           <a:prstGeom prst="rect">
             <a:avLst/>
@@ -3208,7 +3091,7 @@
           </a:ln>
           <a:extLst>
             <a:ext uri="{C572A759-6A51-4108-AA02-DFA0A04FC94B}">
-              <ma14:wrappingTextBoxFlag xmlns="" xmlns:ma14="http://schemas.microsoft.com/office/mac/drawingml/2011/main" val="1"/>
+              <ma14:wrappingTextBoxFlag xmlns:ma14="http://schemas.microsoft.com/office/mac/drawingml/2011/main" xmlns:a14="http://schemas.microsoft.com/office/drawing/2010/main" xmlns:m="http://schemas.openxmlformats.org/officeDocument/2006/math" xmlns="" val="1"/>
             </a:ext>
           </a:extLst>
         </p:spPr>
@@ -3218,39 +3101,21 @@
           </a:bodyPr>
           <a:lstStyle>
             <a:lvl1pPr>
-              <a:defRPr sz="6400" b="0">
+              <a:defRPr sz="6400">
                 <a:solidFill>
                   <a:srgbClr val="06172A"/>
                 </a:solidFill>
-                <a:latin typeface="Helvetica"/>
-                <a:ea typeface="Helvetica"/>
-                <a:cs typeface="Helvetica"/>
-                <a:sym typeface="Helvetica"/>
+                <a:latin typeface="LiberationSans"/>
+                <a:ea typeface="LiberationSans"/>
+                <a:cs typeface="LiberationSans"/>
+                <a:sym typeface="LiberationSans"/>
               </a:defRPr>
             </a:lvl1pPr>
           </a:lstStyle>
           <a:p>
             <a:r>
-              <a:rPr dirty="0">
-                <a:latin typeface="Liberation Sans" panose="020B0604020202020204" pitchFamily="34" charset="0"/>
-                <a:ea typeface="Liberation Sans" panose="020B0604020202020204" pitchFamily="34" charset="0"/>
-                <a:cs typeface="Liberation Sans" panose="020B0604020202020204" pitchFamily="34" charset="0"/>
-              </a:rPr>
-              <a:t>Welcome To </a:t>
-            </a:r>
-            <a:r>
-              <a:rPr dirty="0" err="1">
-                <a:latin typeface="Liberation Sans" panose="020B0604020202020204" pitchFamily="34" charset="0"/>
-                <a:ea typeface="Liberation Sans" panose="020B0604020202020204" pitchFamily="34" charset="0"/>
-                <a:cs typeface="Liberation Sans" panose="020B0604020202020204" pitchFamily="34" charset="0"/>
-              </a:rPr>
-              <a:t>BigBlueButton</a:t>
-            </a:r>
-            <a:endParaRPr dirty="0">
-              <a:latin typeface="Liberation Sans" panose="020B0604020202020204" pitchFamily="34" charset="0"/>
-              <a:ea typeface="Liberation Sans" panose="020B0604020202020204" pitchFamily="34" charset="0"/>
-              <a:cs typeface="Liberation Sans" panose="020B0604020202020204" pitchFamily="34" charset="0"/>
-            </a:endParaRPr>
+              <a:t>Welcome To BigBlueButton</a:t>
+            </a:r>
           </a:p>
         </p:txBody>
       </p:sp>
@@ -3263,7 +3128,7 @@
         <p:spPr>
           <a:xfrm>
             <a:off x="11417300" y="4660900"/>
-            <a:ext cx="1549401" cy="0"/>
+            <a:ext cx="1549402" cy="0"/>
           </a:xfrm>
           <a:prstGeom prst="line">
             <a:avLst/>
@@ -3276,25 +3141,10 @@
           </a:ln>
         </p:spPr>
         <p:txBody>
-          <a:bodyPr lIns="0" tIns="0" rIns="0" bIns="0" anchor="ctr"/>
+          <a:bodyPr lIns="45718" tIns="45718" rIns="45718" bIns="45718"/>
           <a:lstStyle/>
           <a:p>
-            <a:pPr>
-              <a:defRPr sz="3200" b="0">
-                <a:solidFill>
-                  <a:srgbClr val="FFFFFF"/>
-                </a:solidFill>
-                <a:latin typeface="+mn-lt"/>
-                <a:ea typeface="+mn-ea"/>
-                <a:cs typeface="+mn-cs"/>
-                <a:sym typeface="Helvetica Neue Medium"/>
-              </a:defRPr>
-            </a:pPr>
-            <a:endParaRPr dirty="0">
-              <a:latin typeface="Liberation Sans" panose="020B0604020202020204" pitchFamily="34" charset="0"/>
-              <a:ea typeface="Liberation Sans" panose="020B0604020202020204" pitchFamily="34" charset="0"/>
-              <a:cs typeface="Liberation Sans" panose="020B0604020202020204" pitchFamily="34" charset="0"/>
-            </a:endParaRPr>
+            <a:endParaRPr/>
           </a:p>
         </p:txBody>
       </p:sp>
@@ -3306,8 +3156,8 @@
         </p:nvSpPr>
         <p:spPr>
           <a:xfrm>
-            <a:off x="4609734" y="3581400"/>
-            <a:ext cx="14834332" cy="558801"/>
+            <a:off x="4774834" y="3600332"/>
+            <a:ext cx="14834332" cy="520937"/>
           </a:xfrm>
           <a:prstGeom prst="rect">
             <a:avLst/>
@@ -3317,7 +3167,7 @@
           </a:ln>
           <a:extLst>
             <a:ext uri="{C572A759-6A51-4108-AA02-DFA0A04FC94B}">
-              <ma14:wrappingTextBoxFlag xmlns="" xmlns:ma14="http://schemas.microsoft.com/office/mac/drawingml/2011/main" val="1"/>
+              <ma14:wrappingTextBoxFlag xmlns:ma14="http://schemas.microsoft.com/office/mac/drawingml/2011/main" xmlns:a14="http://schemas.microsoft.com/office/drawing/2010/main" xmlns:m="http://schemas.openxmlformats.org/officeDocument/2006/math" xmlns="" val="1"/>
             </a:ext>
           </a:extLst>
         </p:spPr>
@@ -3327,99 +3177,145 @@
           </a:bodyPr>
           <a:lstStyle>
             <a:lvl1pPr>
-              <a:defRPr b="0">
+              <a:defRPr>
                 <a:solidFill>
                   <a:srgbClr val="4E5A66"/>
                 </a:solidFill>
-                <a:latin typeface="Helvetica"/>
-                <a:ea typeface="Helvetica"/>
-                <a:cs typeface="Helvetica"/>
-                <a:sym typeface="Helvetica"/>
+                <a:latin typeface="LiberationSans"/>
+                <a:ea typeface="LiberationSans"/>
+                <a:cs typeface="LiberationSans"/>
+                <a:sym typeface="LiberationSans"/>
               </a:defRPr>
             </a:lvl1pPr>
           </a:lstStyle>
           <a:p>
             <a:r>
-              <a:rPr dirty="0">
-                <a:latin typeface="Liberation Sans" panose="020B0604020202020204" pitchFamily="34" charset="0"/>
-                <a:ea typeface="Liberation Sans" panose="020B0604020202020204" pitchFamily="34" charset="0"/>
-                <a:cs typeface="Liberation Sans" panose="020B0604020202020204" pitchFamily="34" charset="0"/>
-              </a:rPr>
               <a:t>BigBlueButton is an open source web conferencing system designed for online learning</a:t>
             </a:r>
           </a:p>
         </p:txBody>
       </p:sp>
-      <p:sp>
-        <p:nvSpPr>
-          <p:cNvPr id="123" name="t"/>
-          <p:cNvSpPr/>
+      <p:grpSp>
+        <p:nvGrpSpPr>
+          <p:cNvPr id="125" name="t"/>
+          <p:cNvGrpSpPr/>
           <p:nvPr/>
-        </p:nvSpPr>
-        <p:spPr>
+        </p:nvGrpSpPr>
+        <p:grpSpPr>
           <a:xfrm>
-            <a:off x="1483568" y="5778500"/>
-            <a:ext cx="21416864" cy="5347593"/>
+            <a:off x="1521669" y="5778499"/>
+            <a:ext cx="21340662" cy="4741194"/>
+            <a:chOff x="1" y="0"/>
+            <a:chExt cx="21340661" cy="4741192"/>
           </a:xfrm>
-          <a:prstGeom prst="rect">
-            <a:avLst/>
-          </a:prstGeom>
-          <a:solidFill>
-            <a:srgbClr val="FFFFFF"/>
-          </a:solidFill>
-          <a:ln w="12700">
-            <a:miter lim="400000"/>
-          </a:ln>
-          <a:effectLst>
-            <a:outerShdw blurRad="228600" dist="25400" dir="5400000" rotWithShape="0">
-              <a:srgbClr val="000000">
-                <a:alpha val="5794"/>
-              </a:srgbClr>
-            </a:outerShdw>
-          </a:effectLst>
-          <a:extLst>
-            <a:ext uri="{C572A759-6A51-4108-AA02-DFA0A04FC94B}">
-              <ma14:wrappingTextBoxFlag xmlns="" xmlns:ma14="http://schemas.microsoft.com/office/mac/drawingml/2011/main" val="1"/>
-            </a:ext>
-          </a:extLst>
-        </p:spPr>
-        <p:txBody>
-          <a:bodyPr lIns="0" tIns="0" rIns="0" bIns="0" anchor="ctr"/>
-          <a:lstStyle>
-            <a:lvl1pPr>
-              <a:defRPr sz="3200" b="0">
-                <a:solidFill>
-                  <a:srgbClr val="FFFFFF"/>
-                </a:solidFill>
-                <a:latin typeface="+mn-lt"/>
-                <a:ea typeface="+mn-ea"/>
-                <a:cs typeface="+mn-cs"/>
-                <a:sym typeface="Helvetica Neue Medium"/>
-              </a:defRPr>
-            </a:lvl1pPr>
-          </a:lstStyle>
-          <a:p>
-            <a:r>
-              <a:rPr>
-                <a:latin typeface="Liberation Sans" panose="020B0604020202020204" pitchFamily="34" charset="0"/>
-                <a:ea typeface="Liberation Sans" panose="020B0604020202020204" pitchFamily="34" charset="0"/>
-                <a:cs typeface="Liberation Sans" panose="020B0604020202020204" pitchFamily="34" charset="0"/>
-              </a:rPr>
-              <a:t>t</a:t>
-            </a:r>
-          </a:p>
-        </p:txBody>
-      </p:sp>
-      <p:sp>
-        <p:nvSpPr>
-          <p:cNvPr id="124" name="Instant messaging"/>
+        </p:grpSpPr>
+        <p:sp>
+          <p:nvSpPr>
+            <p:cNvPr id="123" name="Rechteck"/>
+            <p:cNvSpPr/>
+            <p:nvPr/>
+          </p:nvSpPr>
+          <p:spPr>
+            <a:xfrm>
+              <a:off x="1" y="-1"/>
+              <a:ext cx="21340662" cy="4741194"/>
+            </a:xfrm>
+            <a:prstGeom prst="rect">
+              <a:avLst/>
+            </a:prstGeom>
+            <a:solidFill>
+              <a:srgbClr val="FFFFFF"/>
+            </a:solidFill>
+            <a:ln w="12700" cap="flat">
+              <a:noFill/>
+              <a:miter lim="400000"/>
+            </a:ln>
+            <a:effectLst>
+              <a:outerShdw blurRad="228600" dist="25400" dir="5400000" rotWithShape="0">
+                <a:srgbClr val="000000">
+                  <a:alpha val="5794"/>
+                </a:srgbClr>
+              </a:outerShdw>
+            </a:effectLst>
+          </p:spPr>
+          <p:txBody>
+            <a:bodyPr wrap="square" lIns="0" tIns="0" rIns="0" bIns="0" numCol="1" anchor="ctr">
+              <a:noAutofit/>
+            </a:bodyPr>
+            <a:lstStyle/>
+            <a:p>
+              <a:pPr>
+                <a:defRPr sz="3200">
+                  <a:solidFill>
+                    <a:srgbClr val="FFFFFF"/>
+                  </a:solidFill>
+                </a:defRPr>
+              </a:pPr>
+              <a:endParaRPr/>
+            </a:p>
+          </p:txBody>
+        </p:sp>
+        <p:sp>
+          <p:nvSpPr>
+            <p:cNvPr id="124" name="t"/>
+            <p:cNvSpPr txBox="1"/>
+            <p:nvPr/>
+          </p:nvSpPr>
+          <p:spPr>
+            <a:xfrm>
+              <a:off x="1" y="2156658"/>
+              <a:ext cx="21340662" cy="427876"/>
+            </a:xfrm>
+            <a:prstGeom prst="rect">
+              <a:avLst/>
+            </a:prstGeom>
+            <a:noFill/>
+            <a:ln w="12700" cap="flat">
+              <a:noFill/>
+              <a:miter lim="400000"/>
+            </a:ln>
+            <a:effectLst/>
+            <a:extLst>
+              <a:ext uri="{C572A759-6A51-4108-AA02-DFA0A04FC94B}">
+                <ma14:wrappingTextBoxFlag xmlns:ma14="http://schemas.microsoft.com/office/mac/drawingml/2011/main" xmlns:a14="http://schemas.microsoft.com/office/drawing/2010/main" xmlns:m="http://schemas.openxmlformats.org/officeDocument/2006/math" xmlns="" val="1"/>
+              </a:ext>
+            </a:extLst>
+          </p:spPr>
+          <p:txBody>
+            <a:bodyPr wrap="square" lIns="0" tIns="0" rIns="0" bIns="0" numCol="1" anchor="ctr">
+              <a:noAutofit/>
+            </a:bodyPr>
+            <a:lstStyle>
+              <a:lvl1pPr>
+                <a:defRPr sz="3200">
+                  <a:solidFill>
+                    <a:srgbClr val="FFFFFF"/>
+                  </a:solidFill>
+                  <a:latin typeface="Liberation Sans"/>
+                  <a:ea typeface="Liberation Sans"/>
+                  <a:cs typeface="Liberation Sans"/>
+                  <a:sym typeface="Liberation Sans"/>
+                </a:defRPr>
+              </a:lvl1pPr>
+            </a:lstStyle>
+            <a:p>
+              <a:r>
+                <a:t>t</a:t>
+              </a:r>
+            </a:p>
+          </p:txBody>
+        </p:sp>
+      </p:grpSp>
+      <p:sp>
+        <p:nvSpPr>
+          <p:cNvPr id="126" name="Instant messaging"/>
           <p:cNvSpPr txBox="1"/>
           <p:nvPr/>
         </p:nvSpPr>
         <p:spPr>
           <a:xfrm>
-            <a:off x="3549164" y="6546899"/>
-            <a:ext cx="3320208" cy="304801"/>
+            <a:off x="3636872" y="6534198"/>
+            <a:ext cx="3320209" cy="283792"/>
           </a:xfrm>
           <a:prstGeom prst="rect">
             <a:avLst/>
@@ -3429,7 +3325,7 @@
           </a:ln>
           <a:extLst>
             <a:ext uri="{C572A759-6A51-4108-AA02-DFA0A04FC94B}">
-              <ma14:wrappingTextBoxFlag xmlns="" xmlns:ma14="http://schemas.microsoft.com/office/mac/drawingml/2011/main" val="1"/>
+              <ma14:wrappingTextBoxFlag xmlns:ma14="http://schemas.microsoft.com/office/mac/drawingml/2011/main" xmlns:a14="http://schemas.microsoft.com/office/drawing/2010/main" xmlns:m="http://schemas.openxmlformats.org/officeDocument/2006/math" xmlns="" val="1"/>
             </a:ext>
           </a:extLst>
         </p:spPr>
@@ -3439,44 +3335,34 @@
           </a:bodyPr>
           <a:lstStyle>
             <a:lvl1pPr algn="l">
-              <a:defRPr sz="2000" cap="all" spc="100">
+              <a:defRPr sz="2000" b="1" cap="all" spc="100">
                 <a:solidFill>
                   <a:srgbClr val="24262C"/>
                 </a:solidFill>
-                <a:latin typeface="Helvetica"/>
-                <a:ea typeface="Helvetica"/>
-                <a:cs typeface="Helvetica"/>
-                <a:sym typeface="Helvetica"/>
+                <a:latin typeface="LiberationSans-Bold"/>
+                <a:ea typeface="LiberationSans-Bold"/>
+                <a:cs typeface="LiberationSans-Bold"/>
+                <a:sym typeface="LiberationSans-Bold"/>
               </a:defRPr>
             </a:lvl1pPr>
           </a:lstStyle>
           <a:p>
             <a:r>
-              <a:rPr lang="en-US" dirty="0">
-                <a:latin typeface="Liberation Sans" panose="020B0604020202020204" pitchFamily="34" charset="0"/>
-                <a:ea typeface="Liberation Sans" panose="020B0604020202020204" pitchFamily="34" charset="0"/>
-                <a:cs typeface="Liberation Sans" panose="020B0604020202020204" pitchFamily="34" charset="0"/>
-              </a:rPr>
               <a:t>Chat</a:t>
             </a:r>
-            <a:endParaRPr dirty="0">
-              <a:latin typeface="Liberation Sans" panose="020B0604020202020204" pitchFamily="34" charset="0"/>
-              <a:ea typeface="Liberation Sans" panose="020B0604020202020204" pitchFamily="34" charset="0"/>
-              <a:cs typeface="Liberation Sans" panose="020B0604020202020204" pitchFamily="34" charset="0"/>
-            </a:endParaRPr>
-          </a:p>
-        </p:txBody>
-      </p:sp>
-      <p:sp>
-        <p:nvSpPr>
-          <p:cNvPr id="125" name="Send public and private messages."/>
+          </a:p>
+        </p:txBody>
+      </p:sp>
+      <p:sp>
+        <p:nvSpPr>
+          <p:cNvPr id="127" name="Send public and private messages."/>
           <p:cNvSpPr txBox="1"/>
           <p:nvPr/>
         </p:nvSpPr>
         <p:spPr>
           <a:xfrm>
-            <a:off x="3549164" y="7016799"/>
-            <a:ext cx="3320208" cy="1270001"/>
+            <a:off x="3636872" y="7004098"/>
+            <a:ext cx="3320209" cy="715473"/>
           </a:xfrm>
           <a:prstGeom prst="rect">
             <a:avLst/>
@@ -3486,35 +3372,32 @@
           </a:ln>
           <a:extLst>
             <a:ext uri="{C572A759-6A51-4108-AA02-DFA0A04FC94B}">
-              <ma14:wrappingTextBoxFlag xmlns="" xmlns:ma14="http://schemas.microsoft.com/office/mac/drawingml/2011/main" val="1"/>
+              <ma14:wrappingTextBoxFlag xmlns:ma14="http://schemas.microsoft.com/office/mac/drawingml/2011/main" xmlns:a14="http://schemas.microsoft.com/office/drawing/2010/main" xmlns:m="http://schemas.openxmlformats.org/officeDocument/2006/math" xmlns="" val="1"/>
             </a:ext>
           </a:extLst>
         </p:spPr>
         <p:txBody>
-          <a:bodyPr lIns="0" tIns="0" rIns="0" bIns="0"/>
+          <a:bodyPr lIns="0" tIns="0" rIns="0" bIns="0">
+            <a:spAutoFit/>
+          </a:bodyPr>
           <a:lstStyle>
             <a:lvl1pPr algn="l">
               <a:lnSpc>
                 <a:spcPct val="120000"/>
               </a:lnSpc>
-              <a:defRPr sz="2200" b="0" spc="66">
+              <a:defRPr sz="2200" spc="66">
                 <a:solidFill>
                   <a:srgbClr val="504E4E"/>
                 </a:solidFill>
-                <a:latin typeface="Helvetica"/>
-                <a:ea typeface="Helvetica"/>
-                <a:cs typeface="Helvetica"/>
-                <a:sym typeface="Helvetica"/>
+                <a:latin typeface="LiberationSans"/>
+                <a:ea typeface="LiberationSans"/>
+                <a:cs typeface="LiberationSans"/>
+                <a:sym typeface="LiberationSans"/>
               </a:defRPr>
             </a:lvl1pPr>
           </a:lstStyle>
           <a:p>
             <a:r>
-              <a:rPr dirty="0">
-                <a:latin typeface="Liberation Sans" panose="020B0604020202020204" pitchFamily="34" charset="0"/>
-                <a:ea typeface="Liberation Sans" panose="020B0604020202020204" pitchFamily="34" charset="0"/>
-                <a:cs typeface="Liberation Sans" panose="020B0604020202020204" pitchFamily="34" charset="0"/>
-              </a:rPr>
               <a:t>Send public and private messages.</a:t>
             </a:r>
           </a:p>
@@ -3522,14 +3405,14 @@
       </p:sp>
       <p:sp>
         <p:nvSpPr>
-          <p:cNvPr id="126" name="Circle"/>
+          <p:cNvPr id="128" name="Circle"/>
           <p:cNvSpPr/>
           <p:nvPr/>
         </p:nvSpPr>
         <p:spPr>
           <a:xfrm>
-            <a:off x="2205020" y="6573630"/>
-            <a:ext cx="1016001" cy="1016001"/>
+            <a:off x="2292728" y="6535529"/>
+            <a:ext cx="1016003" cy="1016003"/>
           </a:xfrm>
           <a:prstGeom prst="ellipse">
             <a:avLst/>
@@ -3542,38 +3425,34 @@
           </a:ln>
         </p:spPr>
         <p:txBody>
-          <a:bodyPr lIns="38100" tIns="38100" rIns="38100" bIns="38100" anchor="ctr"/>
+          <a:bodyPr lIns="0" tIns="0" rIns="0" bIns="0" anchor="ctr"/>
           <a:lstStyle/>
           <a:p>
             <a:pPr algn="l">
-              <a:defRPr spc="-90">
+              <a:defRPr b="1" spc="-90">
                 <a:solidFill>
                   <a:srgbClr val="0E70D7"/>
                 </a:solidFill>
-                <a:latin typeface="Helvetica"/>
-                <a:ea typeface="Helvetica"/>
-                <a:cs typeface="Helvetica"/>
-                <a:sym typeface="Helvetica"/>
+                <a:latin typeface="Liberation Sans"/>
+                <a:ea typeface="Liberation Sans"/>
+                <a:cs typeface="Liberation Sans"/>
+                <a:sym typeface="Liberation Sans"/>
               </a:defRPr>
             </a:pPr>
-            <a:endParaRPr>
-              <a:latin typeface="Liberation Sans" panose="020B0604020202020204" pitchFamily="34" charset="0"/>
-              <a:ea typeface="Liberation Sans" panose="020B0604020202020204" pitchFamily="34" charset="0"/>
-              <a:cs typeface="Liberation Sans" panose="020B0604020202020204" pitchFamily="34" charset="0"/>
-            </a:endParaRPr>
-          </a:p>
-        </p:txBody>
-      </p:sp>
-      <p:sp>
-        <p:nvSpPr>
-          <p:cNvPr id="127" name="Shared Webcams"/>
+            <a:endParaRPr/>
+          </a:p>
+        </p:txBody>
+      </p:sp>
+      <p:sp>
+        <p:nvSpPr>
+          <p:cNvPr id="129" name="Shared Webcams"/>
           <p:cNvSpPr txBox="1"/>
           <p:nvPr/>
         </p:nvSpPr>
         <p:spPr>
           <a:xfrm>
-            <a:off x="8541660" y="6546899"/>
-            <a:ext cx="3320207" cy="304801"/>
+            <a:off x="8579760" y="6534198"/>
+            <a:ext cx="3320208" cy="283792"/>
           </a:xfrm>
           <a:prstGeom prst="rect">
             <a:avLst/>
@@ -3583,7 +3462,7 @@
           </a:ln>
           <a:extLst>
             <a:ext uri="{C572A759-6A51-4108-AA02-DFA0A04FC94B}">
-              <ma14:wrappingTextBoxFlag xmlns="" xmlns:ma14="http://schemas.microsoft.com/office/mac/drawingml/2011/main" val="1"/>
+              <ma14:wrappingTextBoxFlag xmlns:ma14="http://schemas.microsoft.com/office/mac/drawingml/2011/main" xmlns:a14="http://schemas.microsoft.com/office/drawing/2010/main" xmlns:m="http://schemas.openxmlformats.org/officeDocument/2006/math" xmlns="" val="1"/>
             </a:ext>
           </a:extLst>
         </p:spPr>
@@ -3593,24 +3472,19 @@
           </a:bodyPr>
           <a:lstStyle>
             <a:lvl1pPr algn="l">
-              <a:defRPr sz="2000" cap="all" spc="100">
+              <a:defRPr sz="2000" b="1" cap="all" spc="100">
                 <a:solidFill>
                   <a:srgbClr val="24262C"/>
                 </a:solidFill>
-                <a:latin typeface="Helvetica"/>
-                <a:ea typeface="Helvetica"/>
-                <a:cs typeface="Helvetica"/>
-                <a:sym typeface="Helvetica"/>
+                <a:latin typeface="LiberationSans-Bold"/>
+                <a:ea typeface="LiberationSans-Bold"/>
+                <a:cs typeface="LiberationSans-Bold"/>
+                <a:sym typeface="LiberationSans-Bold"/>
               </a:defRPr>
             </a:lvl1pPr>
           </a:lstStyle>
           <a:p>
             <a:r>
-              <a:rPr dirty="0">
-                <a:latin typeface="Liberation Sans" panose="020B0604020202020204" pitchFamily="34" charset="0"/>
-                <a:ea typeface="Liberation Sans" panose="020B0604020202020204" pitchFamily="34" charset="0"/>
-                <a:cs typeface="Liberation Sans" panose="020B0604020202020204" pitchFamily="34" charset="0"/>
-              </a:rPr>
               <a:t>Webcams</a:t>
             </a:r>
           </a:p>
@@ -3618,14 +3492,14 @@
       </p:sp>
       <p:sp>
         <p:nvSpPr>
-          <p:cNvPr id="128" name="Hold visual meetings."/>
+          <p:cNvPr id="130" name="Hold visual meetings."/>
           <p:cNvSpPr txBox="1"/>
           <p:nvPr/>
         </p:nvSpPr>
         <p:spPr>
           <a:xfrm>
-            <a:off x="8541660" y="7016799"/>
-            <a:ext cx="3320207" cy="1270001"/>
+            <a:off x="8579760" y="7004098"/>
+            <a:ext cx="3320208" cy="321061"/>
           </a:xfrm>
           <a:prstGeom prst="rect">
             <a:avLst/>
@@ -3635,35 +3509,32 @@
           </a:ln>
           <a:extLst>
             <a:ext uri="{C572A759-6A51-4108-AA02-DFA0A04FC94B}">
-              <ma14:wrappingTextBoxFlag xmlns="" xmlns:ma14="http://schemas.microsoft.com/office/mac/drawingml/2011/main" val="1"/>
+              <ma14:wrappingTextBoxFlag xmlns:ma14="http://schemas.microsoft.com/office/mac/drawingml/2011/main" xmlns:a14="http://schemas.microsoft.com/office/drawing/2010/main" xmlns:m="http://schemas.openxmlformats.org/officeDocument/2006/math" xmlns="" val="1"/>
             </a:ext>
           </a:extLst>
         </p:spPr>
         <p:txBody>
-          <a:bodyPr lIns="0" tIns="0" rIns="0" bIns="0"/>
+          <a:bodyPr lIns="0" tIns="0" rIns="0" bIns="0">
+            <a:spAutoFit/>
+          </a:bodyPr>
           <a:lstStyle>
             <a:lvl1pPr algn="l">
               <a:lnSpc>
                 <a:spcPct val="120000"/>
               </a:lnSpc>
-              <a:defRPr sz="2200" b="0" spc="66">
+              <a:defRPr sz="2200" spc="66">
                 <a:solidFill>
                   <a:srgbClr val="504E4E"/>
                 </a:solidFill>
-                <a:latin typeface="Helvetica"/>
-                <a:ea typeface="Helvetica"/>
-                <a:cs typeface="Helvetica"/>
-                <a:sym typeface="Helvetica"/>
+                <a:latin typeface="LiberationSans"/>
+                <a:ea typeface="LiberationSans"/>
+                <a:cs typeface="LiberationSans"/>
+                <a:sym typeface="LiberationSans"/>
               </a:defRPr>
             </a:lvl1pPr>
           </a:lstStyle>
           <a:p>
             <a:r>
-              <a:rPr>
-                <a:latin typeface="Liberation Sans" panose="020B0604020202020204" pitchFamily="34" charset="0"/>
-                <a:ea typeface="Liberation Sans" panose="020B0604020202020204" pitchFamily="34" charset="0"/>
-                <a:cs typeface="Liberation Sans" panose="020B0604020202020204" pitchFamily="34" charset="0"/>
-              </a:rPr>
               <a:t>Hold visual meetings.</a:t>
             </a:r>
           </a:p>
@@ -3671,14 +3542,14 @@
       </p:sp>
       <p:sp>
         <p:nvSpPr>
-          <p:cNvPr id="129" name="Circle"/>
+          <p:cNvPr id="131" name="Circle"/>
           <p:cNvSpPr/>
           <p:nvPr/>
         </p:nvSpPr>
         <p:spPr>
           <a:xfrm>
-            <a:off x="7197515" y="6573630"/>
-            <a:ext cx="1016001" cy="1016001"/>
+            <a:off x="7235614" y="6535529"/>
+            <a:ext cx="1016003" cy="1016003"/>
           </a:xfrm>
           <a:prstGeom prst="ellipse">
             <a:avLst/>
@@ -3691,38 +3562,34 @@
           </a:ln>
         </p:spPr>
         <p:txBody>
-          <a:bodyPr lIns="38100" tIns="38100" rIns="38100" bIns="38100" anchor="ctr"/>
+          <a:bodyPr lIns="0" tIns="0" rIns="0" bIns="0" anchor="ctr"/>
           <a:lstStyle/>
           <a:p>
             <a:pPr algn="l">
-              <a:defRPr spc="-90">
+              <a:defRPr b="1" spc="-90">
                 <a:solidFill>
                   <a:srgbClr val="0E70D7"/>
                 </a:solidFill>
-                <a:latin typeface="Helvetica"/>
-                <a:ea typeface="Helvetica"/>
-                <a:cs typeface="Helvetica"/>
-                <a:sym typeface="Helvetica"/>
+                <a:latin typeface="Liberation Sans"/>
+                <a:ea typeface="Liberation Sans"/>
+                <a:cs typeface="Liberation Sans"/>
+                <a:sym typeface="Liberation Sans"/>
               </a:defRPr>
             </a:pPr>
-            <a:endParaRPr>
-              <a:latin typeface="Liberation Sans" panose="020B0604020202020204" pitchFamily="34" charset="0"/>
-              <a:ea typeface="Liberation Sans" panose="020B0604020202020204" pitchFamily="34" charset="0"/>
-              <a:cs typeface="Liberation Sans" panose="020B0604020202020204" pitchFamily="34" charset="0"/>
-            </a:endParaRPr>
-          </a:p>
-        </p:txBody>
-      </p:sp>
-      <p:sp>
-        <p:nvSpPr>
-          <p:cNvPr id="130" name="Audio conversations"/>
+            <a:endParaRPr/>
+          </a:p>
+        </p:txBody>
+      </p:sp>
+      <p:sp>
+        <p:nvSpPr>
+          <p:cNvPr id="132" name="Audio conversations"/>
           <p:cNvSpPr txBox="1"/>
           <p:nvPr/>
         </p:nvSpPr>
         <p:spPr>
           <a:xfrm>
-            <a:off x="13851655" y="6546899"/>
-            <a:ext cx="3320207" cy="304801"/>
+            <a:off x="13536145" y="6534198"/>
+            <a:ext cx="3320208" cy="283792"/>
           </a:xfrm>
           <a:prstGeom prst="rect">
             <a:avLst/>
@@ -3732,7 +3599,7 @@
           </a:ln>
           <a:extLst>
             <a:ext uri="{C572A759-6A51-4108-AA02-DFA0A04FC94B}">
-              <ma14:wrappingTextBoxFlag xmlns="" xmlns:ma14="http://schemas.microsoft.com/office/mac/drawingml/2011/main" val="1"/>
+              <ma14:wrappingTextBoxFlag xmlns:ma14="http://schemas.microsoft.com/office/mac/drawingml/2011/main" xmlns:a14="http://schemas.microsoft.com/office/drawing/2010/main" xmlns:m="http://schemas.openxmlformats.org/officeDocument/2006/math" xmlns="" val="1"/>
             </a:ext>
           </a:extLst>
         </p:spPr>
@@ -3742,24 +3609,19 @@
           </a:bodyPr>
           <a:lstStyle>
             <a:lvl1pPr algn="l">
-              <a:defRPr sz="2000" cap="all" spc="100">
+              <a:defRPr sz="2000" b="1" cap="all" spc="100">
                 <a:solidFill>
                   <a:srgbClr val="24262C"/>
                 </a:solidFill>
-                <a:latin typeface="Helvetica"/>
-                <a:ea typeface="Helvetica"/>
-                <a:cs typeface="Helvetica"/>
-                <a:sym typeface="Helvetica"/>
+                <a:latin typeface="LiberationSans-Bold"/>
+                <a:ea typeface="LiberationSans-Bold"/>
+                <a:cs typeface="LiberationSans-Bold"/>
+                <a:sym typeface="LiberationSans-Bold"/>
               </a:defRPr>
             </a:lvl1pPr>
           </a:lstStyle>
           <a:p>
             <a:r>
-              <a:rPr dirty="0">
-                <a:latin typeface="Liberation Sans" panose="020B0604020202020204" pitchFamily="34" charset="0"/>
-                <a:ea typeface="Liberation Sans" panose="020B0604020202020204" pitchFamily="34" charset="0"/>
-                <a:cs typeface="Liberation Sans" panose="020B0604020202020204" pitchFamily="34" charset="0"/>
-              </a:rPr>
               <a:t>Audio</a:t>
             </a:r>
           </a:p>
@@ -3767,14 +3629,14 @@
       </p:sp>
       <p:sp>
         <p:nvSpPr>
-          <p:cNvPr id="131" name="Communicate using high quality audio."/>
+          <p:cNvPr id="133" name="Communicate using high quality audio."/>
           <p:cNvSpPr txBox="1"/>
           <p:nvPr/>
         </p:nvSpPr>
         <p:spPr>
           <a:xfrm>
-            <a:off x="13851655" y="7016799"/>
-            <a:ext cx="3320207" cy="1270001"/>
+            <a:off x="13536145" y="7004098"/>
+            <a:ext cx="3320208" cy="715473"/>
           </a:xfrm>
           <a:prstGeom prst="rect">
             <a:avLst/>
@@ -3784,35 +3646,32 @@
           </a:ln>
           <a:extLst>
             <a:ext uri="{C572A759-6A51-4108-AA02-DFA0A04FC94B}">
-              <ma14:wrappingTextBoxFlag xmlns="" xmlns:ma14="http://schemas.microsoft.com/office/mac/drawingml/2011/main" val="1"/>
+              <ma14:wrappingTextBoxFlag xmlns:ma14="http://schemas.microsoft.com/office/mac/drawingml/2011/main" xmlns:a14="http://schemas.microsoft.com/office/drawing/2010/main" xmlns:m="http://schemas.openxmlformats.org/officeDocument/2006/math" xmlns="" val="1"/>
             </a:ext>
           </a:extLst>
         </p:spPr>
         <p:txBody>
-          <a:bodyPr lIns="0" tIns="0" rIns="0" bIns="0"/>
+          <a:bodyPr lIns="0" tIns="0" rIns="0" bIns="0">
+            <a:spAutoFit/>
+          </a:bodyPr>
           <a:lstStyle>
             <a:lvl1pPr algn="l">
               <a:lnSpc>
                 <a:spcPct val="120000"/>
               </a:lnSpc>
-              <a:defRPr sz="2200" b="0" spc="66">
+              <a:defRPr sz="2200" spc="66">
                 <a:solidFill>
                   <a:srgbClr val="504E4E"/>
                 </a:solidFill>
-                <a:latin typeface="Helvetica"/>
-                <a:ea typeface="Helvetica"/>
-                <a:cs typeface="Helvetica"/>
-                <a:sym typeface="Helvetica"/>
+                <a:latin typeface="LiberationSans"/>
+                <a:ea typeface="LiberationSans"/>
+                <a:cs typeface="LiberationSans"/>
+                <a:sym typeface="LiberationSans"/>
               </a:defRPr>
             </a:lvl1pPr>
           </a:lstStyle>
           <a:p>
             <a:r>
-              <a:rPr dirty="0">
-                <a:latin typeface="Liberation Sans" panose="020B0604020202020204" pitchFamily="34" charset="0"/>
-                <a:ea typeface="Liberation Sans" panose="020B0604020202020204" pitchFamily="34" charset="0"/>
-                <a:cs typeface="Liberation Sans" panose="020B0604020202020204" pitchFamily="34" charset="0"/>
-              </a:rPr>
               <a:t>Communicate using high quality audio.</a:t>
             </a:r>
           </a:p>
@@ -3820,14 +3679,14 @@
       </p:sp>
       <p:sp>
         <p:nvSpPr>
-          <p:cNvPr id="132" name="Circle"/>
+          <p:cNvPr id="134" name="Circle"/>
           <p:cNvSpPr/>
           <p:nvPr/>
         </p:nvSpPr>
         <p:spPr>
           <a:xfrm>
-            <a:off x="12507510" y="6573630"/>
-            <a:ext cx="1016001" cy="1016001"/>
+            <a:off x="12192000" y="6535529"/>
+            <a:ext cx="1016003" cy="1016003"/>
           </a:xfrm>
           <a:prstGeom prst="ellipse">
             <a:avLst/>
@@ -3840,38 +3699,34 @@
           </a:ln>
         </p:spPr>
         <p:txBody>
-          <a:bodyPr lIns="38100" tIns="38100" rIns="38100" bIns="38100" anchor="ctr"/>
+          <a:bodyPr lIns="0" tIns="0" rIns="0" bIns="0" anchor="ctr"/>
           <a:lstStyle/>
           <a:p>
             <a:pPr algn="l">
-              <a:defRPr spc="-90">
+              <a:defRPr b="1" spc="-90">
                 <a:solidFill>
                   <a:srgbClr val="0E70D7"/>
                 </a:solidFill>
-                <a:latin typeface="Helvetica"/>
-                <a:ea typeface="Helvetica"/>
-                <a:cs typeface="Helvetica"/>
-                <a:sym typeface="Helvetica"/>
+                <a:latin typeface="Liberation Sans"/>
+                <a:ea typeface="Liberation Sans"/>
+                <a:cs typeface="Liberation Sans"/>
+                <a:sym typeface="Liberation Sans"/>
               </a:defRPr>
             </a:pPr>
-            <a:endParaRPr>
-              <a:latin typeface="Liberation Sans" panose="020B0604020202020204" pitchFamily="34" charset="0"/>
-              <a:ea typeface="Liberation Sans" panose="020B0604020202020204" pitchFamily="34" charset="0"/>
-              <a:cs typeface="Liberation Sans" panose="020B0604020202020204" pitchFamily="34" charset="0"/>
-            </a:endParaRPr>
-          </a:p>
-        </p:txBody>
-      </p:sp>
-      <p:sp>
-        <p:nvSpPr>
-          <p:cNvPr id="133" name="Emojis"/>
+            <a:endParaRPr/>
+          </a:p>
+        </p:txBody>
+      </p:sp>
+      <p:sp>
+        <p:nvSpPr>
+          <p:cNvPr id="135" name="Emojis"/>
           <p:cNvSpPr txBox="1"/>
           <p:nvPr/>
         </p:nvSpPr>
         <p:spPr>
           <a:xfrm>
-            <a:off x="18844150" y="6546899"/>
-            <a:ext cx="3320208" cy="304801"/>
+            <a:off x="8579759" y="8743998"/>
+            <a:ext cx="3320209" cy="283792"/>
           </a:xfrm>
           <a:prstGeom prst="rect">
             <a:avLst/>
@@ -3881,7 +3736,7 @@
           </a:ln>
           <a:extLst>
             <a:ext uri="{C572A759-6A51-4108-AA02-DFA0A04FC94B}">
-              <ma14:wrappingTextBoxFlag xmlns="" xmlns:ma14="http://schemas.microsoft.com/office/mac/drawingml/2011/main" val="1"/>
+              <ma14:wrappingTextBoxFlag xmlns:ma14="http://schemas.microsoft.com/office/mac/drawingml/2011/main" xmlns:a14="http://schemas.microsoft.com/office/drawing/2010/main" xmlns:m="http://schemas.openxmlformats.org/officeDocument/2006/math" xmlns="" val="1"/>
             </a:ext>
           </a:extLst>
         </p:spPr>
@@ -3891,24 +3746,19 @@
           </a:bodyPr>
           <a:lstStyle>
             <a:lvl1pPr algn="l">
-              <a:defRPr sz="2000" cap="all" spc="100">
+              <a:defRPr sz="2000" b="1" cap="all" spc="100">
                 <a:solidFill>
                   <a:srgbClr val="24262C"/>
                 </a:solidFill>
-                <a:latin typeface="Helvetica"/>
-                <a:ea typeface="Helvetica"/>
-                <a:cs typeface="Helvetica"/>
-                <a:sym typeface="Helvetica"/>
+                <a:latin typeface="LiberationSans-Bold"/>
+                <a:ea typeface="LiberationSans-Bold"/>
+                <a:cs typeface="LiberationSans-Bold"/>
+                <a:sym typeface="LiberationSans-Bold"/>
               </a:defRPr>
             </a:lvl1pPr>
           </a:lstStyle>
           <a:p>
             <a:r>
-              <a:rPr>
-                <a:latin typeface="Liberation Sans" panose="020B0604020202020204" pitchFamily="34" charset="0"/>
-                <a:ea typeface="Liberation Sans" panose="020B0604020202020204" pitchFamily="34" charset="0"/>
-                <a:cs typeface="Liberation Sans" panose="020B0604020202020204" pitchFamily="34" charset="0"/>
-              </a:rPr>
               <a:t>Emojis</a:t>
             </a:r>
           </a:p>
@@ -3916,14 +3766,14 @@
       </p:sp>
       <p:sp>
         <p:nvSpPr>
-          <p:cNvPr id="134" name="Express yourself."/>
+          <p:cNvPr id="136" name="Express yourself."/>
           <p:cNvSpPr txBox="1"/>
           <p:nvPr/>
         </p:nvSpPr>
         <p:spPr>
           <a:xfrm>
-            <a:off x="18844150" y="7016799"/>
-            <a:ext cx="3320208" cy="1270001"/>
+            <a:off x="8579759" y="9213898"/>
+            <a:ext cx="3320209" cy="321061"/>
           </a:xfrm>
           <a:prstGeom prst="rect">
             <a:avLst/>
@@ -3933,35 +3783,32 @@
           </a:ln>
           <a:extLst>
             <a:ext uri="{C572A759-6A51-4108-AA02-DFA0A04FC94B}">
-              <ma14:wrappingTextBoxFlag xmlns="" xmlns:ma14="http://schemas.microsoft.com/office/mac/drawingml/2011/main" val="1"/>
+              <ma14:wrappingTextBoxFlag xmlns:ma14="http://schemas.microsoft.com/office/mac/drawingml/2011/main" xmlns:a14="http://schemas.microsoft.com/office/drawing/2010/main" xmlns:m="http://schemas.openxmlformats.org/officeDocument/2006/math" xmlns="" val="1"/>
             </a:ext>
           </a:extLst>
         </p:spPr>
         <p:txBody>
-          <a:bodyPr lIns="0" tIns="0" rIns="0" bIns="0"/>
+          <a:bodyPr lIns="0" tIns="0" rIns="0" bIns="0">
+            <a:spAutoFit/>
+          </a:bodyPr>
           <a:lstStyle>
             <a:lvl1pPr algn="l">
               <a:lnSpc>
                 <a:spcPct val="120000"/>
               </a:lnSpc>
-              <a:defRPr sz="2200" b="0" spc="66">
+              <a:defRPr sz="2200" spc="66">
                 <a:solidFill>
                   <a:srgbClr val="504E4E"/>
                 </a:solidFill>
-                <a:latin typeface="Helvetica"/>
-                <a:ea typeface="Helvetica"/>
-                <a:cs typeface="Helvetica"/>
-                <a:sym typeface="Helvetica"/>
+                <a:latin typeface="LiberationSans"/>
+                <a:ea typeface="LiberationSans"/>
+                <a:cs typeface="LiberationSans"/>
+                <a:sym typeface="LiberationSans"/>
               </a:defRPr>
             </a:lvl1pPr>
           </a:lstStyle>
           <a:p>
             <a:r>
-              <a:rPr>
-                <a:latin typeface="Liberation Sans" panose="020B0604020202020204" pitchFamily="34" charset="0"/>
-                <a:ea typeface="Liberation Sans" panose="020B0604020202020204" pitchFamily="34" charset="0"/>
-                <a:cs typeface="Liberation Sans" panose="020B0604020202020204" pitchFamily="34" charset="0"/>
-              </a:rPr>
               <a:t>Express yourself.</a:t>
             </a:r>
           </a:p>
@@ -3969,14 +3816,14 @@
       </p:sp>
       <p:sp>
         <p:nvSpPr>
-          <p:cNvPr id="135" name="Circle"/>
+          <p:cNvPr id="137" name="Circle"/>
           <p:cNvSpPr/>
           <p:nvPr/>
         </p:nvSpPr>
         <p:spPr>
           <a:xfrm>
-            <a:off x="17500006" y="6573630"/>
-            <a:ext cx="1016001" cy="1016001"/>
+            <a:off x="7235614" y="8745329"/>
+            <a:ext cx="1016003" cy="1016003"/>
           </a:xfrm>
           <a:prstGeom prst="ellipse">
             <a:avLst/>
@@ -3989,38 +3836,34 @@
           </a:ln>
         </p:spPr>
         <p:txBody>
-          <a:bodyPr lIns="38100" tIns="38100" rIns="38100" bIns="38100" anchor="ctr"/>
+          <a:bodyPr lIns="0" tIns="0" rIns="0" bIns="0" anchor="ctr"/>
           <a:lstStyle/>
           <a:p>
             <a:pPr algn="l">
-              <a:defRPr spc="-90">
+              <a:defRPr b="1" spc="-90">
                 <a:solidFill>
                   <a:srgbClr val="0E70D7"/>
                 </a:solidFill>
-                <a:latin typeface="Helvetica"/>
-                <a:ea typeface="Helvetica"/>
-                <a:cs typeface="Helvetica"/>
-                <a:sym typeface="Helvetica"/>
+                <a:latin typeface="Liberation Sans"/>
+                <a:ea typeface="Liberation Sans"/>
+                <a:cs typeface="Liberation Sans"/>
+                <a:sym typeface="Liberation Sans"/>
               </a:defRPr>
             </a:pPr>
-            <a:endParaRPr>
-              <a:latin typeface="Liberation Sans" panose="020B0604020202020204" pitchFamily="34" charset="0"/>
-              <a:ea typeface="Liberation Sans" panose="020B0604020202020204" pitchFamily="34" charset="0"/>
-              <a:cs typeface="Liberation Sans" panose="020B0604020202020204" pitchFamily="34" charset="0"/>
-            </a:endParaRPr>
-          </a:p>
-        </p:txBody>
-      </p:sp>
-      <p:sp>
-        <p:nvSpPr>
-          <p:cNvPr id="136" name="BREAKOUT ROOMS"/>
+            <a:endParaRPr/>
+          </a:p>
+        </p:txBody>
+      </p:sp>
+      <p:sp>
+        <p:nvSpPr>
+          <p:cNvPr id="138" name="Polling"/>
           <p:cNvSpPr txBox="1"/>
           <p:nvPr/>
         </p:nvSpPr>
         <p:spPr>
           <a:xfrm>
-            <a:off x="3549164" y="8909099"/>
-            <a:ext cx="4117877" cy="304801"/>
+            <a:off x="3636873" y="8743998"/>
+            <a:ext cx="3320208" cy="283792"/>
           </a:xfrm>
           <a:prstGeom prst="rect">
             <a:avLst/>
@@ -4030,7 +3873,7 @@
           </a:ln>
           <a:extLst>
             <a:ext uri="{C572A759-6A51-4108-AA02-DFA0A04FC94B}">
-              <ma14:wrappingTextBoxFlag xmlns="" xmlns:ma14="http://schemas.microsoft.com/office/mac/drawingml/2011/main" val="1"/>
+              <ma14:wrappingTextBoxFlag xmlns:ma14="http://schemas.microsoft.com/office/mac/drawingml/2011/main" xmlns:a14="http://schemas.microsoft.com/office/drawing/2010/main" xmlns:m="http://schemas.openxmlformats.org/officeDocument/2006/math" xmlns="" val="1"/>
             </a:ext>
           </a:extLst>
         </p:spPr>
@@ -4040,39 +3883,34 @@
           </a:bodyPr>
           <a:lstStyle>
             <a:lvl1pPr algn="l">
-              <a:defRPr sz="2000" cap="all" spc="100">
+              <a:defRPr sz="2000" b="1" cap="all" spc="100">
                 <a:solidFill>
                   <a:srgbClr val="24262C"/>
                 </a:solidFill>
-                <a:latin typeface="Helvetica"/>
-                <a:ea typeface="Helvetica"/>
-                <a:cs typeface="Helvetica"/>
-                <a:sym typeface="Helvetica"/>
+                <a:latin typeface="LiberationSans-Bold"/>
+                <a:ea typeface="LiberationSans-Bold"/>
+                <a:cs typeface="LiberationSans-Bold"/>
+                <a:sym typeface="LiberationSans-Bold"/>
               </a:defRPr>
             </a:lvl1pPr>
           </a:lstStyle>
           <a:p>
             <a:r>
-              <a:rPr>
-                <a:latin typeface="Liberation Sans" panose="020B0604020202020204" pitchFamily="34" charset="0"/>
-                <a:ea typeface="Liberation Sans" panose="020B0604020202020204" pitchFamily="34" charset="0"/>
-                <a:cs typeface="Liberation Sans" panose="020B0604020202020204" pitchFamily="34" charset="0"/>
-              </a:rPr>
-              <a:t>BREAKOUT ROOMS</a:t>
-            </a:r>
-          </a:p>
-        </p:txBody>
-      </p:sp>
-      <p:sp>
-        <p:nvSpPr>
-          <p:cNvPr id="137" name="Group users into breakout rooms for team collaboration."/>
+              <a:t>Polling</a:t>
+            </a:r>
+          </a:p>
+        </p:txBody>
+      </p:sp>
+      <p:sp>
+        <p:nvSpPr>
+          <p:cNvPr id="139" name="Poll your users anytime."/>
           <p:cNvSpPr txBox="1"/>
           <p:nvPr/>
         </p:nvSpPr>
         <p:spPr>
           <a:xfrm>
-            <a:off x="3549164" y="9378999"/>
-            <a:ext cx="3320208" cy="1270001"/>
+            <a:off x="3636873" y="9213898"/>
+            <a:ext cx="3320208" cy="321061"/>
           </a:xfrm>
           <a:prstGeom prst="rect">
             <a:avLst/>
@@ -4082,50 +3920,47 @@
           </a:ln>
           <a:extLst>
             <a:ext uri="{C572A759-6A51-4108-AA02-DFA0A04FC94B}">
-              <ma14:wrappingTextBoxFlag xmlns="" xmlns:ma14="http://schemas.microsoft.com/office/mac/drawingml/2011/main" val="1"/>
+              <ma14:wrappingTextBoxFlag xmlns:ma14="http://schemas.microsoft.com/office/mac/drawingml/2011/main" xmlns:a14="http://schemas.microsoft.com/office/drawing/2010/main" xmlns:m="http://schemas.openxmlformats.org/officeDocument/2006/math" xmlns="" val="1"/>
             </a:ext>
           </a:extLst>
         </p:spPr>
         <p:txBody>
-          <a:bodyPr lIns="0" tIns="0" rIns="0" bIns="0"/>
+          <a:bodyPr lIns="0" tIns="0" rIns="0" bIns="0">
+            <a:spAutoFit/>
+          </a:bodyPr>
           <a:lstStyle>
             <a:lvl1pPr algn="l">
               <a:lnSpc>
                 <a:spcPct val="120000"/>
               </a:lnSpc>
-              <a:defRPr sz="2200" b="0" spc="66">
+              <a:defRPr sz="2200" spc="66">
                 <a:solidFill>
                   <a:srgbClr val="504E4E"/>
                 </a:solidFill>
-                <a:latin typeface="Helvetica"/>
-                <a:ea typeface="Helvetica"/>
-                <a:cs typeface="Helvetica"/>
-                <a:sym typeface="Helvetica"/>
+                <a:latin typeface="LiberationSans"/>
+                <a:ea typeface="LiberationSans"/>
+                <a:cs typeface="LiberationSans"/>
+                <a:sym typeface="LiberationSans"/>
               </a:defRPr>
             </a:lvl1pPr>
           </a:lstStyle>
           <a:p>
             <a:r>
-              <a:rPr>
-                <a:latin typeface="Liberation Sans" panose="020B0604020202020204" pitchFamily="34" charset="0"/>
-                <a:ea typeface="Liberation Sans" panose="020B0604020202020204" pitchFamily="34" charset="0"/>
-                <a:cs typeface="Liberation Sans" panose="020B0604020202020204" pitchFamily="34" charset="0"/>
-              </a:rPr>
-              <a:t>Group users into breakout rooms for team collaboration.</a:t>
-            </a:r>
-          </a:p>
-        </p:txBody>
-      </p:sp>
-      <p:sp>
-        <p:nvSpPr>
-          <p:cNvPr id="138" name="Circle"/>
+              <a:t>Poll your users anytime.</a:t>
+            </a:r>
+          </a:p>
+        </p:txBody>
+      </p:sp>
+      <p:sp>
+        <p:nvSpPr>
+          <p:cNvPr id="140" name="Circle"/>
           <p:cNvSpPr/>
           <p:nvPr/>
         </p:nvSpPr>
         <p:spPr>
           <a:xfrm>
-            <a:off x="2205020" y="8935830"/>
-            <a:ext cx="1016001" cy="1016001"/>
+            <a:off x="2292728" y="8745329"/>
+            <a:ext cx="1016003" cy="1016003"/>
           </a:xfrm>
           <a:prstGeom prst="ellipse">
             <a:avLst/>
@@ -4138,38 +3973,34 @@
           </a:ln>
         </p:spPr>
         <p:txBody>
-          <a:bodyPr lIns="38100" tIns="38100" rIns="38100" bIns="38100" anchor="ctr"/>
+          <a:bodyPr lIns="0" tIns="0" rIns="0" bIns="0" anchor="ctr"/>
           <a:lstStyle/>
           <a:p>
             <a:pPr algn="l">
-              <a:defRPr spc="-90">
+              <a:defRPr b="1" spc="-90">
                 <a:solidFill>
                   <a:srgbClr val="0E70D7"/>
                 </a:solidFill>
-                <a:latin typeface="Helvetica"/>
-                <a:ea typeface="Helvetica"/>
-                <a:cs typeface="Helvetica"/>
-                <a:sym typeface="Helvetica"/>
+                <a:latin typeface="Liberation Sans"/>
+                <a:ea typeface="Liberation Sans"/>
+                <a:cs typeface="Liberation Sans"/>
+                <a:sym typeface="Liberation Sans"/>
               </a:defRPr>
             </a:pPr>
-            <a:endParaRPr>
-              <a:latin typeface="Liberation Sans" panose="020B0604020202020204" pitchFamily="34" charset="0"/>
-              <a:ea typeface="Liberation Sans" panose="020B0604020202020204" pitchFamily="34" charset="0"/>
-              <a:cs typeface="Liberation Sans" panose="020B0604020202020204" pitchFamily="34" charset="0"/>
-            </a:endParaRPr>
-          </a:p>
-        </p:txBody>
-      </p:sp>
-      <p:sp>
-        <p:nvSpPr>
-          <p:cNvPr id="139" name="Polling"/>
+            <a:endParaRPr/>
+          </a:p>
+        </p:txBody>
+      </p:sp>
+      <p:sp>
+        <p:nvSpPr>
+          <p:cNvPr id="141" name="Screensharing"/>
           <p:cNvSpPr txBox="1"/>
           <p:nvPr/>
         </p:nvSpPr>
         <p:spPr>
           <a:xfrm>
-            <a:off x="8541660" y="8909099"/>
-            <a:ext cx="3320207" cy="304801"/>
+            <a:off x="13536145" y="8743998"/>
+            <a:ext cx="3320208" cy="283792"/>
           </a:xfrm>
           <a:prstGeom prst="rect">
             <a:avLst/>
@@ -4179,7 +4010,53 @@
           </a:ln>
           <a:extLst>
             <a:ext uri="{C572A759-6A51-4108-AA02-DFA0A04FC94B}">
-              <ma14:wrappingTextBoxFlag xmlns="" xmlns:ma14="http://schemas.microsoft.com/office/mac/drawingml/2011/main" val="1"/>
+              <ma14:wrappingTextBoxFlag xmlns:ma14="http://schemas.microsoft.com/office/mac/drawingml/2011/main" xmlns:a14="http://schemas.microsoft.com/office/drawing/2010/main" xmlns:m="http://schemas.openxmlformats.org/officeDocument/2006/math" xmlns="" val="1"/>
+            </a:ext>
+          </a:extLst>
+        </p:spPr>
+        <p:txBody>
+          <a:bodyPr lIns="0" tIns="0" rIns="0" bIns="0">
+            <a:spAutoFit/>
+          </a:bodyPr>
+          <a:lstStyle/>
+          <a:p>
+            <a:pPr algn="l">
+              <a:defRPr sz="2000" b="1" cap="all" spc="100">
+                <a:solidFill>
+                  <a:srgbClr val="24262C"/>
+                </a:solidFill>
+                <a:latin typeface="LiberationSans-Bold"/>
+                <a:ea typeface="LiberationSans-Bold"/>
+                <a:cs typeface="LiberationSans-Bold"/>
+                <a:sym typeface="LiberationSans-Bold"/>
+              </a:defRPr>
+            </a:pPr>
+            <a:r>
+              <a:t>Screen sharing</a:t>
+            </a:r>
+          </a:p>
+        </p:txBody>
+      </p:sp>
+      <p:sp>
+        <p:nvSpPr>
+          <p:cNvPr id="142" name="Share your screen."/>
+          <p:cNvSpPr txBox="1"/>
+          <p:nvPr/>
+        </p:nvSpPr>
+        <p:spPr>
+          <a:xfrm>
+            <a:off x="13536145" y="9213898"/>
+            <a:ext cx="3320208" cy="321061"/>
+          </a:xfrm>
+          <a:prstGeom prst="rect">
+            <a:avLst/>
+          </a:prstGeom>
+          <a:ln w="12700">
+            <a:miter lim="400000"/>
+          </a:ln>
+          <a:extLst>
+            <a:ext uri="{C572A759-6A51-4108-AA02-DFA0A04FC94B}">
+              <ma14:wrappingTextBoxFlag xmlns:ma14="http://schemas.microsoft.com/office/mac/drawingml/2011/main" xmlns:a14="http://schemas.microsoft.com/office/drawing/2010/main" xmlns:m="http://schemas.openxmlformats.org/officeDocument/2006/math" xmlns="" val="1"/>
             </a:ext>
           </a:extLst>
         </p:spPr>
@@ -4189,92 +4066,37 @@
           </a:bodyPr>
           <a:lstStyle>
             <a:lvl1pPr algn="l">
-              <a:defRPr sz="2000" cap="all" spc="100">
+              <a:lnSpc>
+                <a:spcPct val="120000"/>
+              </a:lnSpc>
+              <a:defRPr sz="2200" spc="66">
                 <a:solidFill>
-                  <a:srgbClr val="24262C"/>
+                  <a:srgbClr val="504E4E"/>
                 </a:solidFill>
-                <a:latin typeface="Helvetica"/>
-                <a:ea typeface="Helvetica"/>
-                <a:cs typeface="Helvetica"/>
-                <a:sym typeface="Helvetica"/>
+                <a:latin typeface="LiberationSans"/>
+                <a:ea typeface="LiberationSans"/>
+                <a:cs typeface="LiberationSans"/>
+                <a:sym typeface="LiberationSans"/>
               </a:defRPr>
             </a:lvl1pPr>
           </a:lstStyle>
           <a:p>
             <a:r>
-              <a:rPr>
-                <a:latin typeface="Liberation Sans" panose="020B0604020202020204" pitchFamily="34" charset="0"/>
-                <a:ea typeface="Liberation Sans" panose="020B0604020202020204" pitchFamily="34" charset="0"/>
-                <a:cs typeface="Liberation Sans" panose="020B0604020202020204" pitchFamily="34" charset="0"/>
-              </a:rPr>
-              <a:t>Polling</a:t>
-            </a:r>
-          </a:p>
-        </p:txBody>
-      </p:sp>
-      <p:sp>
-        <p:nvSpPr>
-          <p:cNvPr id="140" name="Poll your users anytime."/>
-          <p:cNvSpPr txBox="1"/>
-          <p:nvPr/>
-        </p:nvSpPr>
-        <p:spPr>
-          <a:xfrm>
-            <a:off x="8541660" y="9378999"/>
-            <a:ext cx="3320207" cy="1270001"/>
-          </a:xfrm>
-          <a:prstGeom prst="rect">
-            <a:avLst/>
-          </a:prstGeom>
-          <a:ln w="12700">
-            <a:miter lim="400000"/>
-          </a:ln>
-          <a:extLst>
-            <a:ext uri="{C572A759-6A51-4108-AA02-DFA0A04FC94B}">
-              <ma14:wrappingTextBoxFlag xmlns="" xmlns:ma14="http://schemas.microsoft.com/office/mac/drawingml/2011/main" val="1"/>
-            </a:ext>
-          </a:extLst>
-        </p:spPr>
-        <p:txBody>
-          <a:bodyPr lIns="0" tIns="0" rIns="0" bIns="0"/>
-          <a:lstStyle>
-            <a:lvl1pPr algn="l">
-              <a:lnSpc>
-                <a:spcPct val="120000"/>
-              </a:lnSpc>
-              <a:defRPr sz="2200" b="0" spc="66">
-                <a:solidFill>
-                  <a:srgbClr val="504E4E"/>
-                </a:solidFill>
-                <a:latin typeface="Helvetica"/>
-                <a:ea typeface="Helvetica"/>
-                <a:cs typeface="Helvetica"/>
-                <a:sym typeface="Helvetica"/>
-              </a:defRPr>
-            </a:lvl1pPr>
-          </a:lstStyle>
-          <a:p>
-            <a:r>
-              <a:rPr>
-                <a:latin typeface="Liberation Sans" panose="020B0604020202020204" pitchFamily="34" charset="0"/>
-                <a:ea typeface="Liberation Sans" panose="020B0604020202020204" pitchFamily="34" charset="0"/>
-                <a:cs typeface="Liberation Sans" panose="020B0604020202020204" pitchFamily="34" charset="0"/>
-              </a:rPr>
-              <a:t>Poll your users anytime.</a:t>
-            </a:r>
-          </a:p>
-        </p:txBody>
-      </p:sp>
-      <p:sp>
-        <p:nvSpPr>
-          <p:cNvPr id="141" name="Circle"/>
+              <a:t>Share your screen.</a:t>
+            </a:r>
+          </a:p>
+        </p:txBody>
+      </p:sp>
+      <p:sp>
+        <p:nvSpPr>
+          <p:cNvPr id="143" name="Circle"/>
           <p:cNvSpPr/>
           <p:nvPr/>
         </p:nvSpPr>
         <p:spPr>
           <a:xfrm>
-            <a:off x="7197515" y="8935830"/>
-            <a:ext cx="1016001" cy="1016001"/>
+            <a:off x="12192000" y="8745329"/>
+            <a:ext cx="1016003" cy="1016003"/>
           </a:xfrm>
           <a:prstGeom prst="ellipse">
             <a:avLst/>
@@ -4287,38 +4109,34 @@
           </a:ln>
         </p:spPr>
         <p:txBody>
-          <a:bodyPr lIns="38100" tIns="38100" rIns="38100" bIns="38100" anchor="ctr"/>
+          <a:bodyPr lIns="0" tIns="0" rIns="0" bIns="0" anchor="ctr"/>
           <a:lstStyle/>
           <a:p>
             <a:pPr algn="l">
-              <a:defRPr spc="-90">
+              <a:defRPr b="1" spc="-90">
                 <a:solidFill>
                   <a:srgbClr val="0E70D7"/>
                 </a:solidFill>
-                <a:latin typeface="Helvetica"/>
-                <a:ea typeface="Helvetica"/>
-                <a:cs typeface="Helvetica"/>
-                <a:sym typeface="Helvetica"/>
+                <a:latin typeface="Liberation Sans"/>
+                <a:ea typeface="Liberation Sans"/>
+                <a:cs typeface="Liberation Sans"/>
+                <a:sym typeface="Liberation Sans"/>
               </a:defRPr>
             </a:pPr>
-            <a:endParaRPr>
-              <a:latin typeface="Liberation Sans" panose="020B0604020202020204" pitchFamily="34" charset="0"/>
-              <a:ea typeface="Liberation Sans" panose="020B0604020202020204" pitchFamily="34" charset="0"/>
-              <a:cs typeface="Liberation Sans" panose="020B0604020202020204" pitchFamily="34" charset="0"/>
-            </a:endParaRPr>
-          </a:p>
-        </p:txBody>
-      </p:sp>
-      <p:sp>
-        <p:nvSpPr>
-          <p:cNvPr id="142" name="Screensharing"/>
+            <a:endParaRPr/>
+          </a:p>
+        </p:txBody>
+      </p:sp>
+      <p:sp>
+        <p:nvSpPr>
+          <p:cNvPr id="144" name="Multi-user whiteboard"/>
           <p:cNvSpPr txBox="1"/>
           <p:nvPr/>
         </p:nvSpPr>
         <p:spPr>
           <a:xfrm>
-            <a:off x="13851655" y="8909099"/>
-            <a:ext cx="3320207" cy="304801"/>
+            <a:off x="18489144" y="8743998"/>
+            <a:ext cx="3667462" cy="283792"/>
           </a:xfrm>
           <a:prstGeom prst="rect">
             <a:avLst/>
@@ -4328,7 +4146,7 @@
           </a:ln>
           <a:extLst>
             <a:ext uri="{C572A759-6A51-4108-AA02-DFA0A04FC94B}">
-              <ma14:wrappingTextBoxFlag xmlns="" xmlns:ma14="http://schemas.microsoft.com/office/mac/drawingml/2011/main" val="1"/>
+              <ma14:wrappingTextBoxFlag xmlns:ma14="http://schemas.microsoft.com/office/mac/drawingml/2011/main" xmlns:a14="http://schemas.microsoft.com/office/drawing/2010/main" xmlns:m="http://schemas.openxmlformats.org/officeDocument/2006/math" xmlns="" val="1"/>
             </a:ext>
           </a:extLst>
         </p:spPr>
@@ -4338,55 +4156,34 @@
           </a:bodyPr>
           <a:lstStyle>
             <a:lvl1pPr algn="l">
-              <a:defRPr sz="2000" cap="all" spc="100">
+              <a:defRPr sz="2000" b="1" cap="all" spc="100">
                 <a:solidFill>
                   <a:srgbClr val="24262C"/>
                 </a:solidFill>
-                <a:latin typeface="Helvetica"/>
-                <a:ea typeface="Helvetica"/>
-                <a:cs typeface="Helvetica"/>
-                <a:sym typeface="Helvetica"/>
+                <a:latin typeface="LiberationSans-Bold"/>
+                <a:ea typeface="LiberationSans-Bold"/>
+                <a:cs typeface="LiberationSans-Bold"/>
+                <a:sym typeface="LiberationSans-Bold"/>
               </a:defRPr>
             </a:lvl1pPr>
           </a:lstStyle>
           <a:p>
             <a:r>
-              <a:rPr dirty="0">
-                <a:latin typeface="Liberation Sans" panose="020B0604020202020204" pitchFamily="34" charset="0"/>
-                <a:ea typeface="Liberation Sans" panose="020B0604020202020204" pitchFamily="34" charset="0"/>
-                <a:cs typeface="Liberation Sans" panose="020B0604020202020204" pitchFamily="34" charset="0"/>
-              </a:rPr>
-              <a:t>Screen</a:t>
-            </a:r>
-            <a:r>
-              <a:rPr lang="en-US" dirty="0">
-                <a:latin typeface="Liberation Sans" panose="020B0604020202020204" pitchFamily="34" charset="0"/>
-                <a:ea typeface="Liberation Sans" panose="020B0604020202020204" pitchFamily="34" charset="0"/>
-                <a:cs typeface="Liberation Sans" panose="020B0604020202020204" pitchFamily="34" charset="0"/>
-              </a:rPr>
-              <a:t> </a:t>
-            </a:r>
-            <a:r>
-              <a:rPr dirty="0">
-                <a:latin typeface="Liberation Sans" panose="020B0604020202020204" pitchFamily="34" charset="0"/>
-                <a:ea typeface="Liberation Sans" panose="020B0604020202020204" pitchFamily="34" charset="0"/>
-                <a:cs typeface="Liberation Sans" panose="020B0604020202020204" pitchFamily="34" charset="0"/>
-              </a:rPr>
-              <a:t>sharing</a:t>
-            </a:r>
-          </a:p>
-        </p:txBody>
-      </p:sp>
-      <p:sp>
-        <p:nvSpPr>
-          <p:cNvPr id="143" name="Share your screen."/>
+              <a:t>Multi-user whiteboard</a:t>
+            </a:r>
+          </a:p>
+        </p:txBody>
+      </p:sp>
+      <p:sp>
+        <p:nvSpPr>
+          <p:cNvPr id="145" name="Draw together."/>
           <p:cNvSpPr txBox="1"/>
           <p:nvPr/>
         </p:nvSpPr>
         <p:spPr>
           <a:xfrm>
-            <a:off x="13851655" y="9378999"/>
-            <a:ext cx="3320207" cy="1270001"/>
+            <a:off x="18489144" y="9213898"/>
+            <a:ext cx="3320209" cy="321061"/>
           </a:xfrm>
           <a:prstGeom prst="rect">
             <a:avLst/>
@@ -4396,50 +4193,47 @@
           </a:ln>
           <a:extLst>
             <a:ext uri="{C572A759-6A51-4108-AA02-DFA0A04FC94B}">
-              <ma14:wrappingTextBoxFlag xmlns="" xmlns:ma14="http://schemas.microsoft.com/office/mac/drawingml/2011/main" val="1"/>
+              <ma14:wrappingTextBoxFlag xmlns:ma14="http://schemas.microsoft.com/office/mac/drawingml/2011/main" xmlns:a14="http://schemas.microsoft.com/office/drawing/2010/main" xmlns:m="http://schemas.openxmlformats.org/officeDocument/2006/math" xmlns="" val="1"/>
             </a:ext>
           </a:extLst>
         </p:spPr>
         <p:txBody>
-          <a:bodyPr lIns="0" tIns="0" rIns="0" bIns="0"/>
+          <a:bodyPr lIns="0" tIns="0" rIns="0" bIns="0">
+            <a:spAutoFit/>
+          </a:bodyPr>
           <a:lstStyle>
             <a:lvl1pPr algn="l">
               <a:lnSpc>
                 <a:spcPct val="120000"/>
               </a:lnSpc>
-              <a:defRPr sz="2200" b="0" spc="66">
+              <a:defRPr sz="2200" spc="66">
                 <a:solidFill>
                   <a:srgbClr val="504E4E"/>
                 </a:solidFill>
-                <a:latin typeface="Helvetica"/>
-                <a:ea typeface="Helvetica"/>
-                <a:cs typeface="Helvetica"/>
-                <a:sym typeface="Helvetica"/>
+                <a:latin typeface="LiberationSans"/>
+                <a:ea typeface="LiberationSans"/>
+                <a:cs typeface="LiberationSans"/>
+                <a:sym typeface="LiberationSans"/>
               </a:defRPr>
             </a:lvl1pPr>
           </a:lstStyle>
           <a:p>
             <a:r>
-              <a:rPr>
-                <a:latin typeface="Liberation Sans" panose="020B0604020202020204" pitchFamily="34" charset="0"/>
-                <a:ea typeface="Liberation Sans" panose="020B0604020202020204" pitchFamily="34" charset="0"/>
-                <a:cs typeface="Liberation Sans" panose="020B0604020202020204" pitchFamily="34" charset="0"/>
-              </a:rPr>
-              <a:t>Share your screen.</a:t>
-            </a:r>
-          </a:p>
-        </p:txBody>
-      </p:sp>
-      <p:sp>
-        <p:nvSpPr>
-          <p:cNvPr id="144" name="Circle"/>
+              <a:t>Draw together.</a:t>
+            </a:r>
+          </a:p>
+        </p:txBody>
+      </p:sp>
+      <p:sp>
+        <p:nvSpPr>
+          <p:cNvPr id="146" name="Circle"/>
           <p:cNvSpPr/>
           <p:nvPr/>
         </p:nvSpPr>
         <p:spPr>
           <a:xfrm>
-            <a:off x="12507510" y="8935830"/>
-            <a:ext cx="1016001" cy="1016001"/>
+            <a:off x="17145000" y="8745329"/>
+            <a:ext cx="1016003" cy="1016003"/>
           </a:xfrm>
           <a:prstGeom prst="ellipse">
             <a:avLst/>
@@ -4452,38 +4246,34 @@
           </a:ln>
         </p:spPr>
         <p:txBody>
-          <a:bodyPr lIns="38100" tIns="38100" rIns="38100" bIns="38100" anchor="ctr"/>
+          <a:bodyPr lIns="0" tIns="0" rIns="0" bIns="0" anchor="ctr"/>
           <a:lstStyle/>
           <a:p>
             <a:pPr algn="l">
-              <a:defRPr spc="-90">
+              <a:defRPr b="1" spc="-90">
                 <a:solidFill>
                   <a:srgbClr val="0E70D7"/>
                 </a:solidFill>
-                <a:latin typeface="Helvetica"/>
-                <a:ea typeface="Helvetica"/>
-                <a:cs typeface="Helvetica"/>
-                <a:sym typeface="Helvetica"/>
+                <a:latin typeface="Liberation Sans"/>
+                <a:ea typeface="Liberation Sans"/>
+                <a:cs typeface="Liberation Sans"/>
+                <a:sym typeface="Liberation Sans"/>
               </a:defRPr>
             </a:pPr>
-            <a:endParaRPr>
-              <a:latin typeface="Liberation Sans" panose="020B0604020202020204" pitchFamily="34" charset="0"/>
-              <a:ea typeface="Liberation Sans" panose="020B0604020202020204" pitchFamily="34" charset="0"/>
-              <a:cs typeface="Liberation Sans" panose="020B0604020202020204" pitchFamily="34" charset="0"/>
-            </a:endParaRPr>
-          </a:p>
-        </p:txBody>
-      </p:sp>
-      <p:sp>
-        <p:nvSpPr>
-          <p:cNvPr id="145" name="Multi-user whiteboard"/>
+            <a:endParaRPr/>
+          </a:p>
+        </p:txBody>
+      </p:sp>
+      <p:sp>
+        <p:nvSpPr>
+          <p:cNvPr id="147" name="For more information visit bigbluebutton.org →"/>
           <p:cNvSpPr txBox="1"/>
           <p:nvPr/>
         </p:nvSpPr>
         <p:spPr>
           <a:xfrm>
-            <a:off x="18844150" y="8909099"/>
-            <a:ext cx="3667461" cy="304801"/>
+            <a:off x="6922948" y="12176923"/>
+            <a:ext cx="10538103" cy="615553"/>
           </a:xfrm>
           <a:prstGeom prst="rect">
             <a:avLst/>
@@ -4493,443 +4283,79 @@
           </a:ln>
           <a:extLst>
             <a:ext uri="{C572A759-6A51-4108-AA02-DFA0A04FC94B}">
-              <ma14:wrappingTextBoxFlag xmlns="" xmlns:ma14="http://schemas.microsoft.com/office/mac/drawingml/2011/main" val="1"/>
+              <ma14:wrappingTextBoxFlag xmlns:ma14="http://schemas.microsoft.com/office/mac/drawingml/2011/main" xmlns:a14="http://schemas.microsoft.com/office/drawing/2010/main" xmlns:m="http://schemas.openxmlformats.org/officeDocument/2006/math" xmlns="" val="1"/>
             </a:ext>
           </a:extLst>
         </p:spPr>
         <p:txBody>
-          <a:bodyPr lIns="0" tIns="0" rIns="0" bIns="0">
-            <a:spAutoFit/>
-          </a:bodyPr>
-          <a:lstStyle>
-            <a:lvl1pPr algn="l">
-              <a:defRPr sz="2000" cap="all" spc="100">
-                <a:solidFill>
-                  <a:srgbClr val="24262C"/>
-                </a:solidFill>
-                <a:latin typeface="Helvetica"/>
-                <a:ea typeface="Helvetica"/>
-                <a:cs typeface="Helvetica"/>
-                <a:sym typeface="Helvetica"/>
-              </a:defRPr>
-            </a:lvl1pPr>
-          </a:lstStyle>
-          <a:p>
-            <a:r>
-              <a:rPr>
-                <a:latin typeface="Liberation Sans" panose="020B0604020202020204" pitchFamily="34" charset="0"/>
-                <a:ea typeface="Liberation Sans" panose="020B0604020202020204" pitchFamily="34" charset="0"/>
-                <a:cs typeface="Liberation Sans" panose="020B0604020202020204" pitchFamily="34" charset="0"/>
-              </a:rPr>
-              <a:t>Multi-user whiteboard</a:t>
-            </a:r>
-          </a:p>
-        </p:txBody>
-      </p:sp>
-      <p:sp>
-        <p:nvSpPr>
-          <p:cNvPr id="146" name="Draw together."/>
-          <p:cNvSpPr txBox="1"/>
-          <p:nvPr/>
-        </p:nvSpPr>
-        <p:spPr>
-          <a:xfrm>
-            <a:off x="18844150" y="9378999"/>
-            <a:ext cx="3320208" cy="1270001"/>
-          </a:xfrm>
-          <a:prstGeom prst="rect">
-            <a:avLst/>
-          </a:prstGeom>
-          <a:ln w="12700">
-            <a:miter lim="400000"/>
-          </a:ln>
-          <a:extLst>
-            <a:ext uri="{C572A759-6A51-4108-AA02-DFA0A04FC94B}">
-              <ma14:wrappingTextBoxFlag xmlns="" xmlns:ma14="http://schemas.microsoft.com/office/mac/drawingml/2011/main" val="1"/>
-            </a:ext>
-          </a:extLst>
-        </p:spPr>
-        <p:txBody>
-          <a:bodyPr lIns="0" tIns="0" rIns="0" bIns="0"/>
-          <a:lstStyle>
-            <a:lvl1pPr algn="l">
-              <a:lnSpc>
-                <a:spcPct val="120000"/>
-              </a:lnSpc>
-              <a:defRPr sz="2200" b="0" spc="66">
-                <a:solidFill>
-                  <a:srgbClr val="504E4E"/>
-                </a:solidFill>
-                <a:latin typeface="Helvetica"/>
-                <a:ea typeface="Helvetica"/>
-                <a:cs typeface="Helvetica"/>
-                <a:sym typeface="Helvetica"/>
-              </a:defRPr>
-            </a:lvl1pPr>
-          </a:lstStyle>
-          <a:p>
-            <a:r>
-              <a:rPr>
-                <a:latin typeface="Liberation Sans" panose="020B0604020202020204" pitchFamily="34" charset="0"/>
-                <a:ea typeface="Liberation Sans" panose="020B0604020202020204" pitchFamily="34" charset="0"/>
-                <a:cs typeface="Liberation Sans" panose="020B0604020202020204" pitchFamily="34" charset="0"/>
-              </a:rPr>
-              <a:t>Draw together.</a:t>
-            </a:r>
-          </a:p>
-        </p:txBody>
-      </p:sp>
-      <p:sp>
-        <p:nvSpPr>
-          <p:cNvPr id="147" name="Circle"/>
-          <p:cNvSpPr/>
-          <p:nvPr/>
-        </p:nvSpPr>
-        <p:spPr>
-          <a:xfrm>
-            <a:off x="17500006" y="8935830"/>
-            <a:ext cx="1016001" cy="1016001"/>
-          </a:xfrm>
-          <a:prstGeom prst="ellipse">
-            <a:avLst/>
-          </a:prstGeom>
-          <a:solidFill>
-            <a:srgbClr val="0E70D7"/>
-          </a:solidFill>
-          <a:ln w="12700">
-            <a:miter lim="400000"/>
-          </a:ln>
-        </p:spPr>
-        <p:txBody>
-          <a:bodyPr lIns="38100" tIns="38100" rIns="38100" bIns="38100" anchor="ctr"/>
-          <a:lstStyle/>
-          <a:p>
-            <a:pPr algn="l">
-              <a:defRPr spc="-90">
-                <a:solidFill>
-                  <a:srgbClr val="0E70D7"/>
-                </a:solidFill>
-                <a:latin typeface="Helvetica"/>
-                <a:ea typeface="Helvetica"/>
-                <a:cs typeface="Helvetica"/>
-                <a:sym typeface="Helvetica"/>
-              </a:defRPr>
-            </a:pPr>
-            <a:endParaRPr>
-              <a:latin typeface="Liberation Sans" panose="020B0604020202020204" pitchFamily="34" charset="0"/>
-              <a:ea typeface="Liberation Sans" panose="020B0604020202020204" pitchFamily="34" charset="0"/>
-              <a:cs typeface="Liberation Sans" panose="020B0604020202020204" pitchFamily="34" charset="0"/>
-            </a:endParaRPr>
-          </a:p>
-        </p:txBody>
-      </p:sp>
-      <p:sp>
-        <p:nvSpPr>
-          <p:cNvPr id="148" name="For more information visit bigbluebutton.org →"/>
-          <p:cNvSpPr txBox="1"/>
-          <p:nvPr/>
-        </p:nvSpPr>
-        <p:spPr>
-          <a:xfrm>
-            <a:off x="6746255" y="11747599"/>
-            <a:ext cx="10561291" cy="711201"/>
-          </a:xfrm>
-          <a:prstGeom prst="rect">
-            <a:avLst/>
-          </a:prstGeom>
-          <a:ln w="12700">
-            <a:miter lim="400000"/>
-          </a:ln>
-          <a:extLst>
-            <a:ext uri="{C572A759-6A51-4108-AA02-DFA0A04FC94B}">
-              <ma14:wrappingTextBoxFlag xmlns="" xmlns:ma14="http://schemas.microsoft.com/office/mac/drawingml/2011/main" val="1"/>
-            </a:ext>
-          </a:extLst>
-        </p:spPr>
-        <p:txBody>
-          <a:bodyPr wrap="none" lIns="50800" tIns="50800" rIns="50800" bIns="50800" anchor="ctr">
+          <a:bodyPr wrap="square" lIns="0" tIns="0" rIns="0" bIns="0" anchor="ctr">
             <a:spAutoFit/>
           </a:bodyPr>
           <a:lstStyle/>
           <a:p>
             <a:pPr>
-              <a:defRPr sz="4000" b="0">
+              <a:defRPr sz="4000">
                 <a:solidFill>
-                  <a:srgbClr val="4E5A66"/>
+                  <a:srgbClr val="5E5E5E"/>
                 </a:solidFill>
-                <a:latin typeface="Helvetica"/>
-                <a:ea typeface="Helvetica"/>
-                <a:cs typeface="Helvetica"/>
-                <a:sym typeface="Helvetica"/>
+                <a:latin typeface="LiberationSans"/>
+                <a:ea typeface="LiberationSans"/>
+                <a:cs typeface="LiberationSans"/>
+                <a:sym typeface="LiberationSans"/>
               </a:defRPr>
             </a:pPr>
             <a:r>
+              <a:rPr dirty="0"/>
+              <a:t>For more information visit </a:t>
+            </a:r>
+            <a:r>
               <a:rPr dirty="0">
-                <a:latin typeface="Liberation Sans" panose="020B0604020202020204" pitchFamily="34" charset="0"/>
-                <a:ea typeface="Liberation Sans" panose="020B0604020202020204" pitchFamily="34" charset="0"/>
-                <a:cs typeface="Liberation Sans" panose="020B0604020202020204" pitchFamily="34" charset="0"/>
+                <a:solidFill>
+                  <a:srgbClr val="5E5E5E"/>
+                </a:solidFill>
+                <a:uFill>
+                  <a:solidFill>
+                    <a:srgbClr val="0000FF"/>
+                  </a:solidFill>
+                </a:uFill>
+                <a:hlinkClick r:id="rId3">
+                  <a:extLst>
+                    <a:ext uri="{A12FA001-AC4F-418D-AE19-62706E023703}">
+                      <ahyp:hlinkClr xmlns:ahyp="http://schemas.microsoft.com/office/drawing/2018/hyperlinkcolor" val="tx"/>
+                    </a:ext>
+                  </a:extLst>
+                </a:hlinkClick>
               </a:rPr>
-              <a:t>For more information visit </a:t>
-            </a:r>
-            <a:r>
-              <a:rPr u="sng" dirty="0">
-                <a:solidFill>
-                  <a:srgbClr val="0E70D7"/>
-                </a:solidFill>
-                <a:latin typeface="Liberation Sans" panose="020B0604020202020204" pitchFamily="34" charset="0"/>
-                <a:ea typeface="Liberation Sans" panose="020B0604020202020204" pitchFamily="34" charset="0"/>
-                <a:cs typeface="Liberation Sans" panose="020B0604020202020204" pitchFamily="34" charset="0"/>
-                <a:hlinkClick r:id="rId2"/>
-              </a:rPr>
-              <a:t>bigbluebutton.org →</a:t>
-            </a:r>
-            <a:endParaRPr u="sng" dirty="0">
-              <a:solidFill>
-                <a:srgbClr val="0E70D7"/>
-              </a:solidFill>
-              <a:latin typeface="Liberation Sans" panose="020B0604020202020204" pitchFamily="34" charset="0"/>
-              <a:ea typeface="Liberation Sans" panose="020B0604020202020204" pitchFamily="34" charset="0"/>
-              <a:cs typeface="Liberation Sans" panose="020B0604020202020204" pitchFamily="34" charset="0"/>
-              <a:hlinkClick r:id="rId3"/>
-            </a:endParaRPr>
+              <a:t>bigbluebutton.org ➔</a:t>
+            </a:r>
           </a:p>
         </p:txBody>
       </p:sp>
       <p:pic>
         <p:nvPicPr>
-          <p:cNvPr id="149" name="Image" descr="Image"/>
+          <p:cNvPr id="148" name="bbb_logo (1).svg.pdf" descr="bbb_logo (1).svg.pdf"/>
           <p:cNvPicPr>
             <a:picLocks noChangeAspect="1"/>
           </p:cNvPicPr>
           <p:nvPr/>
         </p:nvPicPr>
         <p:blipFill>
-          <a:blip r:embed="rId4"/>
+          <a:blip r:embed="rId4" cstate="screen">
+            <a:extLst>
+              <a:ext uri="{28A0092B-C50C-407E-A947-70E740481C1C}">
+                <a14:useLocalDpi xmlns:a14="http://schemas.microsoft.com/office/drawing/2010/main"/>
+              </a:ext>
+            </a:extLst>
+          </a:blip>
+          <a:srcRect/>
           <a:stretch>
             <a:fillRect/>
           </a:stretch>
         </p:blipFill>
         <p:spPr>
           <a:xfrm>
-            <a:off x="2484202" y="6853030"/>
-            <a:ext cx="457637" cy="457201"/>
-          </a:xfrm>
-          <a:prstGeom prst="rect">
-            <a:avLst/>
-          </a:prstGeom>
-          <a:ln w="12700">
-            <a:miter lim="400000"/>
-          </a:ln>
-        </p:spPr>
-      </p:pic>
-      <p:pic>
-        <p:nvPicPr>
-          <p:cNvPr id="150" name="Image" descr="Image"/>
-          <p:cNvPicPr>
-            <a:picLocks noChangeAspect="1"/>
-          </p:cNvPicPr>
-          <p:nvPr/>
-        </p:nvPicPr>
-        <p:blipFill>
-          <a:blip r:embed="rId5"/>
-          <a:stretch>
-            <a:fillRect/>
-          </a:stretch>
-        </p:blipFill>
-        <p:spPr>
-          <a:xfrm>
-            <a:off x="7477482" y="6934299"/>
-            <a:ext cx="494386" cy="294663"/>
-          </a:xfrm>
-          <a:prstGeom prst="rect">
-            <a:avLst/>
-          </a:prstGeom>
-          <a:ln w="12700">
-            <a:miter lim="400000"/>
-          </a:ln>
-        </p:spPr>
-      </p:pic>
-      <p:pic>
-        <p:nvPicPr>
-          <p:cNvPr id="151" name="Image" descr="Image"/>
-          <p:cNvPicPr>
-            <a:picLocks noChangeAspect="1"/>
-          </p:cNvPicPr>
-          <p:nvPr/>
-        </p:nvPicPr>
-        <p:blipFill>
-          <a:blip r:embed="rId6"/>
-          <a:stretch>
-            <a:fillRect/>
-          </a:stretch>
-        </p:blipFill>
-        <p:spPr>
-          <a:xfrm>
-            <a:off x="12849850" y="6853030"/>
-            <a:ext cx="331321" cy="457201"/>
-          </a:xfrm>
-          <a:prstGeom prst="rect">
-            <a:avLst/>
-          </a:prstGeom>
-          <a:ln w="12700">
-            <a:miter lim="400000"/>
-          </a:ln>
-        </p:spPr>
-      </p:pic>
-      <p:pic>
-        <p:nvPicPr>
-          <p:cNvPr id="152" name="Image" descr="Image"/>
-          <p:cNvPicPr>
-            <a:picLocks noChangeAspect="1"/>
-          </p:cNvPicPr>
-          <p:nvPr/>
-        </p:nvPicPr>
-        <p:blipFill>
-          <a:blip r:embed="rId7"/>
-          <a:stretch>
-            <a:fillRect/>
-          </a:stretch>
-        </p:blipFill>
-        <p:spPr>
-          <a:xfrm>
-            <a:off x="17792106" y="6856288"/>
-            <a:ext cx="381001" cy="450686"/>
-          </a:xfrm>
-          <a:prstGeom prst="rect">
-            <a:avLst/>
-          </a:prstGeom>
-          <a:ln w="12700">
-            <a:miter lim="400000"/>
-          </a:ln>
-        </p:spPr>
-      </p:pic>
-      <p:pic>
-        <p:nvPicPr>
-          <p:cNvPr id="153" name="Image" descr="Image"/>
-          <p:cNvPicPr>
-            <a:picLocks noChangeAspect="1"/>
-          </p:cNvPicPr>
-          <p:nvPr/>
-        </p:nvPicPr>
-        <p:blipFill>
-          <a:blip r:embed="rId8"/>
-          <a:stretch>
-            <a:fillRect/>
-          </a:stretch>
-        </p:blipFill>
-        <p:spPr>
-          <a:xfrm>
-            <a:off x="17771350" y="9231950"/>
-            <a:ext cx="494386" cy="423761"/>
-          </a:xfrm>
-          <a:prstGeom prst="rect">
-            <a:avLst/>
-          </a:prstGeom>
-          <a:ln w="12700">
-            <a:miter lim="400000"/>
-          </a:ln>
-        </p:spPr>
-      </p:pic>
-      <p:pic>
-        <p:nvPicPr>
-          <p:cNvPr id="154" name="Image" descr="Image"/>
-          <p:cNvPicPr>
-            <a:picLocks noChangeAspect="1"/>
-          </p:cNvPicPr>
-          <p:nvPr/>
-        </p:nvPicPr>
-        <p:blipFill>
-          <a:blip r:embed="rId9"/>
-          <a:stretch>
-            <a:fillRect/>
-          </a:stretch>
-        </p:blipFill>
-        <p:spPr>
-          <a:xfrm>
-            <a:off x="7495857" y="9300978"/>
-            <a:ext cx="457636" cy="285705"/>
-          </a:xfrm>
-          <a:prstGeom prst="rect">
-            <a:avLst/>
-          </a:prstGeom>
-          <a:ln w="12700">
-            <a:miter lim="400000"/>
-          </a:ln>
-        </p:spPr>
-      </p:pic>
-      <p:pic>
-        <p:nvPicPr>
-          <p:cNvPr id="155" name="Image" descr="Image"/>
-          <p:cNvPicPr>
-            <a:picLocks noChangeAspect="1"/>
-          </p:cNvPicPr>
-          <p:nvPr/>
-        </p:nvPicPr>
-        <p:blipFill>
-          <a:blip r:embed="rId10"/>
-          <a:stretch>
-            <a:fillRect/>
-          </a:stretch>
-        </p:blipFill>
-        <p:spPr>
-          <a:xfrm>
-            <a:off x="12778855" y="9231951"/>
-            <a:ext cx="473312" cy="423760"/>
-          </a:xfrm>
-          <a:prstGeom prst="rect">
-            <a:avLst/>
-          </a:prstGeom>
-          <a:ln w="12700">
-            <a:miter lim="400000"/>
-          </a:ln>
-        </p:spPr>
-      </p:pic>
-      <p:pic>
-        <p:nvPicPr>
-          <p:cNvPr id="156" name="Image" descr="Image"/>
-          <p:cNvPicPr>
-            <a:picLocks noChangeAspect="1"/>
-          </p:cNvPicPr>
-          <p:nvPr/>
-        </p:nvPicPr>
-        <p:blipFill>
-          <a:blip r:embed="rId11"/>
-          <a:stretch>
-            <a:fillRect/>
-          </a:stretch>
-        </p:blipFill>
-        <p:spPr>
-          <a:xfrm>
-            <a:off x="2465828" y="9197640"/>
-            <a:ext cx="494385" cy="492381"/>
-          </a:xfrm>
-          <a:prstGeom prst="rect">
-            <a:avLst/>
-          </a:prstGeom>
-          <a:ln w="12700">
-            <a:miter lim="400000"/>
-          </a:ln>
-        </p:spPr>
-      </p:pic>
-      <p:pic>
-        <p:nvPicPr>
-          <p:cNvPr id="157" name="Image" descr="Image"/>
-          <p:cNvPicPr>
-            <a:picLocks noChangeAspect="1"/>
-          </p:cNvPicPr>
-          <p:nvPr/>
-        </p:nvPicPr>
-        <p:blipFill>
-          <a:blip r:embed="rId12"/>
-          <a:srcRect l="15" r="9" b="25"/>
-          <a:stretch>
-            <a:fillRect/>
-          </a:stretch>
-        </p:blipFill>
-        <p:spPr>
-          <a:xfrm>
-            <a:off x="11506993" y="569066"/>
-            <a:ext cx="1596233" cy="1596233"/>
+            <a:off x="11399298" y="576031"/>
+            <a:ext cx="1585404" cy="1581565"/>
           </a:xfrm>
           <a:custGeom>
             <a:avLst/>
@@ -4951,309 +4377,85 @@
             </a:cxnLst>
             <a:rect l="0" t="0" r="r" b="b"/>
             <a:pathLst>
-              <a:path w="21600" h="21600" extrusionOk="0">
+              <a:path w="21216" h="21558" extrusionOk="0">
                 <a:moveTo>
-                  <a:pt x="6165" y="0"/>
+                  <a:pt x="10197" y="2"/>
                 </a:moveTo>
-                <a:lnTo>
-                  <a:pt x="6122" y="462"/>
-                </a:lnTo>
                 <a:cubicBezTo>
-                  <a:pt x="6083" y="867"/>
-                  <a:pt x="6024" y="931"/>
-                  <a:pt x="5650" y="951"/>
+                  <a:pt x="9958" y="7"/>
+                  <a:pt x="9743" y="18"/>
+                  <a:pt x="9570" y="35"/>
                 </a:cubicBezTo>
                 <a:cubicBezTo>
-                  <a:pt x="5414" y="963"/>
-                  <a:pt x="5151" y="981"/>
-                  <a:pt x="5070" y="988"/>
+                  <a:pt x="7158" y="266"/>
+                  <a:pt x="4856" y="1363"/>
+                  <a:pt x="3138" y="3102"/>
                 </a:cubicBezTo>
                 <a:cubicBezTo>
-                  <a:pt x="4989" y="995"/>
-                  <a:pt x="4711" y="1198"/>
-                  <a:pt x="4452" y="1434"/>
+                  <a:pt x="2136" y="4117"/>
+                  <a:pt x="1453" y="5139"/>
+                  <a:pt x="833" y="6543"/>
                 </a:cubicBezTo>
                 <a:cubicBezTo>
-                  <a:pt x="4194" y="1670"/>
-                  <a:pt x="3903" y="1858"/>
-                  <a:pt x="3802" y="1858"/>
+                  <a:pt x="665" y="6924"/>
+                  <a:pt x="320" y="8034"/>
+                  <a:pt x="223" y="8517"/>
                 </a:cubicBezTo>
                 <a:cubicBezTo>
-                  <a:pt x="3702" y="1858"/>
-                  <a:pt x="3548" y="2021"/>
-                  <a:pt x="3459" y="2218"/>
+                  <a:pt x="-74" y="9987"/>
+                  <a:pt x="-74" y="11582"/>
+                  <a:pt x="223" y="13051"/>
                 </a:cubicBezTo>
                 <a:cubicBezTo>
-                  <a:pt x="3366" y="2422"/>
-                  <a:pt x="3172" y="2578"/>
-                  <a:pt x="3013" y="2578"/>
+                  <a:pt x="320" y="13534"/>
+                  <a:pt x="665" y="14644"/>
+                  <a:pt x="833" y="15025"/>
                 </a:cubicBezTo>
                 <a:cubicBezTo>
-                  <a:pt x="2814" y="2578"/>
-                  <a:pt x="2723" y="2690"/>
-                  <a:pt x="2691" y="2970"/>
+                  <a:pt x="1259" y="15990"/>
+                  <a:pt x="1758" y="16843"/>
+                  <a:pt x="2336" y="17579"/>
                 </a:cubicBezTo>
                 <a:cubicBezTo>
-                  <a:pt x="2659" y="3243"/>
-                  <a:pt x="2551" y="3375"/>
-                  <a:pt x="2342" y="3405"/>
+                  <a:pt x="3015" y="18443"/>
+                  <a:pt x="4132" y="19435"/>
+                  <a:pt x="5072" y="20013"/>
                 </a:cubicBezTo>
                 <a:cubicBezTo>
-                  <a:pt x="2175" y="3429"/>
-                  <a:pt x="1964" y="3611"/>
-                  <a:pt x="1874" y="3808"/>
+                  <a:pt x="6371" y="20812"/>
+                  <a:pt x="7953" y="21360"/>
+                  <a:pt x="9443" y="21528"/>
                 </a:cubicBezTo>
                 <a:cubicBezTo>
-                  <a:pt x="1777" y="4021"/>
-                  <a:pt x="1645" y="4126"/>
-                  <a:pt x="1547" y="4065"/>
+                  <a:pt x="9983" y="21589"/>
+                  <a:pt x="11769" y="21552"/>
+                  <a:pt x="12247" y="21469"/>
                 </a:cubicBezTo>
                 <a:cubicBezTo>
-                  <a:pt x="1442" y="4001"/>
-                  <a:pt x="1424" y="4024"/>
-                  <a:pt x="1493" y="4135"/>
+                  <a:pt x="12852" y="21363"/>
+                  <a:pt x="13477" y="21204"/>
+                  <a:pt x="14016" y="21020"/>
                 </a:cubicBezTo>
                 <a:cubicBezTo>
-                  <a:pt x="1562" y="4247"/>
-                  <a:pt x="1491" y="4338"/>
-                  <a:pt x="1300" y="4388"/>
+                  <a:pt x="17443" y="19848"/>
+                  <a:pt x="20093" y="16895"/>
+                  <a:pt x="20925" y="13316"/>
                 </a:cubicBezTo>
                 <a:cubicBezTo>
-                  <a:pt x="1062" y="4450"/>
-                  <a:pt x="999" y="4580"/>
-                  <a:pt x="999" y="5000"/>
+                  <a:pt x="21526" y="10732"/>
+                  <a:pt x="21191" y="8058"/>
+                  <a:pt x="19980" y="5721"/>
                 </a:cubicBezTo>
                 <a:cubicBezTo>
-                  <a:pt x="999" y="5292"/>
-                  <a:pt x="951" y="5580"/>
-                  <a:pt x="891" y="5639"/>
+                  <a:pt x="18421" y="2713"/>
+                  <a:pt x="15634" y="689"/>
+                  <a:pt x="12247" y="105"/>
                 </a:cubicBezTo>
                 <a:cubicBezTo>
-                  <a:pt x="832" y="5698"/>
-                  <a:pt x="784" y="5821"/>
-                  <a:pt x="784" y="5913"/>
+                  <a:pt x="11819" y="31"/>
+                  <a:pt x="10914" y="-11"/>
+                  <a:pt x="10197" y="2"/>
                 </a:cubicBezTo>
-                <a:cubicBezTo>
-                  <a:pt x="784" y="6005"/>
-                  <a:pt x="608" y="6103"/>
-                  <a:pt x="392" y="6128"/>
-                </a:cubicBezTo>
-                <a:lnTo>
-                  <a:pt x="0" y="6171"/>
-                </a:lnTo>
-                <a:lnTo>
-                  <a:pt x="0" y="7691"/>
-                </a:lnTo>
-                <a:lnTo>
-                  <a:pt x="5" y="15381"/>
-                </a:lnTo>
-                <a:lnTo>
-                  <a:pt x="462" y="15596"/>
-                </a:lnTo>
-                <a:cubicBezTo>
-                  <a:pt x="766" y="15737"/>
-                  <a:pt x="945" y="15932"/>
-                  <a:pt x="977" y="16165"/>
-                </a:cubicBezTo>
-                <a:cubicBezTo>
-                  <a:pt x="1005" y="16360"/>
-                  <a:pt x="1181" y="16703"/>
-                  <a:pt x="1369" y="16928"/>
-                </a:cubicBezTo>
-                <a:cubicBezTo>
-                  <a:pt x="1567" y="17162"/>
-                  <a:pt x="1713" y="17522"/>
-                  <a:pt x="1713" y="17771"/>
-                </a:cubicBezTo>
-                <a:cubicBezTo>
-                  <a:pt x="1713" y="18157"/>
-                  <a:pt x="1753" y="18191"/>
-                  <a:pt x="2057" y="18115"/>
-                </a:cubicBezTo>
-                <a:cubicBezTo>
-                  <a:pt x="2489" y="18006"/>
-                  <a:pt x="2834" y="18356"/>
-                  <a:pt x="2589" y="18652"/>
-                </a:cubicBezTo>
-                <a:cubicBezTo>
-                  <a:pt x="2378" y="18905"/>
-                  <a:pt x="2718" y="19219"/>
-                  <a:pt x="3061" y="19087"/>
-                </a:cubicBezTo>
-                <a:cubicBezTo>
-                  <a:pt x="3237" y="19019"/>
-                  <a:pt x="3342" y="19112"/>
-                  <a:pt x="3464" y="19436"/>
-                </a:cubicBezTo>
-                <a:cubicBezTo>
-                  <a:pt x="3581" y="19745"/>
-                  <a:pt x="3739" y="19889"/>
-                  <a:pt x="3996" y="19919"/>
-                </a:cubicBezTo>
-                <a:cubicBezTo>
-                  <a:pt x="4242" y="19948"/>
-                  <a:pt x="4374" y="20061"/>
-                  <a:pt x="4404" y="20268"/>
-                </a:cubicBezTo>
-                <a:cubicBezTo>
-                  <a:pt x="4439" y="20514"/>
-                  <a:pt x="4579" y="20596"/>
-                  <a:pt x="5118" y="20676"/>
-                </a:cubicBezTo>
-                <a:cubicBezTo>
-                  <a:pt x="5888" y="20791"/>
-                  <a:pt x="6149" y="20956"/>
-                  <a:pt x="6149" y="21337"/>
-                </a:cubicBezTo>
-                <a:cubicBezTo>
-                  <a:pt x="6149" y="21551"/>
-                  <a:pt x="6577" y="21591"/>
-                  <a:pt x="10843" y="21600"/>
-                </a:cubicBezTo>
-                <a:cubicBezTo>
-                  <a:pt x="15184" y="21592"/>
-                  <a:pt x="15470" y="21552"/>
-                  <a:pt x="15408" y="21315"/>
-                </a:cubicBezTo>
-                <a:cubicBezTo>
-                  <a:pt x="15334" y="21034"/>
-                  <a:pt x="15780" y="20639"/>
-                  <a:pt x="16074" y="20725"/>
-                </a:cubicBezTo>
-                <a:cubicBezTo>
-                  <a:pt x="16142" y="20744"/>
-                  <a:pt x="16343" y="20663"/>
-                  <a:pt x="16520" y="20547"/>
-                </a:cubicBezTo>
-                <a:cubicBezTo>
-                  <a:pt x="16696" y="20432"/>
-                  <a:pt x="17081" y="20292"/>
-                  <a:pt x="17379" y="20236"/>
-                </a:cubicBezTo>
-                <a:cubicBezTo>
-                  <a:pt x="17912" y="20136"/>
-                  <a:pt x="18453" y="19745"/>
-                  <a:pt x="18453" y="19457"/>
-                </a:cubicBezTo>
-                <a:cubicBezTo>
-                  <a:pt x="18453" y="19376"/>
-                  <a:pt x="18554" y="19269"/>
-                  <a:pt x="18678" y="19221"/>
-                </a:cubicBezTo>
-                <a:cubicBezTo>
-                  <a:pt x="18803" y="19173"/>
-                  <a:pt x="18962" y="18983"/>
-                  <a:pt x="19033" y="18797"/>
-                </a:cubicBezTo>
-                <a:cubicBezTo>
-                  <a:pt x="19104" y="18609"/>
-                  <a:pt x="19283" y="18458"/>
-                  <a:pt x="19430" y="18458"/>
-                </a:cubicBezTo>
-                <a:cubicBezTo>
-                  <a:pt x="19775" y="18458"/>
-                  <a:pt x="20089" y="17862"/>
-                  <a:pt x="19978" y="17422"/>
-                </a:cubicBezTo>
-                <a:cubicBezTo>
-                  <a:pt x="19910" y="17151"/>
-                  <a:pt x="19982" y="17008"/>
-                  <a:pt x="20316" y="16761"/>
-                </a:cubicBezTo>
-                <a:cubicBezTo>
-                  <a:pt x="20663" y="16505"/>
-                  <a:pt x="20741" y="16341"/>
-                  <a:pt x="20741" y="15886"/>
-                </a:cubicBezTo>
-                <a:cubicBezTo>
-                  <a:pt x="20741" y="15329"/>
-                  <a:pt x="20929" y="15028"/>
-                  <a:pt x="21101" y="15306"/>
-                </a:cubicBezTo>
-                <a:cubicBezTo>
-                  <a:pt x="21150" y="15386"/>
-                  <a:pt x="21283" y="15451"/>
-                  <a:pt x="21396" y="15451"/>
-                </a:cubicBezTo>
-                <a:cubicBezTo>
-                  <a:pt x="21573" y="15451"/>
-                  <a:pt x="21600" y="14360"/>
-                  <a:pt x="21600" y="7728"/>
-                </a:cubicBezTo>
-                <a:lnTo>
-                  <a:pt x="21600" y="6155"/>
-                </a:lnTo>
-                <a:lnTo>
-                  <a:pt x="21240" y="6155"/>
-                </a:lnTo>
-                <a:cubicBezTo>
-                  <a:pt x="20839" y="6155"/>
-                  <a:pt x="20807" y="6088"/>
-                  <a:pt x="20676" y="5113"/>
-                </a:cubicBezTo>
-                <a:cubicBezTo>
-                  <a:pt x="20607" y="4597"/>
-                  <a:pt x="20521" y="4436"/>
-                  <a:pt x="20333" y="4436"/>
-                </a:cubicBezTo>
-                <a:cubicBezTo>
-                  <a:pt x="20011" y="4436"/>
-                  <a:pt x="19742" y="4161"/>
-                  <a:pt x="19742" y="3835"/>
-                </a:cubicBezTo>
-                <a:cubicBezTo>
-                  <a:pt x="19742" y="3693"/>
-                  <a:pt x="19676" y="3570"/>
-                  <a:pt x="19597" y="3561"/>
-                </a:cubicBezTo>
-                <a:cubicBezTo>
-                  <a:pt x="19518" y="3551"/>
-                  <a:pt x="19377" y="3533"/>
-                  <a:pt x="19280" y="3523"/>
-                </a:cubicBezTo>
-                <a:cubicBezTo>
-                  <a:pt x="19183" y="3513"/>
-                  <a:pt x="19088" y="3319"/>
-                  <a:pt x="19071" y="3093"/>
-                </a:cubicBezTo>
-                <a:cubicBezTo>
-                  <a:pt x="19033" y="2600"/>
-                  <a:pt x="19028" y="2596"/>
-                  <a:pt x="18587" y="2529"/>
-                </a:cubicBezTo>
-                <a:cubicBezTo>
-                  <a:pt x="18361" y="2495"/>
-                  <a:pt x="18225" y="2370"/>
-                  <a:pt x="18195" y="2170"/>
-                </a:cubicBezTo>
-                <a:cubicBezTo>
-                  <a:pt x="18165" y="1969"/>
-                  <a:pt x="18044" y="1858"/>
-                  <a:pt x="17851" y="1858"/>
-                </a:cubicBezTo>
-                <a:cubicBezTo>
-                  <a:pt x="17689" y="1858"/>
-                  <a:pt x="17308" y="1634"/>
-                  <a:pt x="17003" y="1359"/>
-                </a:cubicBezTo>
-                <a:cubicBezTo>
-                  <a:pt x="16632" y="1024"/>
-                  <a:pt x="16309" y="859"/>
-                  <a:pt x="16025" y="859"/>
-                </a:cubicBezTo>
-                <a:cubicBezTo>
-                  <a:pt x="15592" y="859"/>
-                  <a:pt x="15285" y="520"/>
-                  <a:pt x="15408" y="177"/>
-                </a:cubicBezTo>
-                <a:cubicBezTo>
-                  <a:pt x="15459" y="36"/>
-                  <a:pt x="13863" y="0"/>
-                  <a:pt x="7733" y="0"/>
-                </a:cubicBezTo>
-                <a:lnTo>
-                  <a:pt x="6165" y="0"/>
-                </a:lnTo>
                 <a:close/>
               </a:path>
             </a:pathLst>
@@ -5263,6 +4465,632 @@
           </a:ln>
         </p:spPr>
       </p:pic>
+      <p:sp>
+        <p:nvSpPr>
+          <p:cNvPr id="149" name=""/>
+          <p:cNvSpPr txBox="1"/>
+          <p:nvPr/>
+        </p:nvSpPr>
+        <p:spPr>
+          <a:xfrm>
+            <a:off x="2292728" y="6765618"/>
+            <a:ext cx="1016003" cy="555825"/>
+          </a:xfrm>
+          <a:prstGeom prst="rect">
+            <a:avLst/>
+          </a:prstGeom>
+          <a:ln w="12700">
+            <a:miter lim="400000"/>
+          </a:ln>
+          <a:extLst>
+            <a:ext uri="{C572A759-6A51-4108-AA02-DFA0A04FC94B}">
+              <ma14:wrappingTextBoxFlag xmlns:ma14="http://schemas.microsoft.com/office/mac/drawingml/2011/main" xmlns:a14="http://schemas.microsoft.com/office/drawing/2010/main" xmlns:m="http://schemas.openxmlformats.org/officeDocument/2006/math" xmlns="" val="1"/>
+            </a:ext>
+          </a:extLst>
+        </p:spPr>
+        <p:txBody>
+          <a:bodyPr lIns="50800" tIns="50800" rIns="50800" bIns="50800" anchor="ctr">
+            <a:spAutoFit/>
+          </a:bodyPr>
+          <a:lstStyle>
+            <a:lvl1pPr defTabSz="12700">
+              <a:tabLst>
+                <a:tab pos="355600" algn="l"/>
+                <a:tab pos="711200" algn="l"/>
+                <a:tab pos="1066800" algn="l"/>
+                <a:tab pos="1422400" algn="l"/>
+                <a:tab pos="1778000" algn="l"/>
+                <a:tab pos="2133600" algn="l"/>
+                <a:tab pos="2489200" algn="l"/>
+                <a:tab pos="2844800" algn="l"/>
+                <a:tab pos="3200400" algn="l"/>
+                <a:tab pos="3556000" algn="l"/>
+                <a:tab pos="3911600" algn="l"/>
+                <a:tab pos="4267200" algn="l"/>
+              </a:tabLst>
+              <a:defRPr sz="3600">
+                <a:solidFill>
+                  <a:srgbClr val="FFFFFF"/>
+                </a:solidFill>
+                <a:latin typeface="BigBlueButton"/>
+                <a:ea typeface="BigBlueButton"/>
+                <a:cs typeface="BigBlueButton"/>
+                <a:sym typeface="BigBlueButton"/>
+              </a:defRPr>
+            </a:lvl1pPr>
+          </a:lstStyle>
+          <a:p>
+            <a:r>
+              <a:t></a:t>
+            </a:r>
+          </a:p>
+        </p:txBody>
+      </p:sp>
+      <p:sp>
+        <p:nvSpPr>
+          <p:cNvPr id="150" name=""/>
+          <p:cNvSpPr txBox="1"/>
+          <p:nvPr/>
+        </p:nvSpPr>
+        <p:spPr>
+          <a:xfrm>
+            <a:off x="7235614" y="6765618"/>
+            <a:ext cx="1016003" cy="555825"/>
+          </a:xfrm>
+          <a:prstGeom prst="rect">
+            <a:avLst/>
+          </a:prstGeom>
+          <a:ln w="12700">
+            <a:miter lim="400000"/>
+          </a:ln>
+          <a:extLst>
+            <a:ext uri="{C572A759-6A51-4108-AA02-DFA0A04FC94B}">
+              <ma14:wrappingTextBoxFlag xmlns:ma14="http://schemas.microsoft.com/office/mac/drawingml/2011/main" xmlns:a14="http://schemas.microsoft.com/office/drawing/2010/main" xmlns:m="http://schemas.openxmlformats.org/officeDocument/2006/math" xmlns="" val="1"/>
+            </a:ext>
+          </a:extLst>
+        </p:spPr>
+        <p:txBody>
+          <a:bodyPr lIns="50800" tIns="50800" rIns="50800" bIns="50800" anchor="ctr">
+            <a:spAutoFit/>
+          </a:bodyPr>
+          <a:lstStyle>
+            <a:lvl1pPr defTabSz="12700">
+              <a:tabLst>
+                <a:tab pos="355600" algn="l"/>
+                <a:tab pos="711200" algn="l"/>
+                <a:tab pos="1066800" algn="l"/>
+                <a:tab pos="1422400" algn="l"/>
+                <a:tab pos="1778000" algn="l"/>
+                <a:tab pos="2133600" algn="l"/>
+                <a:tab pos="2489200" algn="l"/>
+                <a:tab pos="2844800" algn="l"/>
+                <a:tab pos="3200400" algn="l"/>
+                <a:tab pos="3556000" algn="l"/>
+                <a:tab pos="3911600" algn="l"/>
+                <a:tab pos="4267200" algn="l"/>
+              </a:tabLst>
+              <a:defRPr sz="3600">
+                <a:solidFill>
+                  <a:srgbClr val="FFFFFF"/>
+                </a:solidFill>
+                <a:latin typeface="BigBlueButton"/>
+                <a:ea typeface="BigBlueButton"/>
+                <a:cs typeface="BigBlueButton"/>
+                <a:sym typeface="BigBlueButton"/>
+              </a:defRPr>
+            </a:lvl1pPr>
+          </a:lstStyle>
+          <a:p>
+            <a:r>
+              <a:t></a:t>
+            </a:r>
+          </a:p>
+        </p:txBody>
+      </p:sp>
+      <p:sp>
+        <p:nvSpPr>
+          <p:cNvPr id="151" name=""/>
+          <p:cNvSpPr txBox="1"/>
+          <p:nvPr/>
+        </p:nvSpPr>
+        <p:spPr>
+          <a:xfrm>
+            <a:off x="2292728" y="8975418"/>
+            <a:ext cx="1016003" cy="555825"/>
+          </a:xfrm>
+          <a:prstGeom prst="rect">
+            <a:avLst/>
+          </a:prstGeom>
+          <a:ln w="12700">
+            <a:miter lim="400000"/>
+          </a:ln>
+          <a:extLst>
+            <a:ext uri="{C572A759-6A51-4108-AA02-DFA0A04FC94B}">
+              <ma14:wrappingTextBoxFlag xmlns:ma14="http://schemas.microsoft.com/office/mac/drawingml/2011/main" xmlns:a14="http://schemas.microsoft.com/office/drawing/2010/main" xmlns:m="http://schemas.openxmlformats.org/officeDocument/2006/math" xmlns="" val="1"/>
+            </a:ext>
+          </a:extLst>
+        </p:spPr>
+        <p:txBody>
+          <a:bodyPr lIns="50800" tIns="50800" rIns="50800" bIns="50800" anchor="ctr">
+            <a:spAutoFit/>
+          </a:bodyPr>
+          <a:lstStyle>
+            <a:lvl1pPr defTabSz="12700">
+              <a:tabLst>
+                <a:tab pos="355600" algn="l"/>
+                <a:tab pos="711200" algn="l"/>
+                <a:tab pos="1066800" algn="l"/>
+                <a:tab pos="1422400" algn="l"/>
+                <a:tab pos="1778000" algn="l"/>
+                <a:tab pos="2133600" algn="l"/>
+                <a:tab pos="2489200" algn="l"/>
+                <a:tab pos="2844800" algn="l"/>
+                <a:tab pos="3200400" algn="l"/>
+                <a:tab pos="3556000" algn="l"/>
+                <a:tab pos="3911600" algn="l"/>
+                <a:tab pos="4267200" algn="l"/>
+              </a:tabLst>
+              <a:defRPr sz="3600">
+                <a:solidFill>
+                  <a:srgbClr val="FFFFFF"/>
+                </a:solidFill>
+                <a:latin typeface="BigBlueButton"/>
+                <a:ea typeface="BigBlueButton"/>
+                <a:cs typeface="BigBlueButton"/>
+                <a:sym typeface="BigBlueButton"/>
+              </a:defRPr>
+            </a:lvl1pPr>
+          </a:lstStyle>
+          <a:p>
+            <a:r>
+              <a:t></a:t>
+            </a:r>
+          </a:p>
+        </p:txBody>
+      </p:sp>
+      <p:sp>
+        <p:nvSpPr>
+          <p:cNvPr id="152" name=""/>
+          <p:cNvSpPr txBox="1"/>
+          <p:nvPr/>
+        </p:nvSpPr>
+        <p:spPr>
+          <a:xfrm>
+            <a:off x="12192000" y="8975418"/>
+            <a:ext cx="1016003" cy="555825"/>
+          </a:xfrm>
+          <a:prstGeom prst="rect">
+            <a:avLst/>
+          </a:prstGeom>
+          <a:ln w="12700">
+            <a:miter lim="400000"/>
+          </a:ln>
+          <a:extLst>
+            <a:ext uri="{C572A759-6A51-4108-AA02-DFA0A04FC94B}">
+              <ma14:wrappingTextBoxFlag xmlns:ma14="http://schemas.microsoft.com/office/mac/drawingml/2011/main" xmlns:a14="http://schemas.microsoft.com/office/drawing/2010/main" xmlns:m="http://schemas.openxmlformats.org/officeDocument/2006/math" xmlns="" val="1"/>
+            </a:ext>
+          </a:extLst>
+        </p:spPr>
+        <p:txBody>
+          <a:bodyPr lIns="50800" tIns="50800" rIns="50800" bIns="50800" anchor="ctr">
+            <a:spAutoFit/>
+          </a:bodyPr>
+          <a:lstStyle>
+            <a:lvl1pPr defTabSz="12700">
+              <a:tabLst>
+                <a:tab pos="355600" algn="l"/>
+                <a:tab pos="711200" algn="l"/>
+                <a:tab pos="1066800" algn="l"/>
+                <a:tab pos="1422400" algn="l"/>
+                <a:tab pos="1778000" algn="l"/>
+                <a:tab pos="2133600" algn="l"/>
+                <a:tab pos="2489200" algn="l"/>
+                <a:tab pos="2844800" algn="l"/>
+                <a:tab pos="3200400" algn="l"/>
+                <a:tab pos="3556000" algn="l"/>
+                <a:tab pos="3911600" algn="l"/>
+                <a:tab pos="4267200" algn="l"/>
+              </a:tabLst>
+              <a:defRPr sz="3600">
+                <a:solidFill>
+                  <a:srgbClr val="FFFFFF"/>
+                </a:solidFill>
+                <a:latin typeface="BigBlueButton"/>
+                <a:ea typeface="BigBlueButton"/>
+                <a:cs typeface="BigBlueButton"/>
+                <a:sym typeface="BigBlueButton"/>
+              </a:defRPr>
+            </a:lvl1pPr>
+          </a:lstStyle>
+          <a:p>
+            <a:r>
+              <a:t></a:t>
+            </a:r>
+          </a:p>
+        </p:txBody>
+      </p:sp>
+      <p:sp>
+        <p:nvSpPr>
+          <p:cNvPr id="153" name=""/>
+          <p:cNvSpPr txBox="1"/>
+          <p:nvPr/>
+        </p:nvSpPr>
+        <p:spPr>
+          <a:xfrm>
+            <a:off x="12192000" y="6765618"/>
+            <a:ext cx="1016003" cy="555825"/>
+          </a:xfrm>
+          <a:prstGeom prst="rect">
+            <a:avLst/>
+          </a:prstGeom>
+          <a:ln w="12700">
+            <a:miter lim="400000"/>
+          </a:ln>
+          <a:extLst>
+            <a:ext uri="{C572A759-6A51-4108-AA02-DFA0A04FC94B}">
+              <ma14:wrappingTextBoxFlag xmlns:ma14="http://schemas.microsoft.com/office/mac/drawingml/2011/main" xmlns:a14="http://schemas.microsoft.com/office/drawing/2010/main" xmlns:m="http://schemas.openxmlformats.org/officeDocument/2006/math" xmlns="" val="1"/>
+            </a:ext>
+          </a:extLst>
+        </p:spPr>
+        <p:txBody>
+          <a:bodyPr lIns="50800" tIns="50800" rIns="50800" bIns="50800" anchor="ctr">
+            <a:spAutoFit/>
+          </a:bodyPr>
+          <a:lstStyle>
+            <a:lvl1pPr defTabSz="12700">
+              <a:tabLst>
+                <a:tab pos="355600" algn="l"/>
+                <a:tab pos="711200" algn="l"/>
+                <a:tab pos="1066800" algn="l"/>
+                <a:tab pos="1422400" algn="l"/>
+                <a:tab pos="1778000" algn="l"/>
+                <a:tab pos="2133600" algn="l"/>
+                <a:tab pos="2489200" algn="l"/>
+                <a:tab pos="2844800" algn="l"/>
+                <a:tab pos="3200400" algn="l"/>
+                <a:tab pos="3556000" algn="l"/>
+                <a:tab pos="3911600" algn="l"/>
+                <a:tab pos="4267200" algn="l"/>
+              </a:tabLst>
+              <a:defRPr sz="3600">
+                <a:solidFill>
+                  <a:srgbClr val="FFFFFF"/>
+                </a:solidFill>
+                <a:latin typeface="BigBlueButton"/>
+                <a:ea typeface="BigBlueButton"/>
+                <a:cs typeface="BigBlueButton"/>
+                <a:sym typeface="BigBlueButton"/>
+              </a:defRPr>
+            </a:lvl1pPr>
+          </a:lstStyle>
+          <a:p>
+            <a:r>
+              <a:t></a:t>
+            </a:r>
+          </a:p>
+        </p:txBody>
+      </p:sp>
+      <p:sp>
+        <p:nvSpPr>
+          <p:cNvPr id="154" name=""/>
+          <p:cNvSpPr txBox="1"/>
+          <p:nvPr/>
+        </p:nvSpPr>
+        <p:spPr>
+          <a:xfrm>
+            <a:off x="7235614" y="8975418"/>
+            <a:ext cx="1016003" cy="555825"/>
+          </a:xfrm>
+          <a:prstGeom prst="rect">
+            <a:avLst/>
+          </a:prstGeom>
+          <a:ln w="12700">
+            <a:miter lim="400000"/>
+          </a:ln>
+          <a:extLst>
+            <a:ext uri="{C572A759-6A51-4108-AA02-DFA0A04FC94B}">
+              <ma14:wrappingTextBoxFlag xmlns:ma14="http://schemas.microsoft.com/office/mac/drawingml/2011/main" xmlns:a14="http://schemas.microsoft.com/office/drawing/2010/main" xmlns:m="http://schemas.openxmlformats.org/officeDocument/2006/math" xmlns="" val="1"/>
+            </a:ext>
+          </a:extLst>
+        </p:spPr>
+        <p:txBody>
+          <a:bodyPr lIns="50800" tIns="50800" rIns="50800" bIns="50800" anchor="ctr">
+            <a:spAutoFit/>
+          </a:bodyPr>
+          <a:lstStyle>
+            <a:lvl1pPr defTabSz="12700">
+              <a:tabLst>
+                <a:tab pos="355600" algn="l"/>
+                <a:tab pos="711200" algn="l"/>
+                <a:tab pos="1066800" algn="l"/>
+                <a:tab pos="1422400" algn="l"/>
+                <a:tab pos="1778000" algn="l"/>
+                <a:tab pos="2133600" algn="l"/>
+                <a:tab pos="2489200" algn="l"/>
+                <a:tab pos="2844800" algn="l"/>
+                <a:tab pos="3200400" algn="l"/>
+                <a:tab pos="3556000" algn="l"/>
+                <a:tab pos="3911600" algn="l"/>
+                <a:tab pos="4267200" algn="l"/>
+              </a:tabLst>
+              <a:defRPr sz="3600">
+                <a:solidFill>
+                  <a:srgbClr val="FFFFFF"/>
+                </a:solidFill>
+                <a:latin typeface="BigBlueButton"/>
+                <a:ea typeface="BigBlueButton"/>
+                <a:cs typeface="BigBlueButton"/>
+                <a:sym typeface="BigBlueButton"/>
+              </a:defRPr>
+            </a:lvl1pPr>
+          </a:lstStyle>
+          <a:p>
+            <a:r>
+              <a:rPr dirty="0"/>
+              <a:t></a:t>
+            </a:r>
+          </a:p>
+        </p:txBody>
+      </p:sp>
+      <p:sp>
+        <p:nvSpPr>
+          <p:cNvPr id="155" name=""/>
+          <p:cNvSpPr txBox="1"/>
+          <p:nvPr/>
+        </p:nvSpPr>
+        <p:spPr>
+          <a:xfrm>
+            <a:off x="17145000" y="8975418"/>
+            <a:ext cx="1016003" cy="555825"/>
+          </a:xfrm>
+          <a:prstGeom prst="rect">
+            <a:avLst/>
+          </a:prstGeom>
+          <a:ln w="12700">
+            <a:miter lim="400000"/>
+          </a:ln>
+          <a:extLst>
+            <a:ext uri="{C572A759-6A51-4108-AA02-DFA0A04FC94B}">
+              <ma14:wrappingTextBoxFlag xmlns:ma14="http://schemas.microsoft.com/office/mac/drawingml/2011/main" xmlns:a14="http://schemas.microsoft.com/office/drawing/2010/main" xmlns:m="http://schemas.openxmlformats.org/officeDocument/2006/math" xmlns="" val="1"/>
+            </a:ext>
+          </a:extLst>
+        </p:spPr>
+        <p:txBody>
+          <a:bodyPr lIns="50800" tIns="50800" rIns="50800" bIns="50800" anchor="ctr">
+            <a:spAutoFit/>
+          </a:bodyPr>
+          <a:lstStyle>
+            <a:lvl1pPr defTabSz="12700">
+              <a:tabLst>
+                <a:tab pos="355600" algn="l"/>
+                <a:tab pos="711200" algn="l"/>
+                <a:tab pos="1066800" algn="l"/>
+                <a:tab pos="1422400" algn="l"/>
+                <a:tab pos="1778000" algn="l"/>
+                <a:tab pos="2133600" algn="l"/>
+                <a:tab pos="2489200" algn="l"/>
+                <a:tab pos="2844800" algn="l"/>
+                <a:tab pos="3200400" algn="l"/>
+                <a:tab pos="3556000" algn="l"/>
+                <a:tab pos="3911600" algn="l"/>
+                <a:tab pos="4267200" algn="l"/>
+              </a:tabLst>
+              <a:defRPr sz="3600">
+                <a:solidFill>
+                  <a:srgbClr val="FFFFFF"/>
+                </a:solidFill>
+                <a:latin typeface="BigBlueButton"/>
+                <a:ea typeface="BigBlueButton"/>
+                <a:cs typeface="BigBlueButton"/>
+                <a:sym typeface="BigBlueButton"/>
+              </a:defRPr>
+            </a:lvl1pPr>
+          </a:lstStyle>
+          <a:p>
+            <a:r>
+              <a:t></a:t>
+            </a:r>
+          </a:p>
+        </p:txBody>
+      </p:sp>
+      <p:sp>
+        <p:nvSpPr>
+          <p:cNvPr id="156" name="BREAKOUT ROOMS"/>
+          <p:cNvSpPr txBox="1"/>
+          <p:nvPr/>
+        </p:nvSpPr>
+        <p:spPr>
+          <a:xfrm>
+            <a:off x="18489144" y="6535529"/>
+            <a:ext cx="2668763" cy="283792"/>
+          </a:xfrm>
+          <a:prstGeom prst="rect">
+            <a:avLst/>
+          </a:prstGeom>
+          <a:ln w="12700">
+            <a:miter lim="400000"/>
+          </a:ln>
+          <a:extLst>
+            <a:ext uri="{C572A759-6A51-4108-AA02-DFA0A04FC94B}">
+              <ma14:wrappingTextBoxFlag xmlns:ma14="http://schemas.microsoft.com/office/mac/drawingml/2011/main" xmlns:a14="http://schemas.microsoft.com/office/drawing/2010/main" xmlns:m="http://schemas.openxmlformats.org/officeDocument/2006/math" xmlns="" val="1"/>
+            </a:ext>
+          </a:extLst>
+        </p:spPr>
+        <p:txBody>
+          <a:bodyPr lIns="0" tIns="0" rIns="0" bIns="0">
+            <a:spAutoFit/>
+          </a:bodyPr>
+          <a:lstStyle>
+            <a:lvl1pPr algn="l" defTabSz="12700">
+              <a:defRPr sz="2000" b="1" cap="all" spc="100">
+                <a:solidFill>
+                  <a:srgbClr val="24262C"/>
+                </a:solidFill>
+                <a:latin typeface="LiberationSans-Bold"/>
+                <a:ea typeface="LiberationSans-Bold"/>
+                <a:cs typeface="LiberationSans-Bold"/>
+                <a:sym typeface="LiberationSans-Bold"/>
+              </a:defRPr>
+            </a:lvl1pPr>
+          </a:lstStyle>
+          <a:p>
+            <a:r>
+              <a:t>BREAKOUT ROOMS</a:t>
+            </a:r>
+          </a:p>
+        </p:txBody>
+      </p:sp>
+      <p:sp>
+        <p:nvSpPr>
+          <p:cNvPr id="157" name="Group users into breakout rooms for team collaboration."/>
+          <p:cNvSpPr txBox="1"/>
+          <p:nvPr/>
+        </p:nvSpPr>
+        <p:spPr>
+          <a:xfrm>
+            <a:off x="18489144" y="7005429"/>
+            <a:ext cx="3320209" cy="715473"/>
+          </a:xfrm>
+          <a:prstGeom prst="rect">
+            <a:avLst/>
+          </a:prstGeom>
+          <a:ln w="12700">
+            <a:miter lim="400000"/>
+          </a:ln>
+          <a:extLst>
+            <a:ext uri="{C572A759-6A51-4108-AA02-DFA0A04FC94B}">
+              <ma14:wrappingTextBoxFlag xmlns:ma14="http://schemas.microsoft.com/office/mac/drawingml/2011/main" xmlns:a14="http://schemas.microsoft.com/office/drawing/2010/main" xmlns:m="http://schemas.openxmlformats.org/officeDocument/2006/math" xmlns="" val="1"/>
+            </a:ext>
+          </a:extLst>
+        </p:spPr>
+        <p:txBody>
+          <a:bodyPr lIns="0" tIns="0" rIns="0" bIns="0">
+            <a:spAutoFit/>
+          </a:bodyPr>
+          <a:lstStyle>
+            <a:lvl1pPr algn="l">
+              <a:lnSpc>
+                <a:spcPct val="120000"/>
+              </a:lnSpc>
+              <a:defRPr sz="2200" spc="66">
+                <a:solidFill>
+                  <a:srgbClr val="504E4E"/>
+                </a:solidFill>
+                <a:latin typeface="LiberationSans"/>
+                <a:ea typeface="LiberationSans"/>
+                <a:cs typeface="LiberationSans"/>
+                <a:sym typeface="LiberationSans"/>
+              </a:defRPr>
+            </a:lvl1pPr>
+          </a:lstStyle>
+          <a:p>
+            <a:r>
+              <a:t>Form teams of users for group work.</a:t>
+            </a:r>
+          </a:p>
+        </p:txBody>
+      </p:sp>
+      <p:sp>
+        <p:nvSpPr>
+          <p:cNvPr id="158" name="Circle"/>
+          <p:cNvSpPr/>
+          <p:nvPr/>
+        </p:nvSpPr>
+        <p:spPr>
+          <a:xfrm>
+            <a:off x="17145000" y="6536860"/>
+            <a:ext cx="1016003" cy="1016003"/>
+          </a:xfrm>
+          <a:prstGeom prst="ellipse">
+            <a:avLst/>
+          </a:prstGeom>
+          <a:solidFill>
+            <a:srgbClr val="0E70D7"/>
+          </a:solidFill>
+          <a:ln w="12700">
+            <a:miter lim="400000"/>
+          </a:ln>
+        </p:spPr>
+        <p:txBody>
+          <a:bodyPr lIns="0" tIns="0" rIns="0" bIns="0" anchor="ctr"/>
+          <a:lstStyle/>
+          <a:p>
+            <a:pPr algn="l">
+              <a:defRPr b="1" spc="-90">
+                <a:solidFill>
+                  <a:srgbClr val="0E70D7"/>
+                </a:solidFill>
+                <a:latin typeface="Liberation Sans"/>
+                <a:ea typeface="Liberation Sans"/>
+                <a:cs typeface="Liberation Sans"/>
+                <a:sym typeface="Liberation Sans"/>
+              </a:defRPr>
+            </a:pPr>
+            <a:endParaRPr/>
+          </a:p>
+        </p:txBody>
+      </p:sp>
+      <p:sp>
+        <p:nvSpPr>
+          <p:cNvPr id="159" name=""/>
+          <p:cNvSpPr txBox="1"/>
+          <p:nvPr/>
+        </p:nvSpPr>
+        <p:spPr>
+          <a:xfrm>
+            <a:off x="17145000" y="6766949"/>
+            <a:ext cx="1016003" cy="555825"/>
+          </a:xfrm>
+          <a:prstGeom prst="rect">
+            <a:avLst/>
+          </a:prstGeom>
+          <a:ln w="12700">
+            <a:miter lim="400000"/>
+          </a:ln>
+          <a:extLst>
+            <a:ext uri="{C572A759-6A51-4108-AA02-DFA0A04FC94B}">
+              <ma14:wrappingTextBoxFlag xmlns:ma14="http://schemas.microsoft.com/office/mac/drawingml/2011/main" xmlns:a14="http://schemas.microsoft.com/office/drawing/2010/main" xmlns:m="http://schemas.openxmlformats.org/officeDocument/2006/math" xmlns="" val="1"/>
+            </a:ext>
+          </a:extLst>
+        </p:spPr>
+        <p:txBody>
+          <a:bodyPr lIns="50800" tIns="50800" rIns="50800" bIns="50800" anchor="ctr">
+            <a:spAutoFit/>
+          </a:bodyPr>
+          <a:lstStyle>
+            <a:lvl1pPr defTabSz="12700">
+              <a:tabLst>
+                <a:tab pos="355600" algn="l"/>
+                <a:tab pos="711200" algn="l"/>
+                <a:tab pos="1066800" algn="l"/>
+                <a:tab pos="1422400" algn="l"/>
+                <a:tab pos="1778000" algn="l"/>
+                <a:tab pos="2133600" algn="l"/>
+                <a:tab pos="2489200" algn="l"/>
+                <a:tab pos="2844800" algn="l"/>
+                <a:tab pos="3200400" algn="l"/>
+                <a:tab pos="3556000" algn="l"/>
+                <a:tab pos="3911600" algn="l"/>
+                <a:tab pos="4267200" algn="l"/>
+              </a:tabLst>
+              <a:defRPr sz="3600">
+                <a:solidFill>
+                  <a:srgbClr val="FFFFFF"/>
+                </a:solidFill>
+                <a:latin typeface="BigBlueButton"/>
+                <a:ea typeface="BigBlueButton"/>
+                <a:cs typeface="BigBlueButton"/>
+                <a:sym typeface="BigBlueButton"/>
+              </a:defRPr>
+            </a:lvl1pPr>
+          </a:lstStyle>
+          <a:p>
+            <a:r>
+              <a:t></a:t>
+            </a:r>
+          </a:p>
+        </p:txBody>
+      </p:sp>
     </p:spTree>
   </p:cSld>
   <p:clrMapOvr>
@@ -5291,108 +5119,52 @@
       </p:grpSpPr>
       <p:sp>
         <p:nvSpPr>
-          <p:cNvPr id="6" name="TextBox 5"/>
+          <p:cNvPr id="177" name="TextBox 5"/>
           <p:cNvSpPr txBox="1"/>
           <p:nvPr/>
         </p:nvSpPr>
         <p:spPr>
           <a:xfrm>
-            <a:off x="6237111" y="12728316"/>
-            <a:ext cx="13095111" cy="564257"/>
+            <a:off x="5644444" y="12724786"/>
+            <a:ext cx="13095112" cy="520937"/>
           </a:xfrm>
           <a:prstGeom prst="rect">
             <a:avLst/>
           </a:prstGeom>
-          <a:noFill/>
-          <a:ln w="12700" cap="flat">
-            <a:noFill/>
+          <a:ln w="12700">
             <a:miter lim="400000"/>
           </a:ln>
-          <a:effectLst/>
-          <a:sp3d/>
-        </p:spPr>
-        <p:style>
-          <a:lnRef idx="0">
-            <a:scrgbClr r="0" g="0" b="0"/>
-          </a:lnRef>
-          <a:fillRef idx="0">
-            <a:scrgbClr r="0" g="0" b="0"/>
-          </a:fillRef>
-          <a:effectRef idx="0">
-            <a:scrgbClr r="0" g="0" b="0"/>
-          </a:effectRef>
-          <a:fontRef idx="none"/>
-        </p:style>
-        <p:txBody>
-          <a:bodyPr rot="0" spcFirstLastPara="1" vertOverflow="overflow" horzOverflow="overflow" vert="horz" wrap="square" lIns="50800" tIns="50800" rIns="50800" bIns="50800" numCol="1" spcCol="38100" rtlCol="0" anchor="ctr">
+          <a:extLst>
+            <a:ext uri="{C572A759-6A51-4108-AA02-DFA0A04FC94B}">
+              <ma14:wrappingTextBoxFlag xmlns:ma14="http://schemas.microsoft.com/office/mac/drawingml/2011/main" xmlns:a14="http://schemas.microsoft.com/office/drawing/2010/main" xmlns:m="http://schemas.openxmlformats.org/officeDocument/2006/math" xmlns="" val="1"/>
+            </a:ext>
+          </a:extLst>
+        </p:spPr>
+        <p:txBody>
+          <a:bodyPr lIns="50800" tIns="50800" rIns="50800" bIns="50800" anchor="ctr">
             <a:spAutoFit/>
           </a:bodyPr>
-          <a:lstStyle/>
-          <a:p>
-            <a:pPr marL="0" marR="0" indent="0" algn="ctr" defTabSz="825500" rtl="0" fontAlgn="auto" latinLnBrk="0" hangingPunct="0">
-              <a:lnSpc>
-                <a:spcPct val="100000"/>
-              </a:lnSpc>
-              <a:spcBef>
-                <a:spcPts val="0"/>
-              </a:spcBef>
-              <a:spcAft>
-                <a:spcPts val="0"/>
-              </a:spcAft>
-              <a:buClrTx/>
-              <a:buSzTx/>
-              <a:buFontTx/>
-              <a:buNone/>
-              <a:tabLst/>
-            </a:pPr>
-            <a:r>
-              <a:rPr kumimoji="0" lang="en-US" sz="3000" b="1" i="0" u="none" strike="noStrike" cap="none" spc="0" normalizeH="0" baseline="0" dirty="0">
-                <a:ln>
-                  <a:noFill/>
-                </a:ln>
+          <a:lstStyle>
+            <a:lvl1pPr>
+              <a:defRPr b="1">
                 <a:solidFill>
-                  <a:srgbClr val="000000"/>
+                  <a:srgbClr val="5E5E5E"/>
                 </a:solidFill>
-                <a:effectLst/>
-                <a:uFillTx/>
-                <a:latin typeface="Liberation Sans" panose="020B0604020202020204" pitchFamily="34" charset="0"/>
-                <a:ea typeface="Liberation Sans" panose="020B0604020202020204" pitchFamily="34" charset="0"/>
-                <a:cs typeface="Liberation Sans" panose="020B0604020202020204" pitchFamily="34" charset="0"/>
-                <a:sym typeface="Helvetica Neue"/>
-              </a:rPr>
-              <a:t>Thi</a:t>
-            </a:r>
-            <a:r>
-              <a:rPr lang="en-US" dirty="0">
-                <a:latin typeface="Liberation Sans" panose="020B0604020202020204" pitchFamily="34" charset="0"/>
-                <a:ea typeface="Liberation Sans" panose="020B0604020202020204" pitchFamily="34" charset="0"/>
-                <a:cs typeface="Liberation Sans" panose="020B0604020202020204" pitchFamily="34" charset="0"/>
-              </a:rPr>
-              <a:t>s slide left blank for whiteboard</a:t>
-            </a:r>
-            <a:endParaRPr kumimoji="0" lang="en-US" sz="3000" b="1" i="0" u="none" strike="noStrike" cap="none" spc="0" normalizeH="0" baseline="0" dirty="0">
-              <a:ln>
-                <a:noFill/>
-              </a:ln>
-              <a:solidFill>
-                <a:srgbClr val="000000"/>
-              </a:solidFill>
-              <a:effectLst/>
-              <a:uFillTx/>
-              <a:latin typeface="Liberation Sans" panose="020B0604020202020204" pitchFamily="34" charset="0"/>
-              <a:ea typeface="Liberation Sans" panose="020B0604020202020204" pitchFamily="34" charset="0"/>
-              <a:cs typeface="Liberation Sans" panose="020B0604020202020204" pitchFamily="34" charset="0"/>
-              <a:sym typeface="Helvetica Neue"/>
-            </a:endParaRPr>
+                <a:latin typeface="LiberationSans-Bold"/>
+                <a:ea typeface="LiberationSans-Bold"/>
+                <a:cs typeface="LiberationSans-Bold"/>
+                <a:sym typeface="LiberationSans-Bold"/>
+              </a:defRPr>
+            </a:lvl1pPr>
+          </a:lstStyle>
+          <a:p>
+            <a:r>
+              <a:t>This slide left blank for whiteboard</a:t>
+            </a:r>
           </a:p>
         </p:txBody>
       </p:sp>
     </p:spTree>
-    <p:extLst>
-      <p:ext uri="{BB962C8B-B14F-4D97-AF65-F5344CB8AC3E}">
-        <p14:creationId xmlns:p14="http://schemas.microsoft.com/office/powerpoint/2010/main" val="1149708054"/>
-      </p:ext>
-    </p:extLst>
   </p:cSld>
   <p:clrMapOvr>
     <a:masterClrMapping/>
@@ -5420,108 +5192,52 @@
       </p:grpSpPr>
       <p:sp>
         <p:nvSpPr>
-          <p:cNvPr id="6" name="TextBox 5"/>
+          <p:cNvPr id="179" name="TextBox 5"/>
           <p:cNvSpPr txBox="1"/>
           <p:nvPr/>
         </p:nvSpPr>
         <p:spPr>
           <a:xfrm>
-            <a:off x="6237111" y="12728316"/>
-            <a:ext cx="13095111" cy="564257"/>
+            <a:off x="5644444" y="12724786"/>
+            <a:ext cx="13095112" cy="520937"/>
           </a:xfrm>
           <a:prstGeom prst="rect">
             <a:avLst/>
           </a:prstGeom>
-          <a:noFill/>
-          <a:ln w="12700" cap="flat">
-            <a:noFill/>
+          <a:ln w="12700">
             <a:miter lim="400000"/>
           </a:ln>
-          <a:effectLst/>
-          <a:sp3d/>
-        </p:spPr>
-        <p:style>
-          <a:lnRef idx="0">
-            <a:scrgbClr r="0" g="0" b="0"/>
-          </a:lnRef>
-          <a:fillRef idx="0">
-            <a:scrgbClr r="0" g="0" b="0"/>
-          </a:fillRef>
-          <a:effectRef idx="0">
-            <a:scrgbClr r="0" g="0" b="0"/>
-          </a:effectRef>
-          <a:fontRef idx="none"/>
-        </p:style>
-        <p:txBody>
-          <a:bodyPr rot="0" spcFirstLastPara="1" vertOverflow="overflow" horzOverflow="overflow" vert="horz" wrap="square" lIns="50800" tIns="50800" rIns="50800" bIns="50800" numCol="1" spcCol="38100" rtlCol="0" anchor="ctr">
+          <a:extLst>
+            <a:ext uri="{C572A759-6A51-4108-AA02-DFA0A04FC94B}">
+              <ma14:wrappingTextBoxFlag xmlns:ma14="http://schemas.microsoft.com/office/mac/drawingml/2011/main" xmlns:a14="http://schemas.microsoft.com/office/drawing/2010/main" xmlns:m="http://schemas.openxmlformats.org/officeDocument/2006/math" xmlns="" val="1"/>
+            </a:ext>
+          </a:extLst>
+        </p:spPr>
+        <p:txBody>
+          <a:bodyPr lIns="50800" tIns="50800" rIns="50800" bIns="50800" anchor="ctr">
             <a:spAutoFit/>
           </a:bodyPr>
-          <a:lstStyle/>
-          <a:p>
-            <a:pPr marL="0" marR="0" indent="0" algn="ctr" defTabSz="825500" rtl="0" fontAlgn="auto" latinLnBrk="0" hangingPunct="0">
-              <a:lnSpc>
-                <a:spcPct val="100000"/>
-              </a:lnSpc>
-              <a:spcBef>
-                <a:spcPts val="0"/>
-              </a:spcBef>
-              <a:spcAft>
-                <a:spcPts val="0"/>
-              </a:spcAft>
-              <a:buClrTx/>
-              <a:buSzTx/>
-              <a:buFontTx/>
-              <a:buNone/>
-              <a:tabLst/>
-            </a:pPr>
-            <a:r>
-              <a:rPr kumimoji="0" lang="en-US" sz="3000" b="1" i="0" u="none" strike="noStrike" cap="none" spc="0" normalizeH="0" baseline="0" dirty="0">
-                <a:ln>
-                  <a:noFill/>
-                </a:ln>
+          <a:lstStyle>
+            <a:lvl1pPr>
+              <a:defRPr b="1">
                 <a:solidFill>
-                  <a:srgbClr val="000000"/>
+                  <a:srgbClr val="5E5E5E"/>
                 </a:solidFill>
-                <a:effectLst/>
-                <a:uFillTx/>
-                <a:latin typeface="Liberation Sans" panose="020B0604020202020204" pitchFamily="34" charset="0"/>
-                <a:ea typeface="Liberation Sans" panose="020B0604020202020204" pitchFamily="34" charset="0"/>
-                <a:cs typeface="Liberation Sans" panose="020B0604020202020204" pitchFamily="34" charset="0"/>
-                <a:sym typeface="Helvetica Neue"/>
-              </a:rPr>
-              <a:t>Thi</a:t>
-            </a:r>
-            <a:r>
-              <a:rPr lang="en-US" dirty="0">
-                <a:latin typeface="Liberation Sans" panose="020B0604020202020204" pitchFamily="34" charset="0"/>
-                <a:ea typeface="Liberation Sans" panose="020B0604020202020204" pitchFamily="34" charset="0"/>
-                <a:cs typeface="Liberation Sans" panose="020B0604020202020204" pitchFamily="34" charset="0"/>
-              </a:rPr>
-              <a:t>s slide left blank for whiteboard</a:t>
-            </a:r>
-            <a:endParaRPr kumimoji="0" lang="en-US" sz="3000" b="1" i="0" u="none" strike="noStrike" cap="none" spc="0" normalizeH="0" baseline="0" dirty="0">
-              <a:ln>
-                <a:noFill/>
-              </a:ln>
-              <a:solidFill>
-                <a:srgbClr val="000000"/>
-              </a:solidFill>
-              <a:effectLst/>
-              <a:uFillTx/>
-              <a:latin typeface="Liberation Sans" panose="020B0604020202020204" pitchFamily="34" charset="0"/>
-              <a:ea typeface="Liberation Sans" panose="020B0604020202020204" pitchFamily="34" charset="0"/>
-              <a:cs typeface="Liberation Sans" panose="020B0604020202020204" pitchFamily="34" charset="0"/>
-              <a:sym typeface="Helvetica Neue"/>
-            </a:endParaRPr>
+                <a:latin typeface="LiberationSans-Bold"/>
+                <a:ea typeface="LiberationSans-Bold"/>
+                <a:cs typeface="LiberationSans-Bold"/>
+                <a:sym typeface="LiberationSans-Bold"/>
+              </a:defRPr>
+            </a:lvl1pPr>
+          </a:lstStyle>
+          <a:p>
+            <a:r>
+              <a:t>This slide left blank for whiteboard</a:t>
+            </a:r>
           </a:p>
         </p:txBody>
       </p:sp>
     </p:spTree>
-    <p:extLst>
-      <p:ext uri="{BB962C8B-B14F-4D97-AF65-F5344CB8AC3E}">
-        <p14:creationId xmlns:p14="http://schemas.microsoft.com/office/powerpoint/2010/main" val="162087457"/>
-      </p:ext>
-    </p:extLst>
   </p:cSld>
   <p:clrMapOvr>
     <a:masterClrMapping/>
@@ -5549,108 +5265,52 @@
       </p:grpSpPr>
       <p:sp>
         <p:nvSpPr>
-          <p:cNvPr id="6" name="TextBox 5"/>
+          <p:cNvPr id="181" name="TextBox 5"/>
           <p:cNvSpPr txBox="1"/>
           <p:nvPr/>
         </p:nvSpPr>
         <p:spPr>
           <a:xfrm>
-            <a:off x="6237111" y="12728316"/>
-            <a:ext cx="13095111" cy="564257"/>
+            <a:off x="5644444" y="12724786"/>
+            <a:ext cx="13095112" cy="520937"/>
           </a:xfrm>
           <a:prstGeom prst="rect">
             <a:avLst/>
           </a:prstGeom>
-          <a:noFill/>
-          <a:ln w="12700" cap="flat">
-            <a:noFill/>
+          <a:ln w="12700">
             <a:miter lim="400000"/>
           </a:ln>
-          <a:effectLst/>
-          <a:sp3d/>
-        </p:spPr>
-        <p:style>
-          <a:lnRef idx="0">
-            <a:scrgbClr r="0" g="0" b="0"/>
-          </a:lnRef>
-          <a:fillRef idx="0">
-            <a:scrgbClr r="0" g="0" b="0"/>
-          </a:fillRef>
-          <a:effectRef idx="0">
-            <a:scrgbClr r="0" g="0" b="0"/>
-          </a:effectRef>
-          <a:fontRef idx="none"/>
-        </p:style>
-        <p:txBody>
-          <a:bodyPr rot="0" spcFirstLastPara="1" vertOverflow="overflow" horzOverflow="overflow" vert="horz" wrap="square" lIns="50800" tIns="50800" rIns="50800" bIns="50800" numCol="1" spcCol="38100" rtlCol="0" anchor="ctr">
+          <a:extLst>
+            <a:ext uri="{C572A759-6A51-4108-AA02-DFA0A04FC94B}">
+              <ma14:wrappingTextBoxFlag xmlns:ma14="http://schemas.microsoft.com/office/mac/drawingml/2011/main" xmlns:a14="http://schemas.microsoft.com/office/drawing/2010/main" xmlns:m="http://schemas.openxmlformats.org/officeDocument/2006/math" xmlns="" val="1"/>
+            </a:ext>
+          </a:extLst>
+        </p:spPr>
+        <p:txBody>
+          <a:bodyPr lIns="50800" tIns="50800" rIns="50800" bIns="50800" anchor="ctr">
             <a:spAutoFit/>
           </a:bodyPr>
-          <a:lstStyle/>
-          <a:p>
-            <a:pPr marL="0" marR="0" indent="0" algn="ctr" defTabSz="825500" rtl="0" fontAlgn="auto" latinLnBrk="0" hangingPunct="0">
-              <a:lnSpc>
-                <a:spcPct val="100000"/>
-              </a:lnSpc>
-              <a:spcBef>
-                <a:spcPts val="0"/>
-              </a:spcBef>
-              <a:spcAft>
-                <a:spcPts val="0"/>
-              </a:spcAft>
-              <a:buClrTx/>
-              <a:buSzTx/>
-              <a:buFontTx/>
-              <a:buNone/>
-              <a:tabLst/>
-            </a:pPr>
-            <a:r>
-              <a:rPr kumimoji="0" lang="en-US" sz="3000" b="1" i="0" u="none" strike="noStrike" cap="none" spc="0" normalizeH="0" baseline="0" dirty="0">
-                <a:ln>
-                  <a:noFill/>
-                </a:ln>
+          <a:lstStyle>
+            <a:lvl1pPr>
+              <a:defRPr b="1">
                 <a:solidFill>
-                  <a:srgbClr val="000000"/>
+                  <a:srgbClr val="5E5E5E"/>
                 </a:solidFill>
-                <a:effectLst/>
-                <a:uFillTx/>
-                <a:latin typeface="Liberation Sans" panose="020B0604020202020204" pitchFamily="34" charset="0"/>
-                <a:ea typeface="Liberation Sans" panose="020B0604020202020204" pitchFamily="34" charset="0"/>
-                <a:cs typeface="Liberation Sans" panose="020B0604020202020204" pitchFamily="34" charset="0"/>
-                <a:sym typeface="Helvetica Neue"/>
-              </a:rPr>
-              <a:t>Thi</a:t>
-            </a:r>
-            <a:r>
-              <a:rPr lang="en-US" dirty="0">
-                <a:latin typeface="Liberation Sans" panose="020B0604020202020204" pitchFamily="34" charset="0"/>
-                <a:ea typeface="Liberation Sans" panose="020B0604020202020204" pitchFamily="34" charset="0"/>
-                <a:cs typeface="Liberation Sans" panose="020B0604020202020204" pitchFamily="34" charset="0"/>
-              </a:rPr>
-              <a:t>s slide left blank for whiteboard</a:t>
-            </a:r>
-            <a:endParaRPr kumimoji="0" lang="en-US" sz="3000" b="1" i="0" u="none" strike="noStrike" cap="none" spc="0" normalizeH="0" baseline="0" dirty="0">
-              <a:ln>
-                <a:noFill/>
-              </a:ln>
-              <a:solidFill>
-                <a:srgbClr val="000000"/>
-              </a:solidFill>
-              <a:effectLst/>
-              <a:uFillTx/>
-              <a:latin typeface="Liberation Sans" panose="020B0604020202020204" pitchFamily="34" charset="0"/>
-              <a:ea typeface="Liberation Sans" panose="020B0604020202020204" pitchFamily="34" charset="0"/>
-              <a:cs typeface="Liberation Sans" panose="020B0604020202020204" pitchFamily="34" charset="0"/>
-              <a:sym typeface="Helvetica Neue"/>
-            </a:endParaRPr>
+                <a:latin typeface="LiberationSans-Bold"/>
+                <a:ea typeface="LiberationSans-Bold"/>
+                <a:cs typeface="LiberationSans-Bold"/>
+                <a:sym typeface="LiberationSans-Bold"/>
+              </a:defRPr>
+            </a:lvl1pPr>
+          </a:lstStyle>
+          <a:p>
+            <a:r>
+              <a:t>This slide left blank for whiteboard</a:t>
+            </a:r>
           </a:p>
         </p:txBody>
       </p:sp>
     </p:spTree>
-    <p:extLst>
-      <p:ext uri="{BB962C8B-B14F-4D97-AF65-F5344CB8AC3E}">
-        <p14:creationId xmlns:p14="http://schemas.microsoft.com/office/powerpoint/2010/main" val="810357911"/>
-      </p:ext>
-    </p:extLst>
   </p:cSld>
   <p:clrMapOvr>
     <a:masterClrMapping/>
@@ -5678,108 +5338,52 @@
       </p:grpSpPr>
       <p:sp>
         <p:nvSpPr>
-          <p:cNvPr id="6" name="TextBox 5"/>
+          <p:cNvPr id="183" name="TextBox 5"/>
           <p:cNvSpPr txBox="1"/>
           <p:nvPr/>
         </p:nvSpPr>
         <p:spPr>
           <a:xfrm>
-            <a:off x="6237111" y="12728316"/>
-            <a:ext cx="13095111" cy="564257"/>
+            <a:off x="5644444" y="12724786"/>
+            <a:ext cx="13095112" cy="520937"/>
           </a:xfrm>
           <a:prstGeom prst="rect">
             <a:avLst/>
           </a:prstGeom>
-          <a:noFill/>
-          <a:ln w="12700" cap="flat">
-            <a:noFill/>
+          <a:ln w="12700">
             <a:miter lim="400000"/>
           </a:ln>
-          <a:effectLst/>
-          <a:sp3d/>
-        </p:spPr>
-        <p:style>
-          <a:lnRef idx="0">
-            <a:scrgbClr r="0" g="0" b="0"/>
-          </a:lnRef>
-          <a:fillRef idx="0">
-            <a:scrgbClr r="0" g="0" b="0"/>
-          </a:fillRef>
-          <a:effectRef idx="0">
-            <a:scrgbClr r="0" g="0" b="0"/>
-          </a:effectRef>
-          <a:fontRef idx="none"/>
-        </p:style>
-        <p:txBody>
-          <a:bodyPr rot="0" spcFirstLastPara="1" vertOverflow="overflow" horzOverflow="overflow" vert="horz" wrap="square" lIns="50800" tIns="50800" rIns="50800" bIns="50800" numCol="1" spcCol="38100" rtlCol="0" anchor="ctr">
+          <a:extLst>
+            <a:ext uri="{C572A759-6A51-4108-AA02-DFA0A04FC94B}">
+              <ma14:wrappingTextBoxFlag xmlns:ma14="http://schemas.microsoft.com/office/mac/drawingml/2011/main" xmlns:a14="http://schemas.microsoft.com/office/drawing/2010/main" xmlns:m="http://schemas.openxmlformats.org/officeDocument/2006/math" xmlns="" val="1"/>
+            </a:ext>
+          </a:extLst>
+        </p:spPr>
+        <p:txBody>
+          <a:bodyPr lIns="50800" tIns="50800" rIns="50800" bIns="50800" anchor="ctr">
             <a:spAutoFit/>
           </a:bodyPr>
-          <a:lstStyle/>
-          <a:p>
-            <a:pPr marL="0" marR="0" indent="0" algn="ctr" defTabSz="825500" rtl="0" fontAlgn="auto" latinLnBrk="0" hangingPunct="0">
-              <a:lnSpc>
-                <a:spcPct val="100000"/>
-              </a:lnSpc>
-              <a:spcBef>
-                <a:spcPts val="0"/>
-              </a:spcBef>
-              <a:spcAft>
-                <a:spcPts val="0"/>
-              </a:spcAft>
-              <a:buClrTx/>
-              <a:buSzTx/>
-              <a:buFontTx/>
-              <a:buNone/>
-              <a:tabLst/>
-            </a:pPr>
-            <a:r>
-              <a:rPr kumimoji="0" lang="en-US" sz="3000" b="1" i="0" u="none" strike="noStrike" cap="none" spc="0" normalizeH="0" baseline="0" dirty="0">
-                <a:ln>
-                  <a:noFill/>
-                </a:ln>
+          <a:lstStyle>
+            <a:lvl1pPr>
+              <a:defRPr b="1">
                 <a:solidFill>
-                  <a:srgbClr val="000000"/>
+                  <a:srgbClr val="5E5E5E"/>
                 </a:solidFill>
-                <a:effectLst/>
-                <a:uFillTx/>
-                <a:latin typeface="Liberation Sans" panose="020B0604020202020204" pitchFamily="34" charset="0"/>
-                <a:ea typeface="Liberation Sans" panose="020B0604020202020204" pitchFamily="34" charset="0"/>
-                <a:cs typeface="Liberation Sans" panose="020B0604020202020204" pitchFamily="34" charset="0"/>
-                <a:sym typeface="Helvetica Neue"/>
-              </a:rPr>
-              <a:t>Thi</a:t>
-            </a:r>
-            <a:r>
-              <a:rPr lang="en-US" dirty="0">
-                <a:latin typeface="Liberation Sans" panose="020B0604020202020204" pitchFamily="34" charset="0"/>
-                <a:ea typeface="Liberation Sans" panose="020B0604020202020204" pitchFamily="34" charset="0"/>
-                <a:cs typeface="Liberation Sans" panose="020B0604020202020204" pitchFamily="34" charset="0"/>
-              </a:rPr>
-              <a:t>s slide left blank for whiteboard</a:t>
-            </a:r>
-            <a:endParaRPr kumimoji="0" lang="en-US" sz="3000" b="1" i="0" u="none" strike="noStrike" cap="none" spc="0" normalizeH="0" baseline="0" dirty="0">
-              <a:ln>
-                <a:noFill/>
-              </a:ln>
-              <a:solidFill>
-                <a:srgbClr val="000000"/>
-              </a:solidFill>
-              <a:effectLst/>
-              <a:uFillTx/>
-              <a:latin typeface="Liberation Sans" panose="020B0604020202020204" pitchFamily="34" charset="0"/>
-              <a:ea typeface="Liberation Sans" panose="020B0604020202020204" pitchFamily="34" charset="0"/>
-              <a:cs typeface="Liberation Sans" panose="020B0604020202020204" pitchFamily="34" charset="0"/>
-              <a:sym typeface="Helvetica Neue"/>
-            </a:endParaRPr>
+                <a:latin typeface="LiberationSans-Bold"/>
+                <a:ea typeface="LiberationSans-Bold"/>
+                <a:cs typeface="LiberationSans-Bold"/>
+                <a:sym typeface="LiberationSans-Bold"/>
+              </a:defRPr>
+            </a:lvl1pPr>
+          </a:lstStyle>
+          <a:p>
+            <a:r>
+              <a:t>This slide left blank for whiteboard</a:t>
+            </a:r>
           </a:p>
         </p:txBody>
       </p:sp>
     </p:spTree>
-    <p:extLst>
-      <p:ext uri="{BB962C8B-B14F-4D97-AF65-F5344CB8AC3E}">
-        <p14:creationId xmlns:p14="http://schemas.microsoft.com/office/powerpoint/2010/main" val="1733299536"/>
-      </p:ext>
-    </p:extLst>
   </p:cSld>
   <p:clrMapOvr>
     <a:masterClrMapping/>
@@ -5807,108 +5411,52 @@
       </p:grpSpPr>
       <p:sp>
         <p:nvSpPr>
-          <p:cNvPr id="6" name="TextBox 5"/>
+          <p:cNvPr id="185" name="TextBox 5"/>
           <p:cNvSpPr txBox="1"/>
           <p:nvPr/>
         </p:nvSpPr>
         <p:spPr>
           <a:xfrm>
-            <a:off x="6237111" y="12728316"/>
-            <a:ext cx="13095111" cy="564257"/>
+            <a:off x="5644444" y="12724786"/>
+            <a:ext cx="13095112" cy="520937"/>
           </a:xfrm>
           <a:prstGeom prst="rect">
             <a:avLst/>
           </a:prstGeom>
-          <a:noFill/>
-          <a:ln w="12700" cap="flat">
-            <a:noFill/>
+          <a:ln w="12700">
             <a:miter lim="400000"/>
           </a:ln>
-          <a:effectLst/>
-          <a:sp3d/>
-        </p:spPr>
-        <p:style>
-          <a:lnRef idx="0">
-            <a:scrgbClr r="0" g="0" b="0"/>
-          </a:lnRef>
-          <a:fillRef idx="0">
-            <a:scrgbClr r="0" g="0" b="0"/>
-          </a:fillRef>
-          <a:effectRef idx="0">
-            <a:scrgbClr r="0" g="0" b="0"/>
-          </a:effectRef>
-          <a:fontRef idx="none"/>
-        </p:style>
-        <p:txBody>
-          <a:bodyPr rot="0" spcFirstLastPara="1" vertOverflow="overflow" horzOverflow="overflow" vert="horz" wrap="square" lIns="50800" tIns="50800" rIns="50800" bIns="50800" numCol="1" spcCol="38100" rtlCol="0" anchor="ctr">
+          <a:extLst>
+            <a:ext uri="{C572A759-6A51-4108-AA02-DFA0A04FC94B}">
+              <ma14:wrappingTextBoxFlag xmlns:ma14="http://schemas.microsoft.com/office/mac/drawingml/2011/main" xmlns:a14="http://schemas.microsoft.com/office/drawing/2010/main" xmlns:m="http://schemas.openxmlformats.org/officeDocument/2006/math" xmlns="" val="1"/>
+            </a:ext>
+          </a:extLst>
+        </p:spPr>
+        <p:txBody>
+          <a:bodyPr lIns="50800" tIns="50800" rIns="50800" bIns="50800" anchor="ctr">
             <a:spAutoFit/>
           </a:bodyPr>
-          <a:lstStyle/>
-          <a:p>
-            <a:pPr marL="0" marR="0" indent="0" algn="ctr" defTabSz="825500" rtl="0" fontAlgn="auto" latinLnBrk="0" hangingPunct="0">
-              <a:lnSpc>
-                <a:spcPct val="100000"/>
-              </a:lnSpc>
-              <a:spcBef>
-                <a:spcPts val="0"/>
-              </a:spcBef>
-              <a:spcAft>
-                <a:spcPts val="0"/>
-              </a:spcAft>
-              <a:buClrTx/>
-              <a:buSzTx/>
-              <a:buFontTx/>
-              <a:buNone/>
-              <a:tabLst/>
-            </a:pPr>
-            <a:r>
-              <a:rPr kumimoji="0" lang="en-US" sz="3000" b="1" i="0" u="none" strike="noStrike" cap="none" spc="0" normalizeH="0" baseline="0" dirty="0">
-                <a:ln>
-                  <a:noFill/>
-                </a:ln>
+          <a:lstStyle>
+            <a:lvl1pPr>
+              <a:defRPr b="1">
                 <a:solidFill>
-                  <a:srgbClr val="000000"/>
+                  <a:srgbClr val="5E5E5E"/>
                 </a:solidFill>
-                <a:effectLst/>
-                <a:uFillTx/>
-                <a:latin typeface="Liberation Sans" panose="020B0604020202020204" pitchFamily="34" charset="0"/>
-                <a:ea typeface="Liberation Sans" panose="020B0604020202020204" pitchFamily="34" charset="0"/>
-                <a:cs typeface="Liberation Sans" panose="020B0604020202020204" pitchFamily="34" charset="0"/>
-                <a:sym typeface="Helvetica Neue"/>
-              </a:rPr>
-              <a:t>Thi</a:t>
-            </a:r>
-            <a:r>
-              <a:rPr lang="en-US" dirty="0">
-                <a:latin typeface="Liberation Sans" panose="020B0604020202020204" pitchFamily="34" charset="0"/>
-                <a:ea typeface="Liberation Sans" panose="020B0604020202020204" pitchFamily="34" charset="0"/>
-                <a:cs typeface="Liberation Sans" panose="020B0604020202020204" pitchFamily="34" charset="0"/>
-              </a:rPr>
-              <a:t>s slide left blank for whiteboard</a:t>
-            </a:r>
-            <a:endParaRPr kumimoji="0" lang="en-US" sz="3000" b="1" i="0" u="none" strike="noStrike" cap="none" spc="0" normalizeH="0" baseline="0" dirty="0">
-              <a:ln>
-                <a:noFill/>
-              </a:ln>
-              <a:solidFill>
-                <a:srgbClr val="000000"/>
-              </a:solidFill>
-              <a:effectLst/>
-              <a:uFillTx/>
-              <a:latin typeface="Liberation Sans" panose="020B0604020202020204" pitchFamily="34" charset="0"/>
-              <a:ea typeface="Liberation Sans" panose="020B0604020202020204" pitchFamily="34" charset="0"/>
-              <a:cs typeface="Liberation Sans" panose="020B0604020202020204" pitchFamily="34" charset="0"/>
-              <a:sym typeface="Helvetica Neue"/>
-            </a:endParaRPr>
+                <a:latin typeface="LiberationSans-Bold"/>
+                <a:ea typeface="LiberationSans-Bold"/>
+                <a:cs typeface="LiberationSans-Bold"/>
+                <a:sym typeface="LiberationSans-Bold"/>
+              </a:defRPr>
+            </a:lvl1pPr>
+          </a:lstStyle>
+          <a:p>
+            <a:r>
+              <a:t>This slide left blank for whiteboard</a:t>
+            </a:r>
           </a:p>
         </p:txBody>
       </p:sp>
     </p:spTree>
-    <p:extLst>
-      <p:ext uri="{BB962C8B-B14F-4D97-AF65-F5344CB8AC3E}">
-        <p14:creationId xmlns:p14="http://schemas.microsoft.com/office/powerpoint/2010/main" val="297871317"/>
-      </p:ext>
-    </p:extLst>
   </p:cSld>
   <p:clrMapOvr>
     <a:masterClrMapping/>
@@ -5936,624 +5484,52 @@
       </p:grpSpPr>
       <p:sp>
         <p:nvSpPr>
-          <p:cNvPr id="6" name="TextBox 5"/>
+          <p:cNvPr id="187" name="TextBox 5"/>
           <p:cNvSpPr txBox="1"/>
           <p:nvPr/>
         </p:nvSpPr>
         <p:spPr>
           <a:xfrm>
-            <a:off x="6237111" y="12728316"/>
-            <a:ext cx="13095111" cy="564257"/>
+            <a:off x="5644444" y="12724786"/>
+            <a:ext cx="13095112" cy="520937"/>
           </a:xfrm>
           <a:prstGeom prst="rect">
             <a:avLst/>
           </a:prstGeom>
-          <a:noFill/>
-          <a:ln w="12700" cap="flat">
-            <a:noFill/>
+          <a:ln w="12700">
             <a:miter lim="400000"/>
           </a:ln>
-          <a:effectLst/>
-          <a:sp3d/>
-        </p:spPr>
-        <p:style>
-          <a:lnRef idx="0">
-            <a:scrgbClr r="0" g="0" b="0"/>
-          </a:lnRef>
-          <a:fillRef idx="0">
-            <a:scrgbClr r="0" g="0" b="0"/>
-          </a:fillRef>
-          <a:effectRef idx="0">
-            <a:scrgbClr r="0" g="0" b="0"/>
-          </a:effectRef>
-          <a:fontRef idx="none"/>
-        </p:style>
-        <p:txBody>
-          <a:bodyPr rot="0" spcFirstLastPara="1" vertOverflow="overflow" horzOverflow="overflow" vert="horz" wrap="square" lIns="50800" tIns="50800" rIns="50800" bIns="50800" numCol="1" spcCol="38100" rtlCol="0" anchor="ctr">
+          <a:extLst>
+            <a:ext uri="{C572A759-6A51-4108-AA02-DFA0A04FC94B}">
+              <ma14:wrappingTextBoxFlag xmlns:ma14="http://schemas.microsoft.com/office/mac/drawingml/2011/main" xmlns:a14="http://schemas.microsoft.com/office/drawing/2010/main" xmlns:m="http://schemas.openxmlformats.org/officeDocument/2006/math" xmlns="" val="1"/>
+            </a:ext>
+          </a:extLst>
+        </p:spPr>
+        <p:txBody>
+          <a:bodyPr lIns="50800" tIns="50800" rIns="50800" bIns="50800" anchor="ctr">
             <a:spAutoFit/>
           </a:bodyPr>
-          <a:lstStyle/>
-          <a:p>
-            <a:pPr marL="0" marR="0" indent="0" algn="ctr" defTabSz="825500" rtl="0" fontAlgn="auto" latinLnBrk="0" hangingPunct="0">
-              <a:lnSpc>
-                <a:spcPct val="100000"/>
-              </a:lnSpc>
-              <a:spcBef>
-                <a:spcPts val="0"/>
-              </a:spcBef>
-              <a:spcAft>
-                <a:spcPts val="0"/>
-              </a:spcAft>
-              <a:buClrTx/>
-              <a:buSzTx/>
-              <a:buFontTx/>
-              <a:buNone/>
-              <a:tabLst/>
-            </a:pPr>
-            <a:r>
-              <a:rPr kumimoji="0" lang="en-US" sz="3000" b="1" i="0" u="none" strike="noStrike" cap="none" spc="0" normalizeH="0" baseline="0" dirty="0">
-                <a:ln>
-                  <a:noFill/>
-                </a:ln>
+          <a:lstStyle>
+            <a:lvl1pPr>
+              <a:defRPr b="1">
                 <a:solidFill>
-                  <a:srgbClr val="000000"/>
+                  <a:srgbClr val="5E5E5E"/>
                 </a:solidFill>
-                <a:effectLst/>
-                <a:uFillTx/>
-                <a:latin typeface="Liberation Sans" panose="020B0604020202020204" pitchFamily="34" charset="0"/>
-                <a:ea typeface="Liberation Sans" panose="020B0604020202020204" pitchFamily="34" charset="0"/>
-                <a:cs typeface="Liberation Sans" panose="020B0604020202020204" pitchFamily="34" charset="0"/>
-                <a:sym typeface="Helvetica Neue"/>
-              </a:rPr>
-              <a:t>Thi</a:t>
-            </a:r>
-            <a:r>
-              <a:rPr lang="en-US" dirty="0">
-                <a:latin typeface="Liberation Sans" panose="020B0604020202020204" pitchFamily="34" charset="0"/>
-                <a:ea typeface="Liberation Sans" panose="020B0604020202020204" pitchFamily="34" charset="0"/>
-                <a:cs typeface="Liberation Sans" panose="020B0604020202020204" pitchFamily="34" charset="0"/>
-              </a:rPr>
-              <a:t>s slide left blank for whiteboard</a:t>
-            </a:r>
-            <a:endParaRPr kumimoji="0" lang="en-US" sz="3000" b="1" i="0" u="none" strike="noStrike" cap="none" spc="0" normalizeH="0" baseline="0" dirty="0">
-              <a:ln>
-                <a:noFill/>
-              </a:ln>
-              <a:solidFill>
-                <a:srgbClr val="000000"/>
-              </a:solidFill>
-              <a:effectLst/>
-              <a:uFillTx/>
-              <a:latin typeface="Liberation Sans" panose="020B0604020202020204" pitchFamily="34" charset="0"/>
-              <a:ea typeface="Liberation Sans" panose="020B0604020202020204" pitchFamily="34" charset="0"/>
-              <a:cs typeface="Liberation Sans" panose="020B0604020202020204" pitchFamily="34" charset="0"/>
-              <a:sym typeface="Helvetica Neue"/>
-            </a:endParaRPr>
+                <a:latin typeface="LiberationSans-Bold"/>
+                <a:ea typeface="LiberationSans-Bold"/>
+                <a:cs typeface="LiberationSans-Bold"/>
+                <a:sym typeface="LiberationSans-Bold"/>
+              </a:defRPr>
+            </a:lvl1pPr>
+          </a:lstStyle>
+          <a:p>
+            <a:r>
+              <a:t>This slide left blank for whiteboard</a:t>
+            </a:r>
           </a:p>
         </p:txBody>
       </p:sp>
     </p:spTree>
-    <p:extLst>
-      <p:ext uri="{BB962C8B-B14F-4D97-AF65-F5344CB8AC3E}">
-        <p14:creationId xmlns:p14="http://schemas.microsoft.com/office/powerpoint/2010/main" val="2116901369"/>
-      </p:ext>
-    </p:extLst>
-  </p:cSld>
-  <p:clrMapOvr>
-    <a:masterClrMapping/>
-  </p:clrMapOvr>
-  <p:transition spd="med"/>
-</p:sld>
-</file>
-
-<file path=ppt/slides/slide16.xml><?xml version="1.0" encoding="utf-8"?>
-<p:sld xmlns:a="http://schemas.openxmlformats.org/drawingml/2006/main" xmlns:r="http://schemas.openxmlformats.org/officeDocument/2006/relationships" xmlns:p="http://schemas.openxmlformats.org/presentationml/2006/main">
-  <p:cSld>
-    <p:spTree>
-      <p:nvGrpSpPr>
-        <p:cNvPr id="1" name=""/>
-        <p:cNvGrpSpPr/>
-        <p:nvPr/>
-      </p:nvGrpSpPr>
-      <p:grpSpPr>
-        <a:xfrm>
-          <a:off x="0" y="0"/>
-          <a:ext cx="0" cy="0"/>
-          <a:chOff x="0" y="0"/>
-          <a:chExt cx="0" cy="0"/>
-        </a:xfrm>
-      </p:grpSpPr>
-      <p:sp>
-        <p:nvSpPr>
-          <p:cNvPr id="6" name="TextBox 5"/>
-          <p:cNvSpPr txBox="1"/>
-          <p:nvPr/>
-        </p:nvSpPr>
-        <p:spPr>
-          <a:xfrm>
-            <a:off x="6237111" y="12728316"/>
-            <a:ext cx="13095111" cy="564257"/>
-          </a:xfrm>
-          <a:prstGeom prst="rect">
-            <a:avLst/>
-          </a:prstGeom>
-          <a:noFill/>
-          <a:ln w="12700" cap="flat">
-            <a:noFill/>
-            <a:miter lim="400000"/>
-          </a:ln>
-          <a:effectLst/>
-          <a:sp3d/>
-        </p:spPr>
-        <p:style>
-          <a:lnRef idx="0">
-            <a:scrgbClr r="0" g="0" b="0"/>
-          </a:lnRef>
-          <a:fillRef idx="0">
-            <a:scrgbClr r="0" g="0" b="0"/>
-          </a:fillRef>
-          <a:effectRef idx="0">
-            <a:scrgbClr r="0" g="0" b="0"/>
-          </a:effectRef>
-          <a:fontRef idx="none"/>
-        </p:style>
-        <p:txBody>
-          <a:bodyPr rot="0" spcFirstLastPara="1" vertOverflow="overflow" horzOverflow="overflow" vert="horz" wrap="square" lIns="50800" tIns="50800" rIns="50800" bIns="50800" numCol="1" spcCol="38100" rtlCol="0" anchor="ctr">
-            <a:spAutoFit/>
-          </a:bodyPr>
-          <a:lstStyle/>
-          <a:p>
-            <a:pPr marL="0" marR="0" indent="0" algn="ctr" defTabSz="825500" rtl="0" fontAlgn="auto" latinLnBrk="0" hangingPunct="0">
-              <a:lnSpc>
-                <a:spcPct val="100000"/>
-              </a:lnSpc>
-              <a:spcBef>
-                <a:spcPts val="0"/>
-              </a:spcBef>
-              <a:spcAft>
-                <a:spcPts val="0"/>
-              </a:spcAft>
-              <a:buClrTx/>
-              <a:buSzTx/>
-              <a:buFontTx/>
-              <a:buNone/>
-              <a:tabLst/>
-            </a:pPr>
-            <a:r>
-              <a:rPr kumimoji="0" lang="en-US" sz="3000" b="1" i="0" u="none" strike="noStrike" cap="none" spc="0" normalizeH="0" baseline="0" dirty="0">
-                <a:ln>
-                  <a:noFill/>
-                </a:ln>
-                <a:solidFill>
-                  <a:srgbClr val="000000"/>
-                </a:solidFill>
-                <a:effectLst/>
-                <a:uFillTx/>
-                <a:latin typeface="Liberation Sans" panose="020B0604020202020204" pitchFamily="34" charset="0"/>
-                <a:ea typeface="Liberation Sans" panose="020B0604020202020204" pitchFamily="34" charset="0"/>
-                <a:cs typeface="Liberation Sans" panose="020B0604020202020204" pitchFamily="34" charset="0"/>
-                <a:sym typeface="Helvetica Neue"/>
-              </a:rPr>
-              <a:t>Thi</a:t>
-            </a:r>
-            <a:r>
-              <a:rPr lang="en-US" dirty="0">
-                <a:latin typeface="Liberation Sans" panose="020B0604020202020204" pitchFamily="34" charset="0"/>
-                <a:ea typeface="Liberation Sans" panose="020B0604020202020204" pitchFamily="34" charset="0"/>
-                <a:cs typeface="Liberation Sans" panose="020B0604020202020204" pitchFamily="34" charset="0"/>
-              </a:rPr>
-              <a:t>s slide left blank for whiteboard</a:t>
-            </a:r>
-            <a:endParaRPr kumimoji="0" lang="en-US" sz="3000" b="1" i="0" u="none" strike="noStrike" cap="none" spc="0" normalizeH="0" baseline="0" dirty="0">
-              <a:ln>
-                <a:noFill/>
-              </a:ln>
-              <a:solidFill>
-                <a:srgbClr val="000000"/>
-              </a:solidFill>
-              <a:effectLst/>
-              <a:uFillTx/>
-              <a:latin typeface="Liberation Sans" panose="020B0604020202020204" pitchFamily="34" charset="0"/>
-              <a:ea typeface="Liberation Sans" panose="020B0604020202020204" pitchFamily="34" charset="0"/>
-              <a:cs typeface="Liberation Sans" panose="020B0604020202020204" pitchFamily="34" charset="0"/>
-              <a:sym typeface="Helvetica Neue"/>
-            </a:endParaRPr>
-          </a:p>
-        </p:txBody>
-      </p:sp>
-    </p:spTree>
-    <p:extLst>
-      <p:ext uri="{BB962C8B-B14F-4D97-AF65-F5344CB8AC3E}">
-        <p14:creationId xmlns:p14="http://schemas.microsoft.com/office/powerpoint/2010/main" val="1598076322"/>
-      </p:ext>
-    </p:extLst>
-  </p:cSld>
-  <p:clrMapOvr>
-    <a:masterClrMapping/>
-  </p:clrMapOvr>
-  <p:transition spd="med"/>
-</p:sld>
-</file>
-
-<file path=ppt/slides/slide17.xml><?xml version="1.0" encoding="utf-8"?>
-<p:sld xmlns:a="http://schemas.openxmlformats.org/drawingml/2006/main" xmlns:r="http://schemas.openxmlformats.org/officeDocument/2006/relationships" xmlns:p="http://schemas.openxmlformats.org/presentationml/2006/main">
-  <p:cSld>
-    <p:spTree>
-      <p:nvGrpSpPr>
-        <p:cNvPr id="1" name=""/>
-        <p:cNvGrpSpPr/>
-        <p:nvPr/>
-      </p:nvGrpSpPr>
-      <p:grpSpPr>
-        <a:xfrm>
-          <a:off x="0" y="0"/>
-          <a:ext cx="0" cy="0"/>
-          <a:chOff x="0" y="0"/>
-          <a:chExt cx="0" cy="0"/>
-        </a:xfrm>
-      </p:grpSpPr>
-      <p:sp>
-        <p:nvSpPr>
-          <p:cNvPr id="6" name="TextBox 5"/>
-          <p:cNvSpPr txBox="1"/>
-          <p:nvPr/>
-        </p:nvSpPr>
-        <p:spPr>
-          <a:xfrm>
-            <a:off x="6237111" y="12728316"/>
-            <a:ext cx="13095111" cy="564257"/>
-          </a:xfrm>
-          <a:prstGeom prst="rect">
-            <a:avLst/>
-          </a:prstGeom>
-          <a:noFill/>
-          <a:ln w="12700" cap="flat">
-            <a:noFill/>
-            <a:miter lim="400000"/>
-          </a:ln>
-          <a:effectLst/>
-          <a:sp3d/>
-        </p:spPr>
-        <p:style>
-          <a:lnRef idx="0">
-            <a:scrgbClr r="0" g="0" b="0"/>
-          </a:lnRef>
-          <a:fillRef idx="0">
-            <a:scrgbClr r="0" g="0" b="0"/>
-          </a:fillRef>
-          <a:effectRef idx="0">
-            <a:scrgbClr r="0" g="0" b="0"/>
-          </a:effectRef>
-          <a:fontRef idx="none"/>
-        </p:style>
-        <p:txBody>
-          <a:bodyPr rot="0" spcFirstLastPara="1" vertOverflow="overflow" horzOverflow="overflow" vert="horz" wrap="square" lIns="50800" tIns="50800" rIns="50800" bIns="50800" numCol="1" spcCol="38100" rtlCol="0" anchor="ctr">
-            <a:spAutoFit/>
-          </a:bodyPr>
-          <a:lstStyle/>
-          <a:p>
-            <a:pPr marL="0" marR="0" indent="0" algn="ctr" defTabSz="825500" rtl="0" fontAlgn="auto" latinLnBrk="0" hangingPunct="0">
-              <a:lnSpc>
-                <a:spcPct val="100000"/>
-              </a:lnSpc>
-              <a:spcBef>
-                <a:spcPts val="0"/>
-              </a:spcBef>
-              <a:spcAft>
-                <a:spcPts val="0"/>
-              </a:spcAft>
-              <a:buClrTx/>
-              <a:buSzTx/>
-              <a:buFontTx/>
-              <a:buNone/>
-              <a:tabLst/>
-            </a:pPr>
-            <a:r>
-              <a:rPr kumimoji="0" lang="en-US" sz="3000" b="1" i="0" u="none" strike="noStrike" cap="none" spc="0" normalizeH="0" baseline="0" dirty="0">
-                <a:ln>
-                  <a:noFill/>
-                </a:ln>
-                <a:solidFill>
-                  <a:srgbClr val="000000"/>
-                </a:solidFill>
-                <a:effectLst/>
-                <a:uFillTx/>
-                <a:latin typeface="Liberation Sans" panose="020B0604020202020204" pitchFamily="34" charset="0"/>
-                <a:ea typeface="Liberation Sans" panose="020B0604020202020204" pitchFamily="34" charset="0"/>
-                <a:cs typeface="Liberation Sans" panose="020B0604020202020204" pitchFamily="34" charset="0"/>
-                <a:sym typeface="Helvetica Neue"/>
-              </a:rPr>
-              <a:t>Thi</a:t>
-            </a:r>
-            <a:r>
-              <a:rPr lang="en-US" dirty="0">
-                <a:latin typeface="Liberation Sans" panose="020B0604020202020204" pitchFamily="34" charset="0"/>
-                <a:ea typeface="Liberation Sans" panose="020B0604020202020204" pitchFamily="34" charset="0"/>
-                <a:cs typeface="Liberation Sans" panose="020B0604020202020204" pitchFamily="34" charset="0"/>
-              </a:rPr>
-              <a:t>s slide left blank for whiteboard</a:t>
-            </a:r>
-            <a:endParaRPr kumimoji="0" lang="en-US" sz="3000" b="1" i="0" u="none" strike="noStrike" cap="none" spc="0" normalizeH="0" baseline="0" dirty="0">
-              <a:ln>
-                <a:noFill/>
-              </a:ln>
-              <a:solidFill>
-                <a:srgbClr val="000000"/>
-              </a:solidFill>
-              <a:effectLst/>
-              <a:uFillTx/>
-              <a:latin typeface="Liberation Sans" panose="020B0604020202020204" pitchFamily="34" charset="0"/>
-              <a:ea typeface="Liberation Sans" panose="020B0604020202020204" pitchFamily="34" charset="0"/>
-              <a:cs typeface="Liberation Sans" panose="020B0604020202020204" pitchFamily="34" charset="0"/>
-              <a:sym typeface="Helvetica Neue"/>
-            </a:endParaRPr>
-          </a:p>
-        </p:txBody>
-      </p:sp>
-    </p:spTree>
-    <p:extLst>
-      <p:ext uri="{BB962C8B-B14F-4D97-AF65-F5344CB8AC3E}">
-        <p14:creationId xmlns:p14="http://schemas.microsoft.com/office/powerpoint/2010/main" val="1932241636"/>
-      </p:ext>
-    </p:extLst>
-  </p:cSld>
-  <p:clrMapOvr>
-    <a:masterClrMapping/>
-  </p:clrMapOvr>
-  <p:transition spd="med"/>
-</p:sld>
-</file>
-
-<file path=ppt/slides/slide18.xml><?xml version="1.0" encoding="utf-8"?>
-<p:sld xmlns:a="http://schemas.openxmlformats.org/drawingml/2006/main" xmlns:r="http://schemas.openxmlformats.org/officeDocument/2006/relationships" xmlns:p="http://schemas.openxmlformats.org/presentationml/2006/main">
-  <p:cSld>
-    <p:spTree>
-      <p:nvGrpSpPr>
-        <p:cNvPr id="1" name=""/>
-        <p:cNvGrpSpPr/>
-        <p:nvPr/>
-      </p:nvGrpSpPr>
-      <p:grpSpPr>
-        <a:xfrm>
-          <a:off x="0" y="0"/>
-          <a:ext cx="0" cy="0"/>
-          <a:chOff x="0" y="0"/>
-          <a:chExt cx="0" cy="0"/>
-        </a:xfrm>
-      </p:grpSpPr>
-      <p:sp>
-        <p:nvSpPr>
-          <p:cNvPr id="6" name="TextBox 5"/>
-          <p:cNvSpPr txBox="1"/>
-          <p:nvPr/>
-        </p:nvSpPr>
-        <p:spPr>
-          <a:xfrm>
-            <a:off x="6237111" y="12728316"/>
-            <a:ext cx="13095111" cy="564257"/>
-          </a:xfrm>
-          <a:prstGeom prst="rect">
-            <a:avLst/>
-          </a:prstGeom>
-          <a:noFill/>
-          <a:ln w="12700" cap="flat">
-            <a:noFill/>
-            <a:miter lim="400000"/>
-          </a:ln>
-          <a:effectLst/>
-          <a:sp3d/>
-        </p:spPr>
-        <p:style>
-          <a:lnRef idx="0">
-            <a:scrgbClr r="0" g="0" b="0"/>
-          </a:lnRef>
-          <a:fillRef idx="0">
-            <a:scrgbClr r="0" g="0" b="0"/>
-          </a:fillRef>
-          <a:effectRef idx="0">
-            <a:scrgbClr r="0" g="0" b="0"/>
-          </a:effectRef>
-          <a:fontRef idx="none"/>
-        </p:style>
-        <p:txBody>
-          <a:bodyPr rot="0" spcFirstLastPara="1" vertOverflow="overflow" horzOverflow="overflow" vert="horz" wrap="square" lIns="50800" tIns="50800" rIns="50800" bIns="50800" numCol="1" spcCol="38100" rtlCol="0" anchor="ctr">
-            <a:spAutoFit/>
-          </a:bodyPr>
-          <a:lstStyle/>
-          <a:p>
-            <a:pPr marL="0" marR="0" indent="0" algn="ctr" defTabSz="825500" rtl="0" fontAlgn="auto" latinLnBrk="0" hangingPunct="0">
-              <a:lnSpc>
-                <a:spcPct val="100000"/>
-              </a:lnSpc>
-              <a:spcBef>
-                <a:spcPts val="0"/>
-              </a:spcBef>
-              <a:spcAft>
-                <a:spcPts val="0"/>
-              </a:spcAft>
-              <a:buClrTx/>
-              <a:buSzTx/>
-              <a:buFontTx/>
-              <a:buNone/>
-              <a:tabLst/>
-            </a:pPr>
-            <a:r>
-              <a:rPr kumimoji="0" lang="en-US" sz="3000" b="1" i="0" u="none" strike="noStrike" cap="none" spc="0" normalizeH="0" baseline="0" dirty="0">
-                <a:ln>
-                  <a:noFill/>
-                </a:ln>
-                <a:solidFill>
-                  <a:srgbClr val="000000"/>
-                </a:solidFill>
-                <a:effectLst/>
-                <a:uFillTx/>
-                <a:latin typeface="Liberation Sans" panose="020B0604020202020204" pitchFamily="34" charset="0"/>
-                <a:ea typeface="Liberation Sans" panose="020B0604020202020204" pitchFamily="34" charset="0"/>
-                <a:cs typeface="Liberation Sans" panose="020B0604020202020204" pitchFamily="34" charset="0"/>
-                <a:sym typeface="Helvetica Neue"/>
-              </a:rPr>
-              <a:t>Thi</a:t>
-            </a:r>
-            <a:r>
-              <a:rPr lang="en-US" dirty="0">
-                <a:latin typeface="Liberation Sans" panose="020B0604020202020204" pitchFamily="34" charset="0"/>
-                <a:ea typeface="Liberation Sans" panose="020B0604020202020204" pitchFamily="34" charset="0"/>
-                <a:cs typeface="Liberation Sans" panose="020B0604020202020204" pitchFamily="34" charset="0"/>
-              </a:rPr>
-              <a:t>s slide left blank for whiteboard</a:t>
-            </a:r>
-            <a:endParaRPr kumimoji="0" lang="en-US" sz="3000" b="1" i="0" u="none" strike="noStrike" cap="none" spc="0" normalizeH="0" baseline="0" dirty="0">
-              <a:ln>
-                <a:noFill/>
-              </a:ln>
-              <a:solidFill>
-                <a:srgbClr val="000000"/>
-              </a:solidFill>
-              <a:effectLst/>
-              <a:uFillTx/>
-              <a:latin typeface="Liberation Sans" panose="020B0604020202020204" pitchFamily="34" charset="0"/>
-              <a:ea typeface="Liberation Sans" panose="020B0604020202020204" pitchFamily="34" charset="0"/>
-              <a:cs typeface="Liberation Sans" panose="020B0604020202020204" pitchFamily="34" charset="0"/>
-              <a:sym typeface="Helvetica Neue"/>
-            </a:endParaRPr>
-          </a:p>
-        </p:txBody>
-      </p:sp>
-    </p:spTree>
-    <p:extLst>
-      <p:ext uri="{BB962C8B-B14F-4D97-AF65-F5344CB8AC3E}">
-        <p14:creationId xmlns:p14="http://schemas.microsoft.com/office/powerpoint/2010/main" val="1407162218"/>
-      </p:ext>
-    </p:extLst>
-  </p:cSld>
-  <p:clrMapOvr>
-    <a:masterClrMapping/>
-  </p:clrMapOvr>
-  <p:transition spd="med"/>
-</p:sld>
-</file>
-
-<file path=ppt/slides/slide19.xml><?xml version="1.0" encoding="utf-8"?>
-<p:sld xmlns:a="http://schemas.openxmlformats.org/drawingml/2006/main" xmlns:r="http://schemas.openxmlformats.org/officeDocument/2006/relationships" xmlns:p="http://schemas.openxmlformats.org/presentationml/2006/main">
-  <p:cSld>
-    <p:spTree>
-      <p:nvGrpSpPr>
-        <p:cNvPr id="1" name=""/>
-        <p:cNvGrpSpPr/>
-        <p:nvPr/>
-      </p:nvGrpSpPr>
-      <p:grpSpPr>
-        <a:xfrm>
-          <a:off x="0" y="0"/>
-          <a:ext cx="0" cy="0"/>
-          <a:chOff x="0" y="0"/>
-          <a:chExt cx="0" cy="0"/>
-        </a:xfrm>
-      </p:grpSpPr>
-      <p:sp>
-        <p:nvSpPr>
-          <p:cNvPr id="6" name="TextBox 5"/>
-          <p:cNvSpPr txBox="1"/>
-          <p:nvPr/>
-        </p:nvSpPr>
-        <p:spPr>
-          <a:xfrm>
-            <a:off x="6237111" y="12728316"/>
-            <a:ext cx="13095111" cy="564257"/>
-          </a:xfrm>
-          <a:prstGeom prst="rect">
-            <a:avLst/>
-          </a:prstGeom>
-          <a:noFill/>
-          <a:ln w="12700" cap="flat">
-            <a:noFill/>
-            <a:miter lim="400000"/>
-          </a:ln>
-          <a:effectLst/>
-          <a:sp3d/>
-        </p:spPr>
-        <p:style>
-          <a:lnRef idx="0">
-            <a:scrgbClr r="0" g="0" b="0"/>
-          </a:lnRef>
-          <a:fillRef idx="0">
-            <a:scrgbClr r="0" g="0" b="0"/>
-          </a:fillRef>
-          <a:effectRef idx="0">
-            <a:scrgbClr r="0" g="0" b="0"/>
-          </a:effectRef>
-          <a:fontRef idx="none"/>
-        </p:style>
-        <p:txBody>
-          <a:bodyPr rot="0" spcFirstLastPara="1" vertOverflow="overflow" horzOverflow="overflow" vert="horz" wrap="square" lIns="50800" tIns="50800" rIns="50800" bIns="50800" numCol="1" spcCol="38100" rtlCol="0" anchor="ctr">
-            <a:spAutoFit/>
-          </a:bodyPr>
-          <a:lstStyle/>
-          <a:p>
-            <a:pPr marL="0" marR="0" indent="0" algn="ctr" defTabSz="825500" rtl="0" fontAlgn="auto" latinLnBrk="0" hangingPunct="0">
-              <a:lnSpc>
-                <a:spcPct val="100000"/>
-              </a:lnSpc>
-              <a:spcBef>
-                <a:spcPts val="0"/>
-              </a:spcBef>
-              <a:spcAft>
-                <a:spcPts val="0"/>
-              </a:spcAft>
-              <a:buClrTx/>
-              <a:buSzTx/>
-              <a:buFontTx/>
-              <a:buNone/>
-              <a:tabLst/>
-            </a:pPr>
-            <a:r>
-              <a:rPr kumimoji="0" lang="en-US" sz="3000" b="1" i="0" u="none" strike="noStrike" cap="none" spc="0" normalizeH="0" baseline="0" dirty="0">
-                <a:ln>
-                  <a:noFill/>
-                </a:ln>
-                <a:solidFill>
-                  <a:srgbClr val="000000"/>
-                </a:solidFill>
-                <a:effectLst/>
-                <a:uFillTx/>
-                <a:latin typeface="Liberation Sans" panose="020B0604020202020204" pitchFamily="34" charset="0"/>
-                <a:ea typeface="Liberation Sans" panose="020B0604020202020204" pitchFamily="34" charset="0"/>
-                <a:cs typeface="Liberation Sans" panose="020B0604020202020204" pitchFamily="34" charset="0"/>
-                <a:sym typeface="Helvetica Neue"/>
-              </a:rPr>
-              <a:t>Thi</a:t>
-            </a:r>
-            <a:r>
-              <a:rPr lang="en-US" dirty="0">
-                <a:latin typeface="Liberation Sans" panose="020B0604020202020204" pitchFamily="34" charset="0"/>
-                <a:ea typeface="Liberation Sans" panose="020B0604020202020204" pitchFamily="34" charset="0"/>
-                <a:cs typeface="Liberation Sans" panose="020B0604020202020204" pitchFamily="34" charset="0"/>
-              </a:rPr>
-              <a:t>s slide left blank for whiteboard</a:t>
-            </a:r>
-            <a:endParaRPr kumimoji="0" lang="en-US" sz="3000" b="1" i="0" u="none" strike="noStrike" cap="none" spc="0" normalizeH="0" baseline="0" dirty="0">
-              <a:ln>
-                <a:noFill/>
-              </a:ln>
-              <a:solidFill>
-                <a:srgbClr val="000000"/>
-              </a:solidFill>
-              <a:effectLst/>
-              <a:uFillTx/>
-              <a:latin typeface="Liberation Sans" panose="020B0604020202020204" pitchFamily="34" charset="0"/>
-              <a:ea typeface="Liberation Sans" panose="020B0604020202020204" pitchFamily="34" charset="0"/>
-              <a:cs typeface="Liberation Sans" panose="020B0604020202020204" pitchFamily="34" charset="0"/>
-              <a:sym typeface="Helvetica Neue"/>
-            </a:endParaRPr>
-          </a:p>
-        </p:txBody>
-      </p:sp>
-    </p:spTree>
-    <p:extLst>
-      <p:ext uri="{BB962C8B-B14F-4D97-AF65-F5344CB8AC3E}">
-        <p14:creationId xmlns:p14="http://schemas.microsoft.com/office/powerpoint/2010/main" val="3261057755"/>
-      </p:ext>
-    </p:extLst>
   </p:cSld>
   <p:clrMapOvr>
     <a:masterClrMapping/>
@@ -6581,237 +5557,52 @@
       </p:grpSpPr>
       <p:sp>
         <p:nvSpPr>
-          <p:cNvPr id="6" name="TextBox 5"/>
+          <p:cNvPr id="161" name="TextBox 5"/>
           <p:cNvSpPr txBox="1"/>
           <p:nvPr/>
         </p:nvSpPr>
         <p:spPr>
           <a:xfrm>
-            <a:off x="6237111" y="12728316"/>
-            <a:ext cx="13095111" cy="564257"/>
+            <a:off x="5644444" y="12724786"/>
+            <a:ext cx="13095112" cy="520937"/>
           </a:xfrm>
           <a:prstGeom prst="rect">
             <a:avLst/>
           </a:prstGeom>
-          <a:noFill/>
-          <a:ln w="12700" cap="flat">
-            <a:noFill/>
+          <a:ln w="12700">
             <a:miter lim="400000"/>
           </a:ln>
-          <a:effectLst/>
-          <a:sp3d/>
-        </p:spPr>
-        <p:style>
-          <a:lnRef idx="0">
-            <a:scrgbClr r="0" g="0" b="0"/>
-          </a:lnRef>
-          <a:fillRef idx="0">
-            <a:scrgbClr r="0" g="0" b="0"/>
-          </a:fillRef>
-          <a:effectRef idx="0">
-            <a:scrgbClr r="0" g="0" b="0"/>
-          </a:effectRef>
-          <a:fontRef idx="none"/>
-        </p:style>
-        <p:txBody>
-          <a:bodyPr rot="0" spcFirstLastPara="1" vertOverflow="overflow" horzOverflow="overflow" vert="horz" wrap="square" lIns="50800" tIns="50800" rIns="50800" bIns="50800" numCol="1" spcCol="38100" rtlCol="0" anchor="ctr">
+          <a:extLst>
+            <a:ext uri="{C572A759-6A51-4108-AA02-DFA0A04FC94B}">
+              <ma14:wrappingTextBoxFlag xmlns:ma14="http://schemas.microsoft.com/office/mac/drawingml/2011/main" xmlns:a14="http://schemas.microsoft.com/office/drawing/2010/main" xmlns:m="http://schemas.openxmlformats.org/officeDocument/2006/math" xmlns="" val="1"/>
+            </a:ext>
+          </a:extLst>
+        </p:spPr>
+        <p:txBody>
+          <a:bodyPr lIns="50800" tIns="50800" rIns="50800" bIns="50800" anchor="ctr">
             <a:spAutoFit/>
           </a:bodyPr>
-          <a:lstStyle/>
-          <a:p>
-            <a:pPr marL="0" marR="0" indent="0" algn="ctr" defTabSz="825500" rtl="0" fontAlgn="auto" latinLnBrk="0" hangingPunct="0">
-              <a:lnSpc>
-                <a:spcPct val="100000"/>
-              </a:lnSpc>
-              <a:spcBef>
-                <a:spcPts val="0"/>
-              </a:spcBef>
-              <a:spcAft>
-                <a:spcPts val="0"/>
-              </a:spcAft>
-              <a:buClrTx/>
-              <a:buSzTx/>
-              <a:buFontTx/>
-              <a:buNone/>
-              <a:tabLst/>
-            </a:pPr>
-            <a:r>
-              <a:rPr kumimoji="0" lang="en-US" sz="3000" b="1" i="0" u="none" strike="noStrike" cap="none" spc="0" normalizeH="0" baseline="0" dirty="0">
-                <a:ln>
-                  <a:noFill/>
-                </a:ln>
+          <a:lstStyle>
+            <a:lvl1pPr>
+              <a:defRPr b="1">
                 <a:solidFill>
-                  <a:srgbClr val="000000"/>
+                  <a:srgbClr val="5E5E5E"/>
                 </a:solidFill>
-                <a:effectLst/>
-                <a:uFillTx/>
-                <a:latin typeface="Liberation Sans" panose="020B0604020202020204" pitchFamily="34" charset="0"/>
-                <a:ea typeface="Liberation Sans" panose="020B0604020202020204" pitchFamily="34" charset="0"/>
-                <a:cs typeface="Liberation Sans" panose="020B0604020202020204" pitchFamily="34" charset="0"/>
-                <a:sym typeface="Helvetica Neue"/>
-              </a:rPr>
-              <a:t>Thi</a:t>
-            </a:r>
-            <a:r>
-              <a:rPr lang="en-US" dirty="0">
-                <a:latin typeface="Liberation Sans" panose="020B0604020202020204" pitchFamily="34" charset="0"/>
-                <a:ea typeface="Liberation Sans" panose="020B0604020202020204" pitchFamily="34" charset="0"/>
-                <a:cs typeface="Liberation Sans" panose="020B0604020202020204" pitchFamily="34" charset="0"/>
-              </a:rPr>
-              <a:t>s slide left blank for whiteboard</a:t>
-            </a:r>
-            <a:endParaRPr kumimoji="0" lang="en-US" sz="3000" b="1" i="0" u="none" strike="noStrike" cap="none" spc="0" normalizeH="0" baseline="0" dirty="0">
-              <a:ln>
-                <a:noFill/>
-              </a:ln>
-              <a:solidFill>
-                <a:srgbClr val="000000"/>
-              </a:solidFill>
-              <a:effectLst/>
-              <a:uFillTx/>
-              <a:latin typeface="Liberation Sans" panose="020B0604020202020204" pitchFamily="34" charset="0"/>
-              <a:ea typeface="Liberation Sans" panose="020B0604020202020204" pitchFamily="34" charset="0"/>
-              <a:cs typeface="Liberation Sans" panose="020B0604020202020204" pitchFamily="34" charset="0"/>
-              <a:sym typeface="Helvetica Neue"/>
-            </a:endParaRPr>
+                <a:latin typeface="LiberationSans-Bold"/>
+                <a:ea typeface="LiberationSans-Bold"/>
+                <a:cs typeface="LiberationSans-Bold"/>
+                <a:sym typeface="LiberationSans-Bold"/>
+              </a:defRPr>
+            </a:lvl1pPr>
+          </a:lstStyle>
+          <a:p>
+            <a:r>
+              <a:t>This slide left blank for whiteboard</a:t>
+            </a:r>
           </a:p>
         </p:txBody>
       </p:sp>
     </p:spTree>
-    <p:extLst>
-      <p:ext uri="{BB962C8B-B14F-4D97-AF65-F5344CB8AC3E}">
-        <p14:creationId xmlns:p14="http://schemas.microsoft.com/office/powerpoint/2010/main" val="2227736033"/>
-      </p:ext>
-    </p:extLst>
-  </p:cSld>
-  <p:clrMapOvr>
-    <a:masterClrMapping/>
-  </p:clrMapOvr>
-  <p:transition spd="med"/>
-</p:sld>
-</file>
-
-<file path=ppt/slides/slide20.xml><?xml version="1.0" encoding="utf-8"?>
-<p:sld xmlns:a="http://schemas.openxmlformats.org/drawingml/2006/main" xmlns:r="http://schemas.openxmlformats.org/officeDocument/2006/relationships" xmlns:p="http://schemas.openxmlformats.org/presentationml/2006/main">
-  <p:cSld>
-    <p:spTree>
-      <p:nvGrpSpPr>
-        <p:cNvPr id="1" name=""/>
-        <p:cNvGrpSpPr/>
-        <p:nvPr/>
-      </p:nvGrpSpPr>
-      <p:grpSpPr>
-        <a:xfrm>
-          <a:off x="0" y="0"/>
-          <a:ext cx="0" cy="0"/>
-          <a:chOff x="0" y="0"/>
-          <a:chExt cx="0" cy="0"/>
-        </a:xfrm>
-      </p:grpSpPr>
-      <p:sp>
-        <p:nvSpPr>
-          <p:cNvPr id="6" name="TextBox 5"/>
-          <p:cNvSpPr txBox="1"/>
-          <p:nvPr/>
-        </p:nvSpPr>
-        <p:spPr>
-          <a:xfrm>
-            <a:off x="6237111" y="12728316"/>
-            <a:ext cx="13095111" cy="564257"/>
-          </a:xfrm>
-          <a:prstGeom prst="rect">
-            <a:avLst/>
-          </a:prstGeom>
-          <a:noFill/>
-          <a:ln w="12700" cap="flat">
-            <a:noFill/>
-            <a:miter lim="400000"/>
-          </a:ln>
-          <a:effectLst/>
-          <a:sp3d/>
-        </p:spPr>
-        <p:style>
-          <a:lnRef idx="0">
-            <a:scrgbClr r="0" g="0" b="0"/>
-          </a:lnRef>
-          <a:fillRef idx="0">
-            <a:scrgbClr r="0" g="0" b="0"/>
-          </a:fillRef>
-          <a:effectRef idx="0">
-            <a:scrgbClr r="0" g="0" b="0"/>
-          </a:effectRef>
-          <a:fontRef idx="none"/>
-        </p:style>
-        <p:txBody>
-          <a:bodyPr rot="0" spcFirstLastPara="1" vertOverflow="overflow" horzOverflow="overflow" vert="horz" wrap="square" lIns="50800" tIns="50800" rIns="50800" bIns="50800" numCol="1" spcCol="38100" rtlCol="0" anchor="ctr">
-            <a:spAutoFit/>
-          </a:bodyPr>
-          <a:lstStyle/>
-          <a:p>
-            <a:pPr marL="0" marR="0" indent="0" algn="ctr" defTabSz="825500" rtl="0" fontAlgn="auto" latinLnBrk="0" hangingPunct="0">
-              <a:lnSpc>
-                <a:spcPct val="100000"/>
-              </a:lnSpc>
-              <a:spcBef>
-                <a:spcPts val="0"/>
-              </a:spcBef>
-              <a:spcAft>
-                <a:spcPts val="0"/>
-              </a:spcAft>
-              <a:buClrTx/>
-              <a:buSzTx/>
-              <a:buFontTx/>
-              <a:buNone/>
-              <a:tabLst/>
-            </a:pPr>
-            <a:r>
-              <a:rPr kumimoji="0" lang="en-US" sz="3000" b="1" i="0" u="none" strike="noStrike" cap="none" spc="0" normalizeH="0" baseline="0" dirty="0">
-                <a:ln>
-                  <a:noFill/>
-                </a:ln>
-                <a:solidFill>
-                  <a:srgbClr val="000000"/>
-                </a:solidFill>
-                <a:effectLst/>
-                <a:uFillTx/>
-                <a:latin typeface="Liberation Sans" panose="020B0604020202020204" pitchFamily="34" charset="0"/>
-                <a:ea typeface="Liberation Sans" panose="020B0604020202020204" pitchFamily="34" charset="0"/>
-                <a:cs typeface="Liberation Sans" panose="020B0604020202020204" pitchFamily="34" charset="0"/>
-                <a:sym typeface="Helvetica Neue"/>
-              </a:rPr>
-              <a:t>Thi</a:t>
-            </a:r>
-            <a:r>
-              <a:rPr lang="en-US" dirty="0">
-                <a:latin typeface="Liberation Sans" panose="020B0604020202020204" pitchFamily="34" charset="0"/>
-                <a:ea typeface="Liberation Sans" panose="020B0604020202020204" pitchFamily="34" charset="0"/>
-                <a:cs typeface="Liberation Sans" panose="020B0604020202020204" pitchFamily="34" charset="0"/>
-              </a:rPr>
-              <a:t>s slide left blank for whiteboard</a:t>
-            </a:r>
-            <a:endParaRPr kumimoji="0" lang="en-US" sz="3000" b="1" i="0" u="none" strike="noStrike" cap="none" spc="0" normalizeH="0" baseline="0" dirty="0">
-              <a:ln>
-                <a:noFill/>
-              </a:ln>
-              <a:solidFill>
-                <a:srgbClr val="000000"/>
-              </a:solidFill>
-              <a:effectLst/>
-              <a:uFillTx/>
-              <a:latin typeface="Liberation Sans" panose="020B0604020202020204" pitchFamily="34" charset="0"/>
-              <a:ea typeface="Liberation Sans" panose="020B0604020202020204" pitchFamily="34" charset="0"/>
-              <a:cs typeface="Liberation Sans" panose="020B0604020202020204" pitchFamily="34" charset="0"/>
-              <a:sym typeface="Helvetica Neue"/>
-            </a:endParaRPr>
-          </a:p>
-        </p:txBody>
-      </p:sp>
-    </p:spTree>
-    <p:extLst>
-      <p:ext uri="{BB962C8B-B14F-4D97-AF65-F5344CB8AC3E}">
-        <p14:creationId xmlns:p14="http://schemas.microsoft.com/office/powerpoint/2010/main" val="1980653225"/>
-      </p:ext>
-    </p:extLst>
   </p:cSld>
   <p:clrMapOvr>
     <a:masterClrMapping/>
@@ -6839,108 +5630,52 @@
       </p:grpSpPr>
       <p:sp>
         <p:nvSpPr>
-          <p:cNvPr id="6" name="TextBox 5"/>
+          <p:cNvPr id="163" name="TextBox 5"/>
           <p:cNvSpPr txBox="1"/>
           <p:nvPr/>
         </p:nvSpPr>
         <p:spPr>
           <a:xfrm>
-            <a:off x="6237111" y="12728316"/>
-            <a:ext cx="13095111" cy="564257"/>
+            <a:off x="5644444" y="12724786"/>
+            <a:ext cx="13095112" cy="520937"/>
           </a:xfrm>
           <a:prstGeom prst="rect">
             <a:avLst/>
           </a:prstGeom>
-          <a:noFill/>
-          <a:ln w="12700" cap="flat">
-            <a:noFill/>
+          <a:ln w="12700">
             <a:miter lim="400000"/>
           </a:ln>
-          <a:effectLst/>
-          <a:sp3d/>
-        </p:spPr>
-        <p:style>
-          <a:lnRef idx="0">
-            <a:scrgbClr r="0" g="0" b="0"/>
-          </a:lnRef>
-          <a:fillRef idx="0">
-            <a:scrgbClr r="0" g="0" b="0"/>
-          </a:fillRef>
-          <a:effectRef idx="0">
-            <a:scrgbClr r="0" g="0" b="0"/>
-          </a:effectRef>
-          <a:fontRef idx="none"/>
-        </p:style>
-        <p:txBody>
-          <a:bodyPr rot="0" spcFirstLastPara="1" vertOverflow="overflow" horzOverflow="overflow" vert="horz" wrap="square" lIns="50800" tIns="50800" rIns="50800" bIns="50800" numCol="1" spcCol="38100" rtlCol="0" anchor="ctr">
+          <a:extLst>
+            <a:ext uri="{C572A759-6A51-4108-AA02-DFA0A04FC94B}">
+              <ma14:wrappingTextBoxFlag xmlns:ma14="http://schemas.microsoft.com/office/mac/drawingml/2011/main" xmlns:a14="http://schemas.microsoft.com/office/drawing/2010/main" xmlns:m="http://schemas.openxmlformats.org/officeDocument/2006/math" xmlns="" val="1"/>
+            </a:ext>
+          </a:extLst>
+        </p:spPr>
+        <p:txBody>
+          <a:bodyPr lIns="50800" tIns="50800" rIns="50800" bIns="50800" anchor="ctr">
             <a:spAutoFit/>
           </a:bodyPr>
-          <a:lstStyle/>
-          <a:p>
-            <a:pPr marL="0" marR="0" indent="0" algn="ctr" defTabSz="825500" rtl="0" fontAlgn="auto" latinLnBrk="0" hangingPunct="0">
-              <a:lnSpc>
-                <a:spcPct val="100000"/>
-              </a:lnSpc>
-              <a:spcBef>
-                <a:spcPts val="0"/>
-              </a:spcBef>
-              <a:spcAft>
-                <a:spcPts val="0"/>
-              </a:spcAft>
-              <a:buClrTx/>
-              <a:buSzTx/>
-              <a:buFontTx/>
-              <a:buNone/>
-              <a:tabLst/>
-            </a:pPr>
-            <a:r>
-              <a:rPr kumimoji="0" lang="en-US" sz="3000" b="1" i="0" u="none" strike="noStrike" cap="none" spc="0" normalizeH="0" baseline="0" dirty="0">
-                <a:ln>
-                  <a:noFill/>
-                </a:ln>
+          <a:lstStyle>
+            <a:lvl1pPr>
+              <a:defRPr b="1">
                 <a:solidFill>
-                  <a:srgbClr val="000000"/>
+                  <a:srgbClr val="5E5E5E"/>
                 </a:solidFill>
-                <a:effectLst/>
-                <a:uFillTx/>
-                <a:latin typeface="Liberation Sans" panose="020B0604020202020204" pitchFamily="34" charset="0"/>
-                <a:ea typeface="Liberation Sans" panose="020B0604020202020204" pitchFamily="34" charset="0"/>
-                <a:cs typeface="Liberation Sans" panose="020B0604020202020204" pitchFamily="34" charset="0"/>
-                <a:sym typeface="Helvetica Neue"/>
-              </a:rPr>
-              <a:t>Thi</a:t>
-            </a:r>
-            <a:r>
-              <a:rPr lang="en-US" dirty="0">
-                <a:latin typeface="Liberation Sans" panose="020B0604020202020204" pitchFamily="34" charset="0"/>
-                <a:ea typeface="Liberation Sans" panose="020B0604020202020204" pitchFamily="34" charset="0"/>
-                <a:cs typeface="Liberation Sans" panose="020B0604020202020204" pitchFamily="34" charset="0"/>
-              </a:rPr>
-              <a:t>s slide left blank for whiteboard</a:t>
-            </a:r>
-            <a:endParaRPr kumimoji="0" lang="en-US" sz="3000" b="1" i="0" u="none" strike="noStrike" cap="none" spc="0" normalizeH="0" baseline="0" dirty="0">
-              <a:ln>
-                <a:noFill/>
-              </a:ln>
-              <a:solidFill>
-                <a:srgbClr val="000000"/>
-              </a:solidFill>
-              <a:effectLst/>
-              <a:uFillTx/>
-              <a:latin typeface="Liberation Sans" panose="020B0604020202020204" pitchFamily="34" charset="0"/>
-              <a:ea typeface="Liberation Sans" panose="020B0604020202020204" pitchFamily="34" charset="0"/>
-              <a:cs typeface="Liberation Sans" panose="020B0604020202020204" pitchFamily="34" charset="0"/>
-              <a:sym typeface="Helvetica Neue"/>
-            </a:endParaRPr>
+                <a:latin typeface="LiberationSans-Bold"/>
+                <a:ea typeface="LiberationSans-Bold"/>
+                <a:cs typeface="LiberationSans-Bold"/>
+                <a:sym typeface="LiberationSans-Bold"/>
+              </a:defRPr>
+            </a:lvl1pPr>
+          </a:lstStyle>
+          <a:p>
+            <a:r>
+              <a:t>This slide left blank for whiteboard</a:t>
+            </a:r>
           </a:p>
         </p:txBody>
       </p:sp>
     </p:spTree>
-    <p:extLst>
-      <p:ext uri="{BB962C8B-B14F-4D97-AF65-F5344CB8AC3E}">
-        <p14:creationId xmlns:p14="http://schemas.microsoft.com/office/powerpoint/2010/main" val="340530087"/>
-      </p:ext>
-    </p:extLst>
   </p:cSld>
   <p:clrMapOvr>
     <a:masterClrMapping/>
@@ -6968,108 +5703,52 @@
       </p:grpSpPr>
       <p:sp>
         <p:nvSpPr>
-          <p:cNvPr id="6" name="TextBox 5"/>
+          <p:cNvPr id="165" name="TextBox 5"/>
           <p:cNvSpPr txBox="1"/>
           <p:nvPr/>
         </p:nvSpPr>
         <p:spPr>
           <a:xfrm>
-            <a:off x="6237111" y="12728316"/>
-            <a:ext cx="13095111" cy="564257"/>
+            <a:off x="5644444" y="12724786"/>
+            <a:ext cx="13095112" cy="520937"/>
           </a:xfrm>
           <a:prstGeom prst="rect">
             <a:avLst/>
           </a:prstGeom>
-          <a:noFill/>
-          <a:ln w="12700" cap="flat">
-            <a:noFill/>
+          <a:ln w="12700">
             <a:miter lim="400000"/>
           </a:ln>
-          <a:effectLst/>
-          <a:sp3d/>
-        </p:spPr>
-        <p:style>
-          <a:lnRef idx="0">
-            <a:scrgbClr r="0" g="0" b="0"/>
-          </a:lnRef>
-          <a:fillRef idx="0">
-            <a:scrgbClr r="0" g="0" b="0"/>
-          </a:fillRef>
-          <a:effectRef idx="0">
-            <a:scrgbClr r="0" g="0" b="0"/>
-          </a:effectRef>
-          <a:fontRef idx="none"/>
-        </p:style>
-        <p:txBody>
-          <a:bodyPr rot="0" spcFirstLastPara="1" vertOverflow="overflow" horzOverflow="overflow" vert="horz" wrap="square" lIns="50800" tIns="50800" rIns="50800" bIns="50800" numCol="1" spcCol="38100" rtlCol="0" anchor="ctr">
+          <a:extLst>
+            <a:ext uri="{C572A759-6A51-4108-AA02-DFA0A04FC94B}">
+              <ma14:wrappingTextBoxFlag xmlns:ma14="http://schemas.microsoft.com/office/mac/drawingml/2011/main" xmlns:a14="http://schemas.microsoft.com/office/drawing/2010/main" xmlns:m="http://schemas.openxmlformats.org/officeDocument/2006/math" xmlns="" val="1"/>
+            </a:ext>
+          </a:extLst>
+        </p:spPr>
+        <p:txBody>
+          <a:bodyPr lIns="50800" tIns="50800" rIns="50800" bIns="50800" anchor="ctr">
             <a:spAutoFit/>
           </a:bodyPr>
-          <a:lstStyle/>
-          <a:p>
-            <a:pPr marL="0" marR="0" indent="0" algn="ctr" defTabSz="825500" rtl="0" fontAlgn="auto" latinLnBrk="0" hangingPunct="0">
-              <a:lnSpc>
-                <a:spcPct val="100000"/>
-              </a:lnSpc>
-              <a:spcBef>
-                <a:spcPts val="0"/>
-              </a:spcBef>
-              <a:spcAft>
-                <a:spcPts val="0"/>
-              </a:spcAft>
-              <a:buClrTx/>
-              <a:buSzTx/>
-              <a:buFontTx/>
-              <a:buNone/>
-              <a:tabLst/>
-            </a:pPr>
-            <a:r>
-              <a:rPr kumimoji="0" lang="en-US" sz="3000" b="1" i="0" u="none" strike="noStrike" cap="none" spc="0" normalizeH="0" baseline="0" dirty="0">
-                <a:ln>
-                  <a:noFill/>
-                </a:ln>
+          <a:lstStyle>
+            <a:lvl1pPr>
+              <a:defRPr b="1">
                 <a:solidFill>
-                  <a:srgbClr val="000000"/>
+                  <a:srgbClr val="5E5E5E"/>
                 </a:solidFill>
-                <a:effectLst/>
-                <a:uFillTx/>
-                <a:latin typeface="Liberation Sans" panose="020B0604020202020204" pitchFamily="34" charset="0"/>
-                <a:ea typeface="Liberation Sans" panose="020B0604020202020204" pitchFamily="34" charset="0"/>
-                <a:cs typeface="Liberation Sans" panose="020B0604020202020204" pitchFamily="34" charset="0"/>
-                <a:sym typeface="Helvetica Neue"/>
-              </a:rPr>
-              <a:t>Thi</a:t>
-            </a:r>
-            <a:r>
-              <a:rPr lang="en-US" dirty="0">
-                <a:latin typeface="Liberation Sans" panose="020B0604020202020204" pitchFamily="34" charset="0"/>
-                <a:ea typeface="Liberation Sans" panose="020B0604020202020204" pitchFamily="34" charset="0"/>
-                <a:cs typeface="Liberation Sans" panose="020B0604020202020204" pitchFamily="34" charset="0"/>
-              </a:rPr>
-              <a:t>s slide left blank for whiteboard</a:t>
-            </a:r>
-            <a:endParaRPr kumimoji="0" lang="en-US" sz="3000" b="1" i="0" u="none" strike="noStrike" cap="none" spc="0" normalizeH="0" baseline="0" dirty="0">
-              <a:ln>
-                <a:noFill/>
-              </a:ln>
-              <a:solidFill>
-                <a:srgbClr val="000000"/>
-              </a:solidFill>
-              <a:effectLst/>
-              <a:uFillTx/>
-              <a:latin typeface="Liberation Sans" panose="020B0604020202020204" pitchFamily="34" charset="0"/>
-              <a:ea typeface="Liberation Sans" panose="020B0604020202020204" pitchFamily="34" charset="0"/>
-              <a:cs typeface="Liberation Sans" panose="020B0604020202020204" pitchFamily="34" charset="0"/>
-              <a:sym typeface="Helvetica Neue"/>
-            </a:endParaRPr>
+                <a:latin typeface="LiberationSans-Bold"/>
+                <a:ea typeface="LiberationSans-Bold"/>
+                <a:cs typeface="LiberationSans-Bold"/>
+                <a:sym typeface="LiberationSans-Bold"/>
+              </a:defRPr>
+            </a:lvl1pPr>
+          </a:lstStyle>
+          <a:p>
+            <a:r>
+              <a:t>This slide left blank for whiteboard</a:t>
+            </a:r>
           </a:p>
         </p:txBody>
       </p:sp>
     </p:spTree>
-    <p:extLst>
-      <p:ext uri="{BB962C8B-B14F-4D97-AF65-F5344CB8AC3E}">
-        <p14:creationId xmlns:p14="http://schemas.microsoft.com/office/powerpoint/2010/main" val="2698087620"/>
-      </p:ext>
-    </p:extLst>
   </p:cSld>
   <p:clrMapOvr>
     <a:masterClrMapping/>
@@ -7097,108 +5776,52 @@
       </p:grpSpPr>
       <p:sp>
         <p:nvSpPr>
-          <p:cNvPr id="6" name="TextBox 5"/>
+          <p:cNvPr id="167" name="TextBox 5"/>
           <p:cNvSpPr txBox="1"/>
           <p:nvPr/>
         </p:nvSpPr>
         <p:spPr>
           <a:xfrm>
-            <a:off x="6237111" y="12728316"/>
-            <a:ext cx="13095111" cy="564257"/>
+            <a:off x="5644444" y="12724786"/>
+            <a:ext cx="13095112" cy="520937"/>
           </a:xfrm>
           <a:prstGeom prst="rect">
             <a:avLst/>
           </a:prstGeom>
-          <a:noFill/>
-          <a:ln w="12700" cap="flat">
-            <a:noFill/>
+          <a:ln w="12700">
             <a:miter lim="400000"/>
           </a:ln>
-          <a:effectLst/>
-          <a:sp3d/>
-        </p:spPr>
-        <p:style>
-          <a:lnRef idx="0">
-            <a:scrgbClr r="0" g="0" b="0"/>
-          </a:lnRef>
-          <a:fillRef idx="0">
-            <a:scrgbClr r="0" g="0" b="0"/>
-          </a:fillRef>
-          <a:effectRef idx="0">
-            <a:scrgbClr r="0" g="0" b="0"/>
-          </a:effectRef>
-          <a:fontRef idx="none"/>
-        </p:style>
-        <p:txBody>
-          <a:bodyPr rot="0" spcFirstLastPara="1" vertOverflow="overflow" horzOverflow="overflow" vert="horz" wrap="square" lIns="50800" tIns="50800" rIns="50800" bIns="50800" numCol="1" spcCol="38100" rtlCol="0" anchor="ctr">
+          <a:extLst>
+            <a:ext uri="{C572A759-6A51-4108-AA02-DFA0A04FC94B}">
+              <ma14:wrappingTextBoxFlag xmlns:ma14="http://schemas.microsoft.com/office/mac/drawingml/2011/main" xmlns:a14="http://schemas.microsoft.com/office/drawing/2010/main" xmlns:m="http://schemas.openxmlformats.org/officeDocument/2006/math" xmlns="" val="1"/>
+            </a:ext>
+          </a:extLst>
+        </p:spPr>
+        <p:txBody>
+          <a:bodyPr lIns="50800" tIns="50800" rIns="50800" bIns="50800" anchor="ctr">
             <a:spAutoFit/>
           </a:bodyPr>
-          <a:lstStyle/>
-          <a:p>
-            <a:pPr marL="0" marR="0" indent="0" algn="ctr" defTabSz="825500" rtl="0" fontAlgn="auto" latinLnBrk="0" hangingPunct="0">
-              <a:lnSpc>
-                <a:spcPct val="100000"/>
-              </a:lnSpc>
-              <a:spcBef>
-                <a:spcPts val="0"/>
-              </a:spcBef>
-              <a:spcAft>
-                <a:spcPts val="0"/>
-              </a:spcAft>
-              <a:buClrTx/>
-              <a:buSzTx/>
-              <a:buFontTx/>
-              <a:buNone/>
-              <a:tabLst/>
-            </a:pPr>
-            <a:r>
-              <a:rPr kumimoji="0" lang="en-US" sz="3000" b="1" i="0" u="none" strike="noStrike" cap="none" spc="0" normalizeH="0" baseline="0" dirty="0">
-                <a:ln>
-                  <a:noFill/>
-                </a:ln>
+          <a:lstStyle>
+            <a:lvl1pPr>
+              <a:defRPr b="1">
                 <a:solidFill>
-                  <a:srgbClr val="000000"/>
+                  <a:srgbClr val="5E5E5E"/>
                 </a:solidFill>
-                <a:effectLst/>
-                <a:uFillTx/>
-                <a:latin typeface="Liberation Sans" panose="020B0604020202020204" pitchFamily="34" charset="0"/>
-                <a:ea typeface="Liberation Sans" panose="020B0604020202020204" pitchFamily="34" charset="0"/>
-                <a:cs typeface="Liberation Sans" panose="020B0604020202020204" pitchFamily="34" charset="0"/>
-                <a:sym typeface="Helvetica Neue"/>
-              </a:rPr>
-              <a:t>Thi</a:t>
-            </a:r>
-            <a:r>
-              <a:rPr lang="en-US" dirty="0">
-                <a:latin typeface="Liberation Sans" panose="020B0604020202020204" pitchFamily="34" charset="0"/>
-                <a:ea typeface="Liberation Sans" panose="020B0604020202020204" pitchFamily="34" charset="0"/>
-                <a:cs typeface="Liberation Sans" panose="020B0604020202020204" pitchFamily="34" charset="0"/>
-              </a:rPr>
-              <a:t>s slide left blank for whiteboard</a:t>
-            </a:r>
-            <a:endParaRPr kumimoji="0" lang="en-US" sz="3000" b="1" i="0" u="none" strike="noStrike" cap="none" spc="0" normalizeH="0" baseline="0" dirty="0">
-              <a:ln>
-                <a:noFill/>
-              </a:ln>
-              <a:solidFill>
-                <a:srgbClr val="000000"/>
-              </a:solidFill>
-              <a:effectLst/>
-              <a:uFillTx/>
-              <a:latin typeface="Liberation Sans" panose="020B0604020202020204" pitchFamily="34" charset="0"/>
-              <a:ea typeface="Liberation Sans" panose="020B0604020202020204" pitchFamily="34" charset="0"/>
-              <a:cs typeface="Liberation Sans" panose="020B0604020202020204" pitchFamily="34" charset="0"/>
-              <a:sym typeface="Helvetica Neue"/>
-            </a:endParaRPr>
+                <a:latin typeface="LiberationSans-Bold"/>
+                <a:ea typeface="LiberationSans-Bold"/>
+                <a:cs typeface="LiberationSans-Bold"/>
+                <a:sym typeface="LiberationSans-Bold"/>
+              </a:defRPr>
+            </a:lvl1pPr>
+          </a:lstStyle>
+          <a:p>
+            <a:r>
+              <a:t>This slide left blank for whiteboard</a:t>
+            </a:r>
           </a:p>
         </p:txBody>
       </p:sp>
     </p:spTree>
-    <p:extLst>
-      <p:ext uri="{BB962C8B-B14F-4D97-AF65-F5344CB8AC3E}">
-        <p14:creationId xmlns:p14="http://schemas.microsoft.com/office/powerpoint/2010/main" val="3318810206"/>
-      </p:ext>
-    </p:extLst>
   </p:cSld>
   <p:clrMapOvr>
     <a:masterClrMapping/>
@@ -7226,108 +5849,52 @@
       </p:grpSpPr>
       <p:sp>
         <p:nvSpPr>
-          <p:cNvPr id="6" name="TextBox 5"/>
+          <p:cNvPr id="169" name="TextBox 5"/>
           <p:cNvSpPr txBox="1"/>
           <p:nvPr/>
         </p:nvSpPr>
         <p:spPr>
           <a:xfrm>
-            <a:off x="6237111" y="12728316"/>
-            <a:ext cx="13095111" cy="564257"/>
+            <a:off x="5644444" y="12724786"/>
+            <a:ext cx="13095112" cy="520937"/>
           </a:xfrm>
           <a:prstGeom prst="rect">
             <a:avLst/>
           </a:prstGeom>
-          <a:noFill/>
-          <a:ln w="12700" cap="flat">
-            <a:noFill/>
+          <a:ln w="12700">
             <a:miter lim="400000"/>
           </a:ln>
-          <a:effectLst/>
-          <a:sp3d/>
-        </p:spPr>
-        <p:style>
-          <a:lnRef idx="0">
-            <a:scrgbClr r="0" g="0" b="0"/>
-          </a:lnRef>
-          <a:fillRef idx="0">
-            <a:scrgbClr r="0" g="0" b="0"/>
-          </a:fillRef>
-          <a:effectRef idx="0">
-            <a:scrgbClr r="0" g="0" b="0"/>
-          </a:effectRef>
-          <a:fontRef idx="none"/>
-        </p:style>
-        <p:txBody>
-          <a:bodyPr rot="0" spcFirstLastPara="1" vertOverflow="overflow" horzOverflow="overflow" vert="horz" wrap="square" lIns="50800" tIns="50800" rIns="50800" bIns="50800" numCol="1" spcCol="38100" rtlCol="0" anchor="ctr">
+          <a:extLst>
+            <a:ext uri="{C572A759-6A51-4108-AA02-DFA0A04FC94B}">
+              <ma14:wrappingTextBoxFlag xmlns:ma14="http://schemas.microsoft.com/office/mac/drawingml/2011/main" xmlns:a14="http://schemas.microsoft.com/office/drawing/2010/main" xmlns:m="http://schemas.openxmlformats.org/officeDocument/2006/math" xmlns="" val="1"/>
+            </a:ext>
+          </a:extLst>
+        </p:spPr>
+        <p:txBody>
+          <a:bodyPr lIns="50800" tIns="50800" rIns="50800" bIns="50800" anchor="ctr">
             <a:spAutoFit/>
           </a:bodyPr>
-          <a:lstStyle/>
-          <a:p>
-            <a:pPr marL="0" marR="0" indent="0" algn="ctr" defTabSz="825500" rtl="0" fontAlgn="auto" latinLnBrk="0" hangingPunct="0">
-              <a:lnSpc>
-                <a:spcPct val="100000"/>
-              </a:lnSpc>
-              <a:spcBef>
-                <a:spcPts val="0"/>
-              </a:spcBef>
-              <a:spcAft>
-                <a:spcPts val="0"/>
-              </a:spcAft>
-              <a:buClrTx/>
-              <a:buSzTx/>
-              <a:buFontTx/>
-              <a:buNone/>
-              <a:tabLst/>
-            </a:pPr>
-            <a:r>
-              <a:rPr kumimoji="0" lang="en-US" sz="3000" b="1" i="0" u="none" strike="noStrike" cap="none" spc="0" normalizeH="0" baseline="0" dirty="0">
-                <a:ln>
-                  <a:noFill/>
-                </a:ln>
+          <a:lstStyle>
+            <a:lvl1pPr>
+              <a:defRPr b="1">
                 <a:solidFill>
-                  <a:srgbClr val="000000"/>
+                  <a:srgbClr val="5E5E5E"/>
                 </a:solidFill>
-                <a:effectLst/>
-                <a:uFillTx/>
-                <a:latin typeface="Liberation Sans" panose="020B0604020202020204" pitchFamily="34" charset="0"/>
-                <a:ea typeface="Liberation Sans" panose="020B0604020202020204" pitchFamily="34" charset="0"/>
-                <a:cs typeface="Liberation Sans" panose="020B0604020202020204" pitchFamily="34" charset="0"/>
-                <a:sym typeface="Helvetica Neue"/>
-              </a:rPr>
-              <a:t>Thi</a:t>
-            </a:r>
-            <a:r>
-              <a:rPr lang="en-US" dirty="0">
-                <a:latin typeface="Liberation Sans" panose="020B0604020202020204" pitchFamily="34" charset="0"/>
-                <a:ea typeface="Liberation Sans" panose="020B0604020202020204" pitchFamily="34" charset="0"/>
-                <a:cs typeface="Liberation Sans" panose="020B0604020202020204" pitchFamily="34" charset="0"/>
-              </a:rPr>
-              <a:t>s slide left blank for whiteboard</a:t>
-            </a:r>
-            <a:endParaRPr kumimoji="0" lang="en-US" sz="3000" b="1" i="0" u="none" strike="noStrike" cap="none" spc="0" normalizeH="0" baseline="0" dirty="0">
-              <a:ln>
-                <a:noFill/>
-              </a:ln>
-              <a:solidFill>
-                <a:srgbClr val="000000"/>
-              </a:solidFill>
-              <a:effectLst/>
-              <a:uFillTx/>
-              <a:latin typeface="Liberation Sans" panose="020B0604020202020204" pitchFamily="34" charset="0"/>
-              <a:ea typeface="Liberation Sans" panose="020B0604020202020204" pitchFamily="34" charset="0"/>
-              <a:cs typeface="Liberation Sans" panose="020B0604020202020204" pitchFamily="34" charset="0"/>
-              <a:sym typeface="Helvetica Neue"/>
-            </a:endParaRPr>
+                <a:latin typeface="LiberationSans-Bold"/>
+                <a:ea typeface="LiberationSans-Bold"/>
+                <a:cs typeface="LiberationSans-Bold"/>
+                <a:sym typeface="LiberationSans-Bold"/>
+              </a:defRPr>
+            </a:lvl1pPr>
+          </a:lstStyle>
+          <a:p>
+            <a:r>
+              <a:t>This slide left blank for whiteboard</a:t>
+            </a:r>
           </a:p>
         </p:txBody>
       </p:sp>
     </p:spTree>
-    <p:extLst>
-      <p:ext uri="{BB962C8B-B14F-4D97-AF65-F5344CB8AC3E}">
-        <p14:creationId xmlns:p14="http://schemas.microsoft.com/office/powerpoint/2010/main" val="1643866065"/>
-      </p:ext>
-    </p:extLst>
   </p:cSld>
   <p:clrMapOvr>
     <a:masterClrMapping/>
@@ -7355,108 +5922,52 @@
       </p:grpSpPr>
       <p:sp>
         <p:nvSpPr>
-          <p:cNvPr id="6" name="TextBox 5"/>
+          <p:cNvPr id="171" name="TextBox 5"/>
           <p:cNvSpPr txBox="1"/>
           <p:nvPr/>
         </p:nvSpPr>
         <p:spPr>
           <a:xfrm>
-            <a:off x="6237111" y="12728316"/>
-            <a:ext cx="13095111" cy="564257"/>
+            <a:off x="5644444" y="12724786"/>
+            <a:ext cx="13095112" cy="520937"/>
           </a:xfrm>
           <a:prstGeom prst="rect">
             <a:avLst/>
           </a:prstGeom>
-          <a:noFill/>
-          <a:ln w="12700" cap="flat">
-            <a:noFill/>
+          <a:ln w="12700">
             <a:miter lim="400000"/>
           </a:ln>
-          <a:effectLst/>
-          <a:sp3d/>
-        </p:spPr>
-        <p:style>
-          <a:lnRef idx="0">
-            <a:scrgbClr r="0" g="0" b="0"/>
-          </a:lnRef>
-          <a:fillRef idx="0">
-            <a:scrgbClr r="0" g="0" b="0"/>
-          </a:fillRef>
-          <a:effectRef idx="0">
-            <a:scrgbClr r="0" g="0" b="0"/>
-          </a:effectRef>
-          <a:fontRef idx="none"/>
-        </p:style>
-        <p:txBody>
-          <a:bodyPr rot="0" spcFirstLastPara="1" vertOverflow="overflow" horzOverflow="overflow" vert="horz" wrap="square" lIns="50800" tIns="50800" rIns="50800" bIns="50800" numCol="1" spcCol="38100" rtlCol="0" anchor="ctr">
+          <a:extLst>
+            <a:ext uri="{C572A759-6A51-4108-AA02-DFA0A04FC94B}">
+              <ma14:wrappingTextBoxFlag xmlns:ma14="http://schemas.microsoft.com/office/mac/drawingml/2011/main" xmlns:a14="http://schemas.microsoft.com/office/drawing/2010/main" xmlns:m="http://schemas.openxmlformats.org/officeDocument/2006/math" xmlns="" val="1"/>
+            </a:ext>
+          </a:extLst>
+        </p:spPr>
+        <p:txBody>
+          <a:bodyPr lIns="50800" tIns="50800" rIns="50800" bIns="50800" anchor="ctr">
             <a:spAutoFit/>
           </a:bodyPr>
-          <a:lstStyle/>
-          <a:p>
-            <a:pPr marL="0" marR="0" indent="0" algn="ctr" defTabSz="825500" rtl="0" fontAlgn="auto" latinLnBrk="0" hangingPunct="0">
-              <a:lnSpc>
-                <a:spcPct val="100000"/>
-              </a:lnSpc>
-              <a:spcBef>
-                <a:spcPts val="0"/>
-              </a:spcBef>
-              <a:spcAft>
-                <a:spcPts val="0"/>
-              </a:spcAft>
-              <a:buClrTx/>
-              <a:buSzTx/>
-              <a:buFontTx/>
-              <a:buNone/>
-              <a:tabLst/>
-            </a:pPr>
-            <a:r>
-              <a:rPr kumimoji="0" lang="en-US" sz="3000" b="1" i="0" u="none" strike="noStrike" cap="none" spc="0" normalizeH="0" baseline="0" dirty="0">
-                <a:ln>
-                  <a:noFill/>
-                </a:ln>
+          <a:lstStyle>
+            <a:lvl1pPr>
+              <a:defRPr b="1">
                 <a:solidFill>
-                  <a:srgbClr val="000000"/>
+                  <a:srgbClr val="5E5E5E"/>
                 </a:solidFill>
-                <a:effectLst/>
-                <a:uFillTx/>
-                <a:latin typeface="Liberation Sans" panose="020B0604020202020204" pitchFamily="34" charset="0"/>
-                <a:ea typeface="Liberation Sans" panose="020B0604020202020204" pitchFamily="34" charset="0"/>
-                <a:cs typeface="Liberation Sans" panose="020B0604020202020204" pitchFamily="34" charset="0"/>
-                <a:sym typeface="Helvetica Neue"/>
-              </a:rPr>
-              <a:t>Thi</a:t>
-            </a:r>
-            <a:r>
-              <a:rPr lang="en-US" dirty="0">
-                <a:latin typeface="Liberation Sans" panose="020B0604020202020204" pitchFamily="34" charset="0"/>
-                <a:ea typeface="Liberation Sans" panose="020B0604020202020204" pitchFamily="34" charset="0"/>
-                <a:cs typeface="Liberation Sans" panose="020B0604020202020204" pitchFamily="34" charset="0"/>
-              </a:rPr>
-              <a:t>s slide left blank for whiteboard</a:t>
-            </a:r>
-            <a:endParaRPr kumimoji="0" lang="en-US" sz="3000" b="1" i="0" u="none" strike="noStrike" cap="none" spc="0" normalizeH="0" baseline="0" dirty="0">
-              <a:ln>
-                <a:noFill/>
-              </a:ln>
-              <a:solidFill>
-                <a:srgbClr val="000000"/>
-              </a:solidFill>
-              <a:effectLst/>
-              <a:uFillTx/>
-              <a:latin typeface="Liberation Sans" panose="020B0604020202020204" pitchFamily="34" charset="0"/>
-              <a:ea typeface="Liberation Sans" panose="020B0604020202020204" pitchFamily="34" charset="0"/>
-              <a:cs typeface="Liberation Sans" panose="020B0604020202020204" pitchFamily="34" charset="0"/>
-              <a:sym typeface="Helvetica Neue"/>
-            </a:endParaRPr>
+                <a:latin typeface="LiberationSans-Bold"/>
+                <a:ea typeface="LiberationSans-Bold"/>
+                <a:cs typeface="LiberationSans-Bold"/>
+                <a:sym typeface="LiberationSans-Bold"/>
+              </a:defRPr>
+            </a:lvl1pPr>
+          </a:lstStyle>
+          <a:p>
+            <a:r>
+              <a:t>This slide left blank for whiteboard</a:t>
+            </a:r>
           </a:p>
         </p:txBody>
       </p:sp>
     </p:spTree>
-    <p:extLst>
-      <p:ext uri="{BB962C8B-B14F-4D97-AF65-F5344CB8AC3E}">
-        <p14:creationId xmlns:p14="http://schemas.microsoft.com/office/powerpoint/2010/main" val="3612121779"/>
-      </p:ext>
-    </p:extLst>
   </p:cSld>
   <p:clrMapOvr>
     <a:masterClrMapping/>
@@ -7484,108 +5995,52 @@
       </p:grpSpPr>
       <p:sp>
         <p:nvSpPr>
-          <p:cNvPr id="6" name="TextBox 5"/>
+          <p:cNvPr id="173" name="TextBox 5"/>
           <p:cNvSpPr txBox="1"/>
           <p:nvPr/>
         </p:nvSpPr>
         <p:spPr>
           <a:xfrm>
-            <a:off x="6237111" y="12728316"/>
-            <a:ext cx="13095111" cy="564257"/>
+            <a:off x="5644444" y="12724786"/>
+            <a:ext cx="13095112" cy="520937"/>
           </a:xfrm>
           <a:prstGeom prst="rect">
             <a:avLst/>
           </a:prstGeom>
-          <a:noFill/>
-          <a:ln w="12700" cap="flat">
-            <a:noFill/>
+          <a:ln w="12700">
             <a:miter lim="400000"/>
           </a:ln>
-          <a:effectLst/>
-          <a:sp3d/>
-        </p:spPr>
-        <p:style>
-          <a:lnRef idx="0">
-            <a:scrgbClr r="0" g="0" b="0"/>
-          </a:lnRef>
-          <a:fillRef idx="0">
-            <a:scrgbClr r="0" g="0" b="0"/>
-          </a:fillRef>
-          <a:effectRef idx="0">
-            <a:scrgbClr r="0" g="0" b="0"/>
-          </a:effectRef>
-          <a:fontRef idx="none"/>
-        </p:style>
-        <p:txBody>
-          <a:bodyPr rot="0" spcFirstLastPara="1" vertOverflow="overflow" horzOverflow="overflow" vert="horz" wrap="square" lIns="50800" tIns="50800" rIns="50800" bIns="50800" numCol="1" spcCol="38100" rtlCol="0" anchor="ctr">
+          <a:extLst>
+            <a:ext uri="{C572A759-6A51-4108-AA02-DFA0A04FC94B}">
+              <ma14:wrappingTextBoxFlag xmlns:ma14="http://schemas.microsoft.com/office/mac/drawingml/2011/main" xmlns:a14="http://schemas.microsoft.com/office/drawing/2010/main" xmlns:m="http://schemas.openxmlformats.org/officeDocument/2006/math" xmlns="" val="1"/>
+            </a:ext>
+          </a:extLst>
+        </p:spPr>
+        <p:txBody>
+          <a:bodyPr lIns="50800" tIns="50800" rIns="50800" bIns="50800" anchor="ctr">
             <a:spAutoFit/>
           </a:bodyPr>
-          <a:lstStyle/>
-          <a:p>
-            <a:pPr marL="0" marR="0" indent="0" algn="ctr" defTabSz="825500" rtl="0" fontAlgn="auto" latinLnBrk="0" hangingPunct="0">
-              <a:lnSpc>
-                <a:spcPct val="100000"/>
-              </a:lnSpc>
-              <a:spcBef>
-                <a:spcPts val="0"/>
-              </a:spcBef>
-              <a:spcAft>
-                <a:spcPts val="0"/>
-              </a:spcAft>
-              <a:buClrTx/>
-              <a:buSzTx/>
-              <a:buFontTx/>
-              <a:buNone/>
-              <a:tabLst/>
-            </a:pPr>
-            <a:r>
-              <a:rPr kumimoji="0" lang="en-US" sz="3000" b="1" i="0" u="none" strike="noStrike" cap="none" spc="0" normalizeH="0" baseline="0" dirty="0">
-                <a:ln>
-                  <a:noFill/>
-                </a:ln>
+          <a:lstStyle>
+            <a:lvl1pPr>
+              <a:defRPr b="1">
                 <a:solidFill>
-                  <a:srgbClr val="000000"/>
+                  <a:srgbClr val="5E5E5E"/>
                 </a:solidFill>
-                <a:effectLst/>
-                <a:uFillTx/>
-                <a:latin typeface="Liberation Sans" panose="020B0604020202020204" pitchFamily="34" charset="0"/>
-                <a:ea typeface="Liberation Sans" panose="020B0604020202020204" pitchFamily="34" charset="0"/>
-                <a:cs typeface="Liberation Sans" panose="020B0604020202020204" pitchFamily="34" charset="0"/>
-                <a:sym typeface="Helvetica Neue"/>
-              </a:rPr>
-              <a:t>Thi</a:t>
-            </a:r>
-            <a:r>
-              <a:rPr lang="en-US" dirty="0">
-                <a:latin typeface="Liberation Sans" panose="020B0604020202020204" pitchFamily="34" charset="0"/>
-                <a:ea typeface="Liberation Sans" panose="020B0604020202020204" pitchFamily="34" charset="0"/>
-                <a:cs typeface="Liberation Sans" panose="020B0604020202020204" pitchFamily="34" charset="0"/>
-              </a:rPr>
-              <a:t>s slide left blank for whiteboard</a:t>
-            </a:r>
-            <a:endParaRPr kumimoji="0" lang="en-US" sz="3000" b="1" i="0" u="none" strike="noStrike" cap="none" spc="0" normalizeH="0" baseline="0" dirty="0">
-              <a:ln>
-                <a:noFill/>
-              </a:ln>
-              <a:solidFill>
-                <a:srgbClr val="000000"/>
-              </a:solidFill>
-              <a:effectLst/>
-              <a:uFillTx/>
-              <a:latin typeface="Liberation Sans" panose="020B0604020202020204" pitchFamily="34" charset="0"/>
-              <a:ea typeface="Liberation Sans" panose="020B0604020202020204" pitchFamily="34" charset="0"/>
-              <a:cs typeface="Liberation Sans" panose="020B0604020202020204" pitchFamily="34" charset="0"/>
-              <a:sym typeface="Helvetica Neue"/>
-            </a:endParaRPr>
+                <a:latin typeface="LiberationSans-Bold"/>
+                <a:ea typeface="LiberationSans-Bold"/>
+                <a:cs typeface="LiberationSans-Bold"/>
+                <a:sym typeface="LiberationSans-Bold"/>
+              </a:defRPr>
+            </a:lvl1pPr>
+          </a:lstStyle>
+          <a:p>
+            <a:r>
+              <a:t>This slide left blank for whiteboard</a:t>
+            </a:r>
           </a:p>
         </p:txBody>
       </p:sp>
     </p:spTree>
-    <p:extLst>
-      <p:ext uri="{BB962C8B-B14F-4D97-AF65-F5344CB8AC3E}">
-        <p14:creationId xmlns:p14="http://schemas.microsoft.com/office/powerpoint/2010/main" val="1938561764"/>
-      </p:ext>
-    </p:extLst>
   </p:cSld>
   <p:clrMapOvr>
     <a:masterClrMapping/>
@@ -7613,108 +6068,52 @@
       </p:grpSpPr>
       <p:sp>
         <p:nvSpPr>
-          <p:cNvPr id="6" name="TextBox 5"/>
+          <p:cNvPr id="175" name="TextBox 5"/>
           <p:cNvSpPr txBox="1"/>
           <p:nvPr/>
         </p:nvSpPr>
         <p:spPr>
           <a:xfrm>
-            <a:off x="6237111" y="12728316"/>
-            <a:ext cx="13095111" cy="564257"/>
+            <a:off x="5644444" y="12724786"/>
+            <a:ext cx="13095112" cy="520937"/>
           </a:xfrm>
           <a:prstGeom prst="rect">
             <a:avLst/>
           </a:prstGeom>
-          <a:noFill/>
-          <a:ln w="12700" cap="flat">
-            <a:noFill/>
+          <a:ln w="12700">
             <a:miter lim="400000"/>
           </a:ln>
-          <a:effectLst/>
-          <a:sp3d/>
-        </p:spPr>
-        <p:style>
-          <a:lnRef idx="0">
-            <a:scrgbClr r="0" g="0" b="0"/>
-          </a:lnRef>
-          <a:fillRef idx="0">
-            <a:scrgbClr r="0" g="0" b="0"/>
-          </a:fillRef>
-          <a:effectRef idx="0">
-            <a:scrgbClr r="0" g="0" b="0"/>
-          </a:effectRef>
-          <a:fontRef idx="none"/>
-        </p:style>
-        <p:txBody>
-          <a:bodyPr rot="0" spcFirstLastPara="1" vertOverflow="overflow" horzOverflow="overflow" vert="horz" wrap="square" lIns="50800" tIns="50800" rIns="50800" bIns="50800" numCol="1" spcCol="38100" rtlCol="0" anchor="ctr">
+          <a:extLst>
+            <a:ext uri="{C572A759-6A51-4108-AA02-DFA0A04FC94B}">
+              <ma14:wrappingTextBoxFlag xmlns:ma14="http://schemas.microsoft.com/office/mac/drawingml/2011/main" xmlns:a14="http://schemas.microsoft.com/office/drawing/2010/main" xmlns:m="http://schemas.openxmlformats.org/officeDocument/2006/math" xmlns="" val="1"/>
+            </a:ext>
+          </a:extLst>
+        </p:spPr>
+        <p:txBody>
+          <a:bodyPr lIns="50800" tIns="50800" rIns="50800" bIns="50800" anchor="ctr">
             <a:spAutoFit/>
           </a:bodyPr>
-          <a:lstStyle/>
-          <a:p>
-            <a:pPr marL="0" marR="0" indent="0" algn="ctr" defTabSz="825500" rtl="0" fontAlgn="auto" latinLnBrk="0" hangingPunct="0">
-              <a:lnSpc>
-                <a:spcPct val="100000"/>
-              </a:lnSpc>
-              <a:spcBef>
-                <a:spcPts val="0"/>
-              </a:spcBef>
-              <a:spcAft>
-                <a:spcPts val="0"/>
-              </a:spcAft>
-              <a:buClrTx/>
-              <a:buSzTx/>
-              <a:buFontTx/>
-              <a:buNone/>
-              <a:tabLst/>
-            </a:pPr>
-            <a:r>
-              <a:rPr kumimoji="0" lang="en-US" sz="3000" b="1" i="0" u="none" strike="noStrike" cap="none" spc="0" normalizeH="0" baseline="0" dirty="0">
-                <a:ln>
-                  <a:noFill/>
-                </a:ln>
+          <a:lstStyle>
+            <a:lvl1pPr>
+              <a:defRPr b="1">
                 <a:solidFill>
-                  <a:srgbClr val="000000"/>
+                  <a:srgbClr val="5E5E5E"/>
                 </a:solidFill>
-                <a:effectLst/>
-                <a:uFillTx/>
-                <a:latin typeface="Liberation Sans" panose="020B0604020202020204" pitchFamily="34" charset="0"/>
-                <a:ea typeface="Liberation Sans" panose="020B0604020202020204" pitchFamily="34" charset="0"/>
-                <a:cs typeface="Liberation Sans" panose="020B0604020202020204" pitchFamily="34" charset="0"/>
-                <a:sym typeface="Helvetica Neue"/>
-              </a:rPr>
-              <a:t>Thi</a:t>
-            </a:r>
-            <a:r>
-              <a:rPr lang="en-US" dirty="0">
-                <a:latin typeface="Liberation Sans" panose="020B0604020202020204" pitchFamily="34" charset="0"/>
-                <a:ea typeface="Liberation Sans" panose="020B0604020202020204" pitchFamily="34" charset="0"/>
-                <a:cs typeface="Liberation Sans" panose="020B0604020202020204" pitchFamily="34" charset="0"/>
-              </a:rPr>
-              <a:t>s slide left blank for whiteboard</a:t>
-            </a:r>
-            <a:endParaRPr kumimoji="0" lang="en-US" sz="3000" b="1" i="0" u="none" strike="noStrike" cap="none" spc="0" normalizeH="0" baseline="0" dirty="0">
-              <a:ln>
-                <a:noFill/>
-              </a:ln>
-              <a:solidFill>
-                <a:srgbClr val="000000"/>
-              </a:solidFill>
-              <a:effectLst/>
-              <a:uFillTx/>
-              <a:latin typeface="Liberation Sans" panose="020B0604020202020204" pitchFamily="34" charset="0"/>
-              <a:ea typeface="Liberation Sans" panose="020B0604020202020204" pitchFamily="34" charset="0"/>
-              <a:cs typeface="Liberation Sans" panose="020B0604020202020204" pitchFamily="34" charset="0"/>
-              <a:sym typeface="Helvetica Neue"/>
-            </a:endParaRPr>
+                <a:latin typeface="LiberationSans-Bold"/>
+                <a:ea typeface="LiberationSans-Bold"/>
+                <a:cs typeface="LiberationSans-Bold"/>
+                <a:sym typeface="LiberationSans-Bold"/>
+              </a:defRPr>
+            </a:lvl1pPr>
+          </a:lstStyle>
+          <a:p>
+            <a:r>
+              <a:t>This slide left blank for whiteboard</a:t>
+            </a:r>
           </a:p>
         </p:txBody>
       </p:sp>
     </p:spTree>
-    <p:extLst>
-      <p:ext uri="{BB962C8B-B14F-4D97-AF65-F5344CB8AC3E}">
-        <p14:creationId xmlns:p14="http://schemas.microsoft.com/office/powerpoint/2010/main" val="1493203562"/>
-      </p:ext>
-    </p:extLst>
   </p:cSld>
   <p:clrMapOvr>
     <a:masterClrMapping/>
@@ -7734,10 +6133,10 @@
         <a:srgbClr val="FFFFFF"/>
       </a:lt1>
       <a:dk2>
-        <a:srgbClr val="5E5E5E"/>
+        <a:srgbClr val="A7A7A7"/>
       </a:dk2>
       <a:lt2>
-        <a:srgbClr val="D5D5D5"/>
+        <a:srgbClr val="535353"/>
       </a:lt2>
       <a:accent1>
         <a:srgbClr val="00A2FF"/>
@@ -7766,14 +6165,14 @@
     </a:clrScheme>
     <a:fontScheme name="White">
       <a:majorFont>
-        <a:latin typeface="Helvetica Neue Medium"/>
-        <a:ea typeface="Helvetica Neue Medium"/>
-        <a:cs typeface="Helvetica Neue Medium"/>
+        <a:latin typeface="Helvetica Neue"/>
+        <a:ea typeface="Helvetica Neue"/>
+        <a:cs typeface="Helvetica Neue"/>
       </a:majorFont>
       <a:minorFont>
-        <a:latin typeface="Helvetica Neue Medium"/>
-        <a:ea typeface="Helvetica Neue Medium"/>
-        <a:cs typeface="Helvetica Neue Medium"/>
+        <a:latin typeface="Helvetica"/>
+        <a:ea typeface="Helvetica"/>
+        <a:cs typeface="Helvetica"/>
       </a:minorFont>
     </a:fontScheme>
     <a:fmtScheme name="White">
@@ -7914,11 +6313,14 @@
     <a:spDef>
       <a:spPr>
         <a:solidFill>
-          <a:schemeClr val="accent1"/>
+          <a:srgbClr val="FFFFFF"/>
         </a:solidFill>
-        <a:ln w="12700" cap="flat">
-          <a:noFill/>
-          <a:miter lim="400000"/>
+        <a:ln w="25400" cap="flat">
+          <a:solidFill>
+            <a:schemeClr val="accent1"/>
+          </a:solidFill>
+          <a:prstDash val="solid"/>
+          <a:round/>
         </a:ln>
         <a:effectLst/>
         <a:sp3d/>
@@ -7942,18 +6344,18 @@
           <a:buFontTx/>
           <a:buNone/>
           <a:tabLst/>
-          <a:defRPr kumimoji="0" sz="3200" b="0" i="0" u="none" strike="noStrike" cap="none" spc="0" normalizeH="0" baseline="0">
+          <a:defRPr kumimoji="0" sz="3000" b="0" i="0" u="none" strike="noStrike" cap="none" spc="0" normalizeH="0" baseline="0">
             <a:ln>
               <a:noFill/>
             </a:ln>
             <a:solidFill>
-              <a:srgbClr val="FFFFFF"/>
+              <a:srgbClr val="000000"/>
             </a:solidFill>
             <a:effectLst/>
             <a:uFillTx/>
-            <a:latin typeface="+mn-lt"/>
-            <a:ea typeface="+mn-ea"/>
-            <a:cs typeface="+mn-cs"/>
+            <a:latin typeface="Helvetica Neue Medium"/>
+            <a:ea typeface="Helvetica Neue Medium"/>
+            <a:cs typeface="Helvetica Neue Medium"/>
             <a:sym typeface="Helvetica Neue Medium"/>
           </a:defRPr>
         </a:defPPr>
@@ -8210,10 +6612,10 @@
         <a:noFill/>
         <a:ln w="25400" cap="flat">
           <a:solidFill>
-            <a:srgbClr val="000000"/>
+            <a:schemeClr val="accent1"/>
           </a:solidFill>
           <a:prstDash val="solid"/>
-          <a:miter lim="400000"/>
+          <a:round/>
         </a:ln>
         <a:effectLst/>
         <a:sp3d/>
@@ -8525,7 +6927,7 @@
           <a:buFontTx/>
           <a:buNone/>
           <a:tabLst/>
-          <a:defRPr kumimoji="0" sz="3000" b="1" i="0" u="none" strike="noStrike" cap="none" spc="0" normalizeH="0" baseline="0">
+          <a:defRPr kumimoji="0" sz="3000" b="0" i="0" u="none" strike="noStrike" cap="none" spc="0" normalizeH="0" baseline="0">
             <a:ln>
               <a:noFill/>
             </a:ln>
@@ -8534,10 +6936,10 @@
             </a:solidFill>
             <a:effectLst/>
             <a:uFillTx/>
-            <a:latin typeface="Helvetica Neue"/>
-            <a:ea typeface="Helvetica Neue"/>
-            <a:cs typeface="Helvetica Neue"/>
-            <a:sym typeface="Helvetica Neue"/>
+            <a:latin typeface="Helvetica Neue Medium"/>
+            <a:ea typeface="Helvetica Neue Medium"/>
+            <a:cs typeface="Helvetica Neue Medium"/>
+            <a:sym typeface="Helvetica Neue Medium"/>
           </a:defRPr>
         </a:defPPr>
         <a:lvl1pPr marL="0" marR="0" indent="0" algn="l" defTabSz="914400" rtl="0" fontAlgn="auto" latinLnBrk="1" hangingPunct="0">
@@ -8804,10 +7206,10 @@
         <a:srgbClr val="FFFFFF"/>
       </a:lt1>
       <a:dk2>
-        <a:srgbClr val="5E5E5E"/>
+        <a:srgbClr val="A7A7A7"/>
       </a:dk2>
       <a:lt2>
-        <a:srgbClr val="D5D5D5"/>
+        <a:srgbClr val="535353"/>
       </a:lt2>
       <a:accent1>
         <a:srgbClr val="00A2FF"/>
@@ -8836,14 +7238,14 @@
     </a:clrScheme>
     <a:fontScheme name="White">
       <a:majorFont>
-        <a:latin typeface="Helvetica Neue Medium"/>
-        <a:ea typeface="Helvetica Neue Medium"/>
-        <a:cs typeface="Helvetica Neue Medium"/>
+        <a:latin typeface="Helvetica Neue"/>
+        <a:ea typeface="Helvetica Neue"/>
+        <a:cs typeface="Helvetica Neue"/>
       </a:majorFont>
       <a:minorFont>
-        <a:latin typeface="Helvetica Neue Medium"/>
-        <a:ea typeface="Helvetica Neue Medium"/>
-        <a:cs typeface="Helvetica Neue Medium"/>
+        <a:latin typeface="Helvetica"/>
+        <a:ea typeface="Helvetica"/>
+        <a:cs typeface="Helvetica"/>
       </a:minorFont>
     </a:fontScheme>
     <a:fmtScheme name="White">
@@ -8984,11 +7386,14 @@
     <a:spDef>
       <a:spPr>
         <a:solidFill>
-          <a:schemeClr val="accent1"/>
+          <a:srgbClr val="FFFFFF"/>
         </a:solidFill>
-        <a:ln w="12700" cap="flat">
-          <a:noFill/>
-          <a:miter lim="400000"/>
+        <a:ln w="25400" cap="flat">
+          <a:solidFill>
+            <a:schemeClr val="accent1"/>
+          </a:solidFill>
+          <a:prstDash val="solid"/>
+          <a:round/>
         </a:ln>
         <a:effectLst/>
         <a:sp3d/>
@@ -9012,18 +7417,18 @@
           <a:buFontTx/>
           <a:buNone/>
           <a:tabLst/>
-          <a:defRPr kumimoji="0" sz="3200" b="0" i="0" u="none" strike="noStrike" cap="none" spc="0" normalizeH="0" baseline="0">
+          <a:defRPr kumimoji="0" sz="3000" b="0" i="0" u="none" strike="noStrike" cap="none" spc="0" normalizeH="0" baseline="0">
             <a:ln>
               <a:noFill/>
             </a:ln>
             <a:solidFill>
-              <a:srgbClr val="FFFFFF"/>
+              <a:srgbClr val="000000"/>
             </a:solidFill>
             <a:effectLst/>
             <a:uFillTx/>
-            <a:latin typeface="+mn-lt"/>
-            <a:ea typeface="+mn-ea"/>
-            <a:cs typeface="+mn-cs"/>
+            <a:latin typeface="Helvetica Neue Medium"/>
+            <a:ea typeface="Helvetica Neue Medium"/>
+            <a:cs typeface="Helvetica Neue Medium"/>
             <a:sym typeface="Helvetica Neue Medium"/>
           </a:defRPr>
         </a:defPPr>
@@ -9280,10 +7685,10 @@
         <a:noFill/>
         <a:ln w="25400" cap="flat">
           <a:solidFill>
-            <a:srgbClr val="000000"/>
+            <a:schemeClr val="accent1"/>
           </a:solidFill>
           <a:prstDash val="solid"/>
-          <a:miter lim="400000"/>
+          <a:round/>
         </a:ln>
         <a:effectLst/>
         <a:sp3d/>
@@ -9595,7 +8000,7 @@
           <a:buFontTx/>
           <a:buNone/>
           <a:tabLst/>
-          <a:defRPr kumimoji="0" sz="3000" b="1" i="0" u="none" strike="noStrike" cap="none" spc="0" normalizeH="0" baseline="0">
+          <a:defRPr kumimoji="0" sz="3000" b="0" i="0" u="none" strike="noStrike" cap="none" spc="0" normalizeH="0" baseline="0">
             <a:ln>
               <a:noFill/>
             </a:ln>
@@ -9604,10 +8009,10 @@
             </a:solidFill>
             <a:effectLst/>
             <a:uFillTx/>
-            <a:latin typeface="Helvetica Neue"/>
-            <a:ea typeface="Helvetica Neue"/>
-            <a:cs typeface="Helvetica Neue"/>
-            <a:sym typeface="Helvetica Neue"/>
+            <a:latin typeface="Helvetica Neue Medium"/>
+            <a:ea typeface="Helvetica Neue Medium"/>
+            <a:cs typeface="Helvetica Neue Medium"/>
+            <a:sym typeface="Helvetica Neue Medium"/>
           </a:defRPr>
         </a:defPPr>
         <a:lvl1pPr marL="0" marR="0" indent="0" algn="l" defTabSz="914400" rtl="0" fontAlgn="auto" latinLnBrk="1" hangingPunct="0">
